--- a/_site/docs/Text Categorization.pptx
+++ b/_site/docs/Text Categorization.pptx
@@ -13,6 +13,15 @@
     <p:sldId id="263" r:id="rId7"/>
     <p:sldId id="262" r:id="rId8"/>
     <p:sldId id="260" r:id="rId9"/>
+    <p:sldId id="264" r:id="rId10"/>
+    <p:sldId id="265" r:id="rId11"/>
+    <p:sldId id="266" r:id="rId12"/>
+    <p:sldId id="272" r:id="rId13"/>
+    <p:sldId id="267" r:id="rId14"/>
+    <p:sldId id="268" r:id="rId15"/>
+    <p:sldId id="269" r:id="rId16"/>
+    <p:sldId id="270" r:id="rId17"/>
+    <p:sldId id="271" r:id="rId18"/>
   </p:sldIdLst>
   <p:sldSz cx="9144000" cy="6858000" type="screen4x3"/>
   <p:notesSz cx="6858000" cy="9144000"/>
@@ -311,7 +320,7 @@
           <a:p>
             <a:fld id="{57D8BF03-D9DB-4B76-B1F0-73B01AD38A7F}" type="datetimeFigureOut">
               <a:rPr lang="en-US" smtClean="0"/>
-              <a:t>1/22/2015</a:t>
+              <a:t>2/12/2015</a:t>
             </a:fld>
             <a:endParaRPr lang="en-US"/>
           </a:p>
@@ -481,7 +490,7 @@
           <a:p>
             <a:fld id="{57D8BF03-D9DB-4B76-B1F0-73B01AD38A7F}" type="datetimeFigureOut">
               <a:rPr lang="en-US" smtClean="0"/>
-              <a:t>1/22/2015</a:t>
+              <a:t>2/12/2015</a:t>
             </a:fld>
             <a:endParaRPr lang="en-US"/>
           </a:p>
@@ -661,7 +670,7 @@
           <a:p>
             <a:fld id="{57D8BF03-D9DB-4B76-B1F0-73B01AD38A7F}" type="datetimeFigureOut">
               <a:rPr lang="en-US" smtClean="0"/>
-              <a:t>1/22/2015</a:t>
+              <a:t>2/12/2015</a:t>
             </a:fld>
             <a:endParaRPr lang="en-US"/>
           </a:p>
@@ -831,7 +840,7 @@
           <a:p>
             <a:fld id="{57D8BF03-D9DB-4B76-B1F0-73B01AD38A7F}" type="datetimeFigureOut">
               <a:rPr lang="en-US" smtClean="0"/>
-              <a:t>1/22/2015</a:t>
+              <a:t>2/12/2015</a:t>
             </a:fld>
             <a:endParaRPr lang="en-US"/>
           </a:p>
@@ -1077,7 +1086,7 @@
           <a:p>
             <a:fld id="{57D8BF03-D9DB-4B76-B1F0-73B01AD38A7F}" type="datetimeFigureOut">
               <a:rPr lang="en-US" smtClean="0"/>
-              <a:t>1/22/2015</a:t>
+              <a:t>2/12/2015</a:t>
             </a:fld>
             <a:endParaRPr lang="en-US"/>
           </a:p>
@@ -1365,7 +1374,7 @@
           <a:p>
             <a:fld id="{57D8BF03-D9DB-4B76-B1F0-73B01AD38A7F}" type="datetimeFigureOut">
               <a:rPr lang="en-US" smtClean="0"/>
-              <a:t>1/22/2015</a:t>
+              <a:t>2/12/2015</a:t>
             </a:fld>
             <a:endParaRPr lang="en-US"/>
           </a:p>
@@ -1787,7 +1796,7 @@
           <a:p>
             <a:fld id="{57D8BF03-D9DB-4B76-B1F0-73B01AD38A7F}" type="datetimeFigureOut">
               <a:rPr lang="en-US" smtClean="0"/>
-              <a:t>1/22/2015</a:t>
+              <a:t>2/12/2015</a:t>
             </a:fld>
             <a:endParaRPr lang="en-US"/>
           </a:p>
@@ -1905,7 +1914,7 @@
           <a:p>
             <a:fld id="{57D8BF03-D9DB-4B76-B1F0-73B01AD38A7F}" type="datetimeFigureOut">
               <a:rPr lang="en-US" smtClean="0"/>
-              <a:t>1/22/2015</a:t>
+              <a:t>2/12/2015</a:t>
             </a:fld>
             <a:endParaRPr lang="en-US"/>
           </a:p>
@@ -2000,7 +2009,7 @@
           <a:p>
             <a:fld id="{57D8BF03-D9DB-4B76-B1F0-73B01AD38A7F}" type="datetimeFigureOut">
               <a:rPr lang="en-US" smtClean="0"/>
-              <a:t>1/22/2015</a:t>
+              <a:t>2/12/2015</a:t>
             </a:fld>
             <a:endParaRPr lang="en-US"/>
           </a:p>
@@ -2277,7 +2286,7 @@
           <a:p>
             <a:fld id="{57D8BF03-D9DB-4B76-B1F0-73B01AD38A7F}" type="datetimeFigureOut">
               <a:rPr lang="en-US" smtClean="0"/>
-              <a:t>1/22/2015</a:t>
+              <a:t>2/12/2015</a:t>
             </a:fld>
             <a:endParaRPr lang="en-US"/>
           </a:p>
@@ -2534,7 +2543,7 @@
           <a:p>
             <a:fld id="{57D8BF03-D9DB-4B76-B1F0-73B01AD38A7F}" type="datetimeFigureOut">
               <a:rPr lang="en-US" smtClean="0"/>
-              <a:t>1/22/2015</a:t>
+              <a:t>2/12/2015</a:t>
             </a:fld>
             <a:endParaRPr lang="en-US"/>
           </a:p>
@@ -2747,7 +2756,7 @@
           <a:p>
             <a:fld id="{57D8BF03-D9DB-4B76-B1F0-73B01AD38A7F}" type="datetimeFigureOut">
               <a:rPr lang="en-US" smtClean="0"/>
-              <a:t>1/22/2015</a:t>
+              <a:t>2/12/2015</a:t>
             </a:fld>
             <a:endParaRPr lang="en-US"/>
           </a:p>
@@ -3186,6 +3195,3572 @@
 </p:sld>
 </file>
 
+<file path=ppt/slides/slide10.xml><?xml version="1.0" encoding="utf-8"?>
+<p:sld xmlns:a="http://schemas.openxmlformats.org/drawingml/2006/main" xmlns:r="http://schemas.openxmlformats.org/officeDocument/2006/relationships" xmlns:p="http://schemas.openxmlformats.org/presentationml/2006/main">
+  <p:cSld>
+    <p:spTree>
+      <p:nvGrpSpPr>
+        <p:cNvPr id="1" name=""/>
+        <p:cNvGrpSpPr/>
+        <p:nvPr/>
+      </p:nvGrpSpPr>
+      <p:grpSpPr>
+        <a:xfrm>
+          <a:off x="0" y="0"/>
+          <a:ext cx="0" cy="0"/>
+          <a:chOff x="0" y="0"/>
+          <a:chExt cx="0" cy="0"/>
+        </a:xfrm>
+      </p:grpSpPr>
+      <p:sp>
+        <p:nvSpPr>
+          <p:cNvPr id="2" name="Title 1"/>
+          <p:cNvSpPr>
+            <a:spLocks noGrp="1"/>
+          </p:cNvSpPr>
+          <p:nvPr>
+            <p:ph type="title"/>
+          </p:nvPr>
+        </p:nvSpPr>
+        <p:spPr/>
+        <p:txBody>
+          <a:bodyPr/>
+          <a:lstStyle/>
+          <a:p>
+            <a:r>
+              <a:rPr lang="en-US" dirty="0" smtClean="0"/>
+              <a:t>Loss function</a:t>
+            </a:r>
+            <a:endParaRPr lang="en-US" dirty="0"/>
+          </a:p>
+        </p:txBody>
+      </p:sp>
+      <p:sp>
+        <p:nvSpPr>
+          <p:cNvPr id="3" name="Content Placeholder 2"/>
+          <p:cNvSpPr>
+            <a:spLocks noGrp="1"/>
+          </p:cNvSpPr>
+          <p:nvPr>
+            <p:ph idx="1"/>
+          </p:nvPr>
+        </p:nvSpPr>
+        <p:spPr/>
+        <p:txBody>
+          <a:bodyPr/>
+          <a:lstStyle/>
+          <a:p>
+            <a:r>
+              <a:rPr lang="en-US" dirty="0" smtClean="0"/>
+              <a:t>The penalty we will pay when misclassifying instances</a:t>
+            </a:r>
+          </a:p>
+          <a:p>
+            <a:endParaRPr lang="en-US" dirty="0"/>
+          </a:p>
+          <a:p>
+            <a:endParaRPr lang="en-US" dirty="0" smtClean="0"/>
+          </a:p>
+          <a:p>
+            <a:endParaRPr lang="en-US" dirty="0"/>
+          </a:p>
+          <a:p>
+            <a:r>
+              <a:rPr lang="en-US" dirty="0" smtClean="0"/>
+              <a:t>Goal of classification in general</a:t>
+            </a:r>
+          </a:p>
+          <a:p>
+            <a:pPr lvl="1"/>
+            <a:r>
+              <a:rPr lang="en-US" dirty="0" smtClean="0"/>
+              <a:t>Minimize loss</a:t>
+            </a:r>
+            <a:endParaRPr lang="en-US" dirty="0"/>
+          </a:p>
+        </p:txBody>
+      </p:sp>
+      <mc:AlternateContent xmlns:mc="http://schemas.openxmlformats.org/markup-compatibility/2006">
+        <mc:Choice xmlns:a14="http://schemas.microsoft.com/office/drawing/2010/main" Requires="a14">
+          <p:sp>
+            <p:nvSpPr>
+              <p:cNvPr id="4" name="Rectangle 3"/>
+              <p:cNvSpPr/>
+              <p:nvPr/>
+            </p:nvSpPr>
+            <p:spPr>
+              <a:xfrm>
+                <a:off x="635253" y="2692119"/>
+                <a:ext cx="7682808" cy="895310"/>
+              </a:xfrm>
+              <a:prstGeom prst="rect">
+                <a:avLst/>
+              </a:prstGeom>
+            </p:spPr>
+            <p:txBody>
+              <a:bodyPr wrap="none">
+                <a:spAutoFit/>
+              </a:bodyPr>
+              <a:lstStyle/>
+              <a:p>
+                <a14:m>
+                  <m:oMathPara xmlns:m="http://schemas.openxmlformats.org/officeDocument/2006/math">
+                    <m:oMathParaPr>
+                      <m:jc m:val="centerGroup"/>
+                    </m:oMathParaPr>
+                    <m:oMath xmlns:m="http://schemas.openxmlformats.org/officeDocument/2006/math">
+                      <m:r>
+                        <a:rPr lang="en-US" sz="2400" i="1" smtClean="0">
+                          <a:latin typeface="Cambria Math" panose="02040503050406030204" pitchFamily="18" charset="0"/>
+                        </a:rPr>
+                        <m:t>𝐸</m:t>
+                      </m:r>
+                      <m:d>
+                        <m:dPr>
+                          <m:begChr m:val="["/>
+                          <m:endChr m:val="]"/>
+                          <m:ctrlPr>
+                            <a:rPr lang="en-US" sz="2400" i="1">
+                              <a:latin typeface="Cambria Math" panose="02040503050406030204" pitchFamily="18" charset="0"/>
+                            </a:rPr>
+                          </m:ctrlPr>
+                        </m:dPr>
+                        <m:e>
+                          <m:r>
+                            <a:rPr lang="en-US" sz="2400" b="0" i="1" smtClean="0">
+                              <a:latin typeface="Cambria Math" panose="02040503050406030204" pitchFamily="18" charset="0"/>
+                            </a:rPr>
+                            <m:t>𝐿</m:t>
+                          </m:r>
+                        </m:e>
+                      </m:d>
+                      <m:r>
+                        <a:rPr lang="en-US" sz="2400" b="0" i="1" smtClean="0">
+                          <a:latin typeface="Cambria Math" panose="02040503050406030204" pitchFamily="18" charset="0"/>
+                        </a:rPr>
+                        <m:t>=</m:t>
+                      </m:r>
+                      <m:sSub>
+                        <m:sSubPr>
+                          <m:ctrlPr>
+                            <a:rPr lang="en-US" sz="2400" b="0" i="1" smtClean="0">
+                              <a:latin typeface="Cambria Math" panose="02040503050406030204" pitchFamily="18" charset="0"/>
+                            </a:rPr>
+                          </m:ctrlPr>
+                        </m:sSubPr>
+                        <m:e>
+                          <m:r>
+                            <a:rPr lang="en-US" sz="2400" b="0" i="1" smtClean="0">
+                              <a:latin typeface="Cambria Math" panose="02040503050406030204" pitchFamily="18" charset="0"/>
+                            </a:rPr>
+                            <m:t>𝐿</m:t>
+                          </m:r>
+                        </m:e>
+                        <m:sub>
+                          <m:r>
+                            <a:rPr lang="en-US" sz="2400" b="0" i="1" smtClean="0">
+                              <a:latin typeface="Cambria Math" panose="02040503050406030204" pitchFamily="18" charset="0"/>
+                            </a:rPr>
+                            <m:t>1,0</m:t>
+                          </m:r>
+                        </m:sub>
+                      </m:sSub>
+                      <m:r>
+                        <a:rPr lang="en-US" sz="2400" i="1">
+                          <a:latin typeface="Cambria Math" panose="02040503050406030204" pitchFamily="18" charset="0"/>
+                        </a:rPr>
+                        <m:t>𝑝</m:t>
+                      </m:r>
+                      <m:d>
+                        <m:dPr>
+                          <m:ctrlPr>
+                            <a:rPr lang="en-US" sz="2400" i="1">
+                              <a:latin typeface="Cambria Math" panose="02040503050406030204" pitchFamily="18" charset="0"/>
+                            </a:rPr>
+                          </m:ctrlPr>
+                        </m:dPr>
+                        <m:e>
+                          <m:r>
+                            <a:rPr lang="en-US" sz="2400" i="1">
+                              <a:latin typeface="Cambria Math" panose="02040503050406030204" pitchFamily="18" charset="0"/>
+                            </a:rPr>
+                            <m:t>𝑦</m:t>
+                          </m:r>
+                          <m:r>
+                            <a:rPr lang="en-US" sz="2400" i="1">
+                              <a:latin typeface="Cambria Math" panose="02040503050406030204" pitchFamily="18" charset="0"/>
+                            </a:rPr>
+                            <m:t>=1</m:t>
+                          </m:r>
+                        </m:e>
+                      </m:d>
+                      <m:nary>
+                        <m:naryPr>
+                          <m:supHide m:val="on"/>
+                          <m:ctrlPr>
+                            <a:rPr lang="en-US" sz="2400" i="1" dirty="0">
+                              <a:latin typeface="Cambria Math" panose="02040503050406030204" pitchFamily="18" charset="0"/>
+                            </a:rPr>
+                          </m:ctrlPr>
+                        </m:naryPr>
+                        <m:sub>
+                          <m:sSub>
+                            <m:sSubPr>
+                              <m:ctrlPr>
+                                <a:rPr lang="en-US" sz="2400" i="1" dirty="0">
+                                  <a:latin typeface="Cambria Math" panose="02040503050406030204" pitchFamily="18" charset="0"/>
+                                </a:rPr>
+                              </m:ctrlPr>
+                            </m:sSubPr>
+                            <m:e>
+                              <m:r>
+                                <a:rPr lang="en-US" sz="2400" b="0" i="1" dirty="0" smtClean="0">
+                                  <a:latin typeface="Cambria Math" panose="02040503050406030204" pitchFamily="18" charset="0"/>
+                                </a:rPr>
+                                <m:t>𝑅</m:t>
+                              </m:r>
+                            </m:e>
+                            <m:sub>
+                              <m:r>
+                                <a:rPr lang="en-US" sz="2400" i="1" dirty="0">
+                                  <a:latin typeface="Cambria Math" panose="02040503050406030204" pitchFamily="18" charset="0"/>
+                                </a:rPr>
+                                <m:t>0</m:t>
+                              </m:r>
+                            </m:sub>
+                          </m:sSub>
+                        </m:sub>
+                        <m:sup/>
+                        <m:e>
+                          <m:r>
+                            <a:rPr lang="en-US" sz="2400" i="1" dirty="0">
+                              <a:latin typeface="Cambria Math" panose="02040503050406030204" pitchFamily="18" charset="0"/>
+                            </a:rPr>
+                            <m:t>𝑝</m:t>
+                          </m:r>
+                          <m:d>
+                            <m:dPr>
+                              <m:ctrlPr>
+                                <a:rPr lang="en-US" sz="2400" i="1" dirty="0">
+                                  <a:latin typeface="Cambria Math" panose="02040503050406030204" pitchFamily="18" charset="0"/>
+                                </a:rPr>
+                              </m:ctrlPr>
+                            </m:dPr>
+                            <m:e>
+                              <m:r>
+                                <a:rPr lang="en-US" sz="2400" i="1" dirty="0">
+                                  <a:latin typeface="Cambria Math" panose="02040503050406030204" pitchFamily="18" charset="0"/>
+                                </a:rPr>
+                                <m:t>𝑥</m:t>
+                              </m:r>
+                            </m:e>
+                          </m:d>
+                          <m:r>
+                            <a:rPr lang="en-US" sz="2400" i="1" dirty="0">
+                              <a:latin typeface="Cambria Math" panose="02040503050406030204" pitchFamily="18" charset="0"/>
+                            </a:rPr>
+                            <m:t>𝑑𝑥</m:t>
+                          </m:r>
+                        </m:e>
+                      </m:nary>
+                      <m:r>
+                        <a:rPr lang="en-US" sz="2400" i="1" dirty="0">
+                          <a:latin typeface="Cambria Math" panose="02040503050406030204" pitchFamily="18" charset="0"/>
+                        </a:rPr>
+                        <m:t>+</m:t>
+                      </m:r>
+                      <m:sSub>
+                        <m:sSubPr>
+                          <m:ctrlPr>
+                            <a:rPr lang="en-US" sz="2400" i="1">
+                              <a:latin typeface="Cambria Math" panose="02040503050406030204" pitchFamily="18" charset="0"/>
+                            </a:rPr>
+                          </m:ctrlPr>
+                        </m:sSubPr>
+                        <m:e>
+                          <m:r>
+                            <a:rPr lang="en-US" sz="2400" i="1">
+                              <a:latin typeface="Cambria Math" panose="02040503050406030204" pitchFamily="18" charset="0"/>
+                            </a:rPr>
+                            <m:t>𝐿</m:t>
+                          </m:r>
+                        </m:e>
+                        <m:sub>
+                          <m:r>
+                            <a:rPr lang="en-US" sz="2400" b="0" i="1" smtClean="0">
+                              <a:latin typeface="Cambria Math" panose="02040503050406030204" pitchFamily="18" charset="0"/>
+                            </a:rPr>
+                            <m:t>0</m:t>
+                          </m:r>
+                          <m:r>
+                            <a:rPr lang="en-US" sz="2400" i="1">
+                              <a:latin typeface="Cambria Math" panose="02040503050406030204" pitchFamily="18" charset="0"/>
+                            </a:rPr>
+                            <m:t>,</m:t>
+                          </m:r>
+                          <m:r>
+                            <a:rPr lang="en-US" sz="2400" b="0" i="1" smtClean="0">
+                              <a:latin typeface="Cambria Math" panose="02040503050406030204" pitchFamily="18" charset="0"/>
+                            </a:rPr>
+                            <m:t>1</m:t>
+                          </m:r>
+                        </m:sub>
+                      </m:sSub>
+                      <m:r>
+                        <a:rPr lang="en-US" sz="2400" i="1">
+                          <a:latin typeface="Cambria Math" panose="02040503050406030204" pitchFamily="18" charset="0"/>
+                        </a:rPr>
+                        <m:t>𝑝</m:t>
+                      </m:r>
+                      <m:d>
+                        <m:dPr>
+                          <m:ctrlPr>
+                            <a:rPr lang="en-US" sz="2400" i="1">
+                              <a:latin typeface="Cambria Math" panose="02040503050406030204" pitchFamily="18" charset="0"/>
+                            </a:rPr>
+                          </m:ctrlPr>
+                        </m:dPr>
+                        <m:e>
+                          <m:r>
+                            <a:rPr lang="en-US" sz="2400" i="1">
+                              <a:latin typeface="Cambria Math" panose="02040503050406030204" pitchFamily="18" charset="0"/>
+                            </a:rPr>
+                            <m:t>𝑦</m:t>
+                          </m:r>
+                          <m:r>
+                            <a:rPr lang="en-US" sz="2400" i="1">
+                              <a:latin typeface="Cambria Math" panose="02040503050406030204" pitchFamily="18" charset="0"/>
+                            </a:rPr>
+                            <m:t>=0</m:t>
+                          </m:r>
+                        </m:e>
+                      </m:d>
+                      <m:nary>
+                        <m:naryPr>
+                          <m:supHide m:val="on"/>
+                          <m:ctrlPr>
+                            <a:rPr lang="en-US" sz="2400" i="1" dirty="0">
+                              <a:latin typeface="Cambria Math" panose="02040503050406030204" pitchFamily="18" charset="0"/>
+                            </a:rPr>
+                          </m:ctrlPr>
+                        </m:naryPr>
+                        <m:sub>
+                          <m:sSub>
+                            <m:sSubPr>
+                              <m:ctrlPr>
+                                <a:rPr lang="en-US" sz="2400" i="1" dirty="0">
+                                  <a:latin typeface="Cambria Math" panose="02040503050406030204" pitchFamily="18" charset="0"/>
+                                </a:rPr>
+                              </m:ctrlPr>
+                            </m:sSubPr>
+                            <m:e>
+                              <m:r>
+                                <a:rPr lang="en-US" sz="2400" b="0" i="1" dirty="0" smtClean="0">
+                                  <a:latin typeface="Cambria Math" panose="02040503050406030204" pitchFamily="18" charset="0"/>
+                                </a:rPr>
+                                <m:t>𝑅</m:t>
+                              </m:r>
+                            </m:e>
+                            <m:sub>
+                              <m:r>
+                                <a:rPr lang="en-US" sz="2400" i="1" dirty="0">
+                                  <a:latin typeface="Cambria Math" panose="02040503050406030204" pitchFamily="18" charset="0"/>
+                                </a:rPr>
+                                <m:t>1</m:t>
+                              </m:r>
+                            </m:sub>
+                          </m:sSub>
+                        </m:sub>
+                        <m:sup/>
+                        <m:e>
+                          <m:r>
+                            <a:rPr lang="en-US" sz="2400" i="1" dirty="0">
+                              <a:latin typeface="Cambria Math" panose="02040503050406030204" pitchFamily="18" charset="0"/>
+                            </a:rPr>
+                            <m:t>𝑝</m:t>
+                          </m:r>
+                          <m:d>
+                            <m:dPr>
+                              <m:ctrlPr>
+                                <a:rPr lang="en-US" sz="2400" i="1" dirty="0">
+                                  <a:latin typeface="Cambria Math" panose="02040503050406030204" pitchFamily="18" charset="0"/>
+                                </a:rPr>
+                              </m:ctrlPr>
+                            </m:dPr>
+                            <m:e>
+                              <m:r>
+                                <a:rPr lang="en-US" sz="2400" i="1" dirty="0">
+                                  <a:latin typeface="Cambria Math" panose="02040503050406030204" pitchFamily="18" charset="0"/>
+                                </a:rPr>
+                                <m:t>𝑥</m:t>
+                              </m:r>
+                            </m:e>
+                          </m:d>
+                          <m:r>
+                            <a:rPr lang="en-US" sz="2400" i="1" dirty="0">
+                              <a:latin typeface="Cambria Math" panose="02040503050406030204" pitchFamily="18" charset="0"/>
+                            </a:rPr>
+                            <m:t>𝑑𝑥</m:t>
+                          </m:r>
+                        </m:e>
+                      </m:nary>
+                    </m:oMath>
+                  </m:oMathPara>
+                </a14:m>
+                <a:endParaRPr lang="en-US" sz="2400" dirty="0"/>
+              </a:p>
+            </p:txBody>
+          </p:sp>
+        </mc:Choice>
+        <mc:Fallback>
+          <p:sp>
+            <p:nvSpPr>
+              <p:cNvPr id="4" name="Rectangle 3"/>
+              <p:cNvSpPr>
+                <a:spLocks noRot="1" noChangeAspect="1" noMove="1" noResize="1" noEditPoints="1" noAdjustHandles="1" noChangeArrowheads="1" noChangeShapeType="1" noTextEdit="1"/>
+              </p:cNvSpPr>
+              <p:nvPr/>
+            </p:nvSpPr>
+            <p:spPr>
+              <a:xfrm>
+                <a:off x="635253" y="2692119"/>
+                <a:ext cx="7682808" cy="895310"/>
+              </a:xfrm>
+              <a:prstGeom prst="rect">
+                <a:avLst/>
+              </a:prstGeom>
+              <a:blipFill rotWithShape="0">
+                <a:blip r:embed="rId2"/>
+                <a:stretch>
+                  <a:fillRect/>
+                </a:stretch>
+              </a:blipFill>
+            </p:spPr>
+            <p:txBody>
+              <a:bodyPr/>
+              <a:lstStyle/>
+              <a:p>
+                <a:r>
+                  <a:rPr lang="en-US">
+                    <a:noFill/>
+                  </a:rPr>
+                  <a:t> </a:t>
+                </a:r>
+              </a:p>
+            </p:txBody>
+          </p:sp>
+        </mc:Fallback>
+      </mc:AlternateContent>
+      <mc:AlternateContent xmlns:mc="http://schemas.openxmlformats.org/markup-compatibility/2006">
+        <mc:Choice xmlns:a14="http://schemas.microsoft.com/office/drawing/2010/main" Requires="a14">
+          <p:sp>
+            <p:nvSpPr>
+              <p:cNvPr id="5" name="TextBox 4"/>
+              <p:cNvSpPr txBox="1"/>
+              <p:nvPr/>
+            </p:nvSpPr>
+            <p:spPr>
+              <a:xfrm>
+                <a:off x="1503226" y="3700187"/>
+                <a:ext cx="2286000" cy="646331"/>
+              </a:xfrm>
+              <a:prstGeom prst="rect">
+                <a:avLst/>
+              </a:prstGeom>
+              <a:noFill/>
+            </p:spPr>
+            <p:txBody>
+              <a:bodyPr wrap="square" rtlCol="0">
+                <a:spAutoFit/>
+              </a:bodyPr>
+              <a:lstStyle/>
+              <a:p>
+                <a:r>
+                  <a:rPr lang="en-US" dirty="0" smtClean="0"/>
+                  <a:t>Penalty when misclassifying </a:t>
+                </a:r>
+                <a14:m>
+                  <m:oMath xmlns:m="http://schemas.openxmlformats.org/officeDocument/2006/math">
+                    <m:sSub>
+                      <m:sSubPr>
+                        <m:ctrlPr>
+                          <a:rPr lang="en-US" i="1" dirty="0">
+                            <a:latin typeface="Cambria Math" panose="02040503050406030204" pitchFamily="18" charset="0"/>
+                          </a:rPr>
+                        </m:ctrlPr>
+                      </m:sSubPr>
+                      <m:e>
+                        <m:r>
+                          <a:rPr lang="en-US" i="1" dirty="0">
+                            <a:latin typeface="Cambria Math" panose="02040503050406030204" pitchFamily="18" charset="0"/>
+                          </a:rPr>
+                          <m:t>𝑐</m:t>
+                        </m:r>
+                      </m:e>
+                      <m:sub>
+                        <m:r>
+                          <a:rPr lang="en-US" i="1" dirty="0">
+                            <a:latin typeface="Cambria Math" panose="02040503050406030204" pitchFamily="18" charset="0"/>
+                          </a:rPr>
+                          <m:t>1</m:t>
+                        </m:r>
+                      </m:sub>
+                    </m:sSub>
+                  </m:oMath>
+                </a14:m>
+                <a:r>
+                  <a:rPr lang="en-US" i="1" dirty="0"/>
+                  <a:t> </a:t>
+                </a:r>
+                <a:r>
+                  <a:rPr lang="en-US" dirty="0"/>
+                  <a:t>to</a:t>
+                </a:r>
+                <a:r>
+                  <a:rPr lang="en-US" i="1" dirty="0"/>
+                  <a:t> </a:t>
+                </a:r>
+                <a14:m>
+                  <m:oMath xmlns:m="http://schemas.openxmlformats.org/officeDocument/2006/math">
+                    <m:sSub>
+                      <m:sSubPr>
+                        <m:ctrlPr>
+                          <a:rPr lang="en-US" i="1" dirty="0">
+                            <a:latin typeface="Cambria Math" panose="02040503050406030204" pitchFamily="18" charset="0"/>
+                          </a:rPr>
+                        </m:ctrlPr>
+                      </m:sSubPr>
+                      <m:e>
+                        <m:r>
+                          <a:rPr lang="en-US" i="1" dirty="0">
+                            <a:latin typeface="Cambria Math" panose="02040503050406030204" pitchFamily="18" charset="0"/>
+                          </a:rPr>
+                          <m:t>𝑐</m:t>
+                        </m:r>
+                      </m:e>
+                      <m:sub>
+                        <m:r>
+                          <a:rPr lang="en-US" i="1" dirty="0">
+                            <a:latin typeface="Cambria Math" panose="02040503050406030204" pitchFamily="18" charset="0"/>
+                          </a:rPr>
+                          <m:t>0</m:t>
+                        </m:r>
+                      </m:sub>
+                    </m:sSub>
+                  </m:oMath>
+                </a14:m>
+                <a:r>
+                  <a:rPr lang="en-US" dirty="0" smtClean="0"/>
+                  <a:t> </a:t>
+                </a:r>
+                <a:endParaRPr lang="en-US" dirty="0"/>
+              </a:p>
+            </p:txBody>
+          </p:sp>
+        </mc:Choice>
+        <mc:Fallback>
+          <p:sp>
+            <p:nvSpPr>
+              <p:cNvPr id="5" name="TextBox 4"/>
+              <p:cNvSpPr txBox="1">
+                <a:spLocks noRot="1" noChangeAspect="1" noMove="1" noResize="1" noEditPoints="1" noAdjustHandles="1" noChangeArrowheads="1" noChangeShapeType="1" noTextEdit="1"/>
+              </p:cNvSpPr>
+              <p:nvPr/>
+            </p:nvSpPr>
+            <p:spPr>
+              <a:xfrm>
+                <a:off x="1503226" y="3700187"/>
+                <a:ext cx="2286000" cy="646331"/>
+              </a:xfrm>
+              <a:prstGeom prst="rect">
+                <a:avLst/>
+              </a:prstGeom>
+              <a:blipFill rotWithShape="0">
+                <a:blip r:embed="rId3"/>
+                <a:stretch>
+                  <a:fillRect l="-2400" t="-5660" b="-14151"/>
+                </a:stretch>
+              </a:blipFill>
+            </p:spPr>
+            <p:txBody>
+              <a:bodyPr/>
+              <a:lstStyle/>
+              <a:p>
+                <a:r>
+                  <a:rPr lang="en-US">
+                    <a:noFill/>
+                  </a:rPr>
+                  <a:t> </a:t>
+                </a:r>
+              </a:p>
+            </p:txBody>
+          </p:sp>
+        </mc:Fallback>
+      </mc:AlternateContent>
+      <p:cxnSp>
+        <p:nvCxnSpPr>
+          <p:cNvPr id="7" name="Straight Arrow Connector 6"/>
+          <p:cNvCxnSpPr>
+            <a:stCxn id="5" idx="0"/>
+          </p:cNvCxnSpPr>
+          <p:nvPr/>
+        </p:nvCxnSpPr>
+        <p:spPr>
+          <a:xfrm flipH="1" flipV="1">
+            <a:off x="2091268" y="3318935"/>
+            <a:ext cx="554958" cy="381252"/>
+          </a:xfrm>
+          <a:prstGeom prst="straightConnector1">
+            <a:avLst/>
+          </a:prstGeom>
+          <a:ln w="12700">
+            <a:solidFill>
+              <a:srgbClr val="FF0000"/>
+            </a:solidFill>
+            <a:tailEnd type="triangle"/>
+          </a:ln>
+        </p:spPr>
+        <p:style>
+          <a:lnRef idx="1">
+            <a:schemeClr val="accent1"/>
+          </a:lnRef>
+          <a:fillRef idx="0">
+            <a:schemeClr val="accent1"/>
+          </a:fillRef>
+          <a:effectRef idx="0">
+            <a:schemeClr val="accent1"/>
+          </a:effectRef>
+          <a:fontRef idx="minor">
+            <a:schemeClr val="tx1"/>
+          </a:fontRef>
+        </p:style>
+      </p:cxnSp>
+      <mc:AlternateContent xmlns:mc="http://schemas.openxmlformats.org/markup-compatibility/2006">
+        <mc:Choice xmlns:a14="http://schemas.microsoft.com/office/drawing/2010/main" Requires="a14">
+          <p:sp>
+            <p:nvSpPr>
+              <p:cNvPr id="13" name="TextBox 12"/>
+              <p:cNvSpPr txBox="1"/>
+              <p:nvPr/>
+            </p:nvSpPr>
+            <p:spPr>
+              <a:xfrm>
+                <a:off x="4872959" y="3700187"/>
+                <a:ext cx="2286000" cy="646331"/>
+              </a:xfrm>
+              <a:prstGeom prst="rect">
+                <a:avLst/>
+              </a:prstGeom>
+              <a:noFill/>
+            </p:spPr>
+            <p:txBody>
+              <a:bodyPr wrap="square" rtlCol="0">
+                <a:spAutoFit/>
+              </a:bodyPr>
+              <a:lstStyle/>
+              <a:p>
+                <a:r>
+                  <a:rPr lang="en-US" dirty="0" smtClean="0"/>
+                  <a:t>Penalty when misclassifying </a:t>
+                </a:r>
+                <a14:m>
+                  <m:oMath xmlns:m="http://schemas.openxmlformats.org/officeDocument/2006/math">
+                    <m:sSub>
+                      <m:sSubPr>
+                        <m:ctrlPr>
+                          <a:rPr lang="en-US" i="1" dirty="0">
+                            <a:latin typeface="Cambria Math" panose="02040503050406030204" pitchFamily="18" charset="0"/>
+                          </a:rPr>
+                        </m:ctrlPr>
+                      </m:sSubPr>
+                      <m:e>
+                        <m:r>
+                          <a:rPr lang="en-US" i="1" dirty="0">
+                            <a:latin typeface="Cambria Math" panose="02040503050406030204" pitchFamily="18" charset="0"/>
+                          </a:rPr>
+                          <m:t>𝑐</m:t>
+                        </m:r>
+                      </m:e>
+                      <m:sub>
+                        <m:r>
+                          <a:rPr lang="en-US" i="1" dirty="0">
+                            <a:latin typeface="Cambria Math" panose="02040503050406030204" pitchFamily="18" charset="0"/>
+                          </a:rPr>
+                          <m:t>0</m:t>
+                        </m:r>
+                      </m:sub>
+                    </m:sSub>
+                  </m:oMath>
+                </a14:m>
+                <a:r>
+                  <a:rPr lang="en-US" i="1" dirty="0" smtClean="0"/>
+                  <a:t> </a:t>
+                </a:r>
+                <a:r>
+                  <a:rPr lang="en-US" dirty="0"/>
+                  <a:t>to</a:t>
+                </a:r>
+                <a:r>
+                  <a:rPr lang="en-US" i="1" dirty="0"/>
+                  <a:t> </a:t>
+                </a:r>
+                <a14:m>
+                  <m:oMath xmlns:m="http://schemas.openxmlformats.org/officeDocument/2006/math">
+                    <m:sSub>
+                      <m:sSubPr>
+                        <m:ctrlPr>
+                          <a:rPr lang="en-US" i="1" dirty="0">
+                            <a:latin typeface="Cambria Math" panose="02040503050406030204" pitchFamily="18" charset="0"/>
+                          </a:rPr>
+                        </m:ctrlPr>
+                      </m:sSubPr>
+                      <m:e>
+                        <m:r>
+                          <a:rPr lang="en-US" i="1" dirty="0">
+                            <a:latin typeface="Cambria Math" panose="02040503050406030204" pitchFamily="18" charset="0"/>
+                          </a:rPr>
+                          <m:t>𝑐</m:t>
+                        </m:r>
+                      </m:e>
+                      <m:sub>
+                        <m:r>
+                          <a:rPr lang="en-US" i="1" dirty="0">
+                            <a:latin typeface="Cambria Math" panose="02040503050406030204" pitchFamily="18" charset="0"/>
+                          </a:rPr>
+                          <m:t>1</m:t>
+                        </m:r>
+                      </m:sub>
+                    </m:sSub>
+                  </m:oMath>
+                </a14:m>
+                <a:r>
+                  <a:rPr lang="en-US" dirty="0" smtClean="0"/>
+                  <a:t> </a:t>
+                </a:r>
+                <a:endParaRPr lang="en-US" dirty="0"/>
+              </a:p>
+            </p:txBody>
+          </p:sp>
+        </mc:Choice>
+        <mc:Fallback>
+          <p:sp>
+            <p:nvSpPr>
+              <p:cNvPr id="13" name="TextBox 12"/>
+              <p:cNvSpPr txBox="1">
+                <a:spLocks noRot="1" noChangeAspect="1" noMove="1" noResize="1" noEditPoints="1" noAdjustHandles="1" noChangeArrowheads="1" noChangeShapeType="1" noTextEdit="1"/>
+              </p:cNvSpPr>
+              <p:nvPr/>
+            </p:nvSpPr>
+            <p:spPr>
+              <a:xfrm>
+                <a:off x="4872959" y="3700187"/>
+                <a:ext cx="2286000" cy="646331"/>
+              </a:xfrm>
+              <a:prstGeom prst="rect">
+                <a:avLst/>
+              </a:prstGeom>
+              <a:blipFill rotWithShape="0">
+                <a:blip r:embed="rId4"/>
+                <a:stretch>
+                  <a:fillRect l="-2133" t="-5660" b="-14151"/>
+                </a:stretch>
+              </a:blipFill>
+            </p:spPr>
+            <p:txBody>
+              <a:bodyPr/>
+              <a:lstStyle/>
+              <a:p>
+                <a:r>
+                  <a:rPr lang="en-US">
+                    <a:noFill/>
+                  </a:rPr>
+                  <a:t> </a:t>
+                </a:r>
+              </a:p>
+            </p:txBody>
+          </p:sp>
+        </mc:Fallback>
+      </mc:AlternateContent>
+      <p:cxnSp>
+        <p:nvCxnSpPr>
+          <p:cNvPr id="14" name="Straight Arrow Connector 13"/>
+          <p:cNvCxnSpPr>
+            <a:stCxn id="13" idx="0"/>
+          </p:cNvCxnSpPr>
+          <p:nvPr/>
+        </p:nvCxnSpPr>
+        <p:spPr>
+          <a:xfrm flipH="1" flipV="1">
+            <a:off x="5461001" y="3318934"/>
+            <a:ext cx="554958" cy="381253"/>
+          </a:xfrm>
+          <a:prstGeom prst="straightConnector1">
+            <a:avLst/>
+          </a:prstGeom>
+          <a:ln w="12700">
+            <a:solidFill>
+              <a:srgbClr val="FF0000"/>
+            </a:solidFill>
+            <a:tailEnd type="triangle"/>
+          </a:ln>
+        </p:spPr>
+        <p:style>
+          <a:lnRef idx="1">
+            <a:schemeClr val="accent1"/>
+          </a:lnRef>
+          <a:fillRef idx="0">
+            <a:schemeClr val="accent1"/>
+          </a:fillRef>
+          <a:effectRef idx="0">
+            <a:schemeClr val="accent1"/>
+          </a:effectRef>
+          <a:fontRef idx="minor">
+            <a:schemeClr val="tx1"/>
+          </a:fontRef>
+        </p:style>
+      </p:cxnSp>
+    </p:spTree>
+    <p:extLst>
+      <p:ext uri="{BB962C8B-B14F-4D97-AF65-F5344CB8AC3E}">
+        <p14:creationId xmlns:p14="http://schemas.microsoft.com/office/powerpoint/2010/main" val="2444484493"/>
+      </p:ext>
+    </p:extLst>
+  </p:cSld>
+  <p:clrMapOvr>
+    <a:masterClrMapping/>
+  </p:clrMapOvr>
+</p:sld>
+</file>
+
+<file path=ppt/slides/slide11.xml><?xml version="1.0" encoding="utf-8"?>
+<p:sld xmlns:a="http://schemas.openxmlformats.org/drawingml/2006/main" xmlns:r="http://schemas.openxmlformats.org/officeDocument/2006/relationships" xmlns:p="http://schemas.openxmlformats.org/presentationml/2006/main">
+  <p:cSld>
+    <p:spTree>
+      <p:nvGrpSpPr>
+        <p:cNvPr id="1" name=""/>
+        <p:cNvGrpSpPr/>
+        <p:nvPr/>
+      </p:nvGrpSpPr>
+      <p:grpSpPr>
+        <a:xfrm>
+          <a:off x="0" y="0"/>
+          <a:ext cx="0" cy="0"/>
+          <a:chOff x="0" y="0"/>
+          <a:chExt cx="0" cy="0"/>
+        </a:xfrm>
+      </p:grpSpPr>
+      <p:sp>
+        <p:nvSpPr>
+          <p:cNvPr id="2" name="Title 1"/>
+          <p:cNvSpPr>
+            <a:spLocks noGrp="1"/>
+          </p:cNvSpPr>
+          <p:nvPr>
+            <p:ph type="title"/>
+          </p:nvPr>
+        </p:nvSpPr>
+        <p:spPr/>
+        <p:txBody>
+          <a:bodyPr/>
+          <a:lstStyle/>
+          <a:p>
+            <a:r>
+              <a:rPr lang="en-US" dirty="0" smtClean="0"/>
+              <a:t>Type of classification methods</a:t>
+            </a:r>
+            <a:endParaRPr lang="en-US" dirty="0"/>
+          </a:p>
+        </p:txBody>
+      </p:sp>
+      <mc:AlternateContent xmlns:mc="http://schemas.openxmlformats.org/markup-compatibility/2006">
+        <mc:Choice xmlns:a14="http://schemas.microsoft.com/office/drawing/2010/main" Requires="a14">
+          <p:sp>
+            <p:nvSpPr>
+              <p:cNvPr id="3" name="Content Placeholder 2"/>
+              <p:cNvSpPr>
+                <a:spLocks noGrp="1"/>
+              </p:cNvSpPr>
+              <p:nvPr>
+                <p:ph idx="1"/>
+              </p:nvPr>
+            </p:nvSpPr>
+            <p:spPr>
+              <a:xfrm>
+                <a:off x="457200" y="1600200"/>
+                <a:ext cx="8229600" cy="4741333"/>
+              </a:xfrm>
+            </p:spPr>
+            <p:txBody>
+              <a:bodyPr>
+                <a:normAutofit fontScale="92500" lnSpcReduction="10000"/>
+              </a:bodyPr>
+              <a:lstStyle/>
+              <a:p>
+                <a:r>
+                  <a:rPr lang="en-US" dirty="0" smtClean="0"/>
+                  <a:t>Model-less</a:t>
+                </a:r>
+              </a:p>
+              <a:p>
+                <a:pPr lvl="1"/>
+                <a:r>
+                  <a:rPr lang="en-US" dirty="0"/>
+                  <a:t>Instance based </a:t>
+                </a:r>
+                <a:r>
+                  <a:rPr lang="en-US" dirty="0" smtClean="0"/>
+                  <a:t>classifiers</a:t>
+                </a:r>
+              </a:p>
+              <a:p>
+                <a:pPr lvl="2"/>
+                <a:r>
+                  <a:rPr lang="en-US" dirty="0"/>
+                  <a:t>Use observation </a:t>
+                </a:r>
+                <a:r>
+                  <a:rPr lang="en-US" dirty="0" smtClean="0"/>
+                  <a:t>directly</a:t>
+                </a:r>
+              </a:p>
+              <a:p>
+                <a:pPr lvl="2"/>
+                <a:r>
+                  <a:rPr lang="en-US" dirty="0" smtClean="0"/>
+                  <a:t>E.g., </a:t>
+                </a:r>
+                <a:r>
+                  <a:rPr lang="en-US" dirty="0" err="1" smtClean="0"/>
+                  <a:t>kNN</a:t>
+                </a:r>
+                <a:endParaRPr lang="en-US" dirty="0" smtClean="0"/>
+              </a:p>
+              <a:p>
+                <a:r>
+                  <a:rPr lang="en-US" dirty="0" smtClean="0"/>
+                  <a:t>Model-based</a:t>
+                </a:r>
+              </a:p>
+              <a:p>
+                <a:pPr lvl="1"/>
+                <a:r>
+                  <a:rPr lang="en-US" dirty="0" smtClean="0"/>
+                  <a:t>Generative models</a:t>
+                </a:r>
+              </a:p>
+              <a:p>
+                <a:pPr lvl="2"/>
+                <a:r>
+                  <a:rPr lang="en-US" dirty="0" smtClean="0"/>
+                  <a:t>Modeling joint probability of </a:t>
+                </a:r>
+                <a14:m>
+                  <m:oMath xmlns:m="http://schemas.openxmlformats.org/officeDocument/2006/math">
+                    <m:r>
+                      <a:rPr lang="en-US" b="0" i="1" smtClean="0">
+                        <a:latin typeface="Cambria Math" panose="02040503050406030204" pitchFamily="18" charset="0"/>
+                      </a:rPr>
+                      <m:t>𝑝</m:t>
+                    </m:r>
+                    <m:r>
+                      <a:rPr lang="en-US" b="0" i="1" smtClean="0">
+                        <a:latin typeface="Cambria Math" panose="02040503050406030204" pitchFamily="18" charset="0"/>
+                      </a:rPr>
+                      <m:t>(</m:t>
+                    </m:r>
+                    <m:r>
+                      <a:rPr lang="en-US" b="0" i="1" smtClean="0">
+                        <a:latin typeface="Cambria Math" panose="02040503050406030204" pitchFamily="18" charset="0"/>
+                      </a:rPr>
+                      <m:t>𝑥</m:t>
+                    </m:r>
+                    <m:r>
+                      <a:rPr lang="en-US" b="0" i="1" smtClean="0">
+                        <a:latin typeface="Cambria Math" panose="02040503050406030204" pitchFamily="18" charset="0"/>
+                      </a:rPr>
+                      <m:t>,</m:t>
+                    </m:r>
+                    <m:r>
+                      <a:rPr lang="en-US" b="0" i="1" smtClean="0">
+                        <a:latin typeface="Cambria Math" panose="02040503050406030204" pitchFamily="18" charset="0"/>
+                      </a:rPr>
+                      <m:t>𝑦</m:t>
+                    </m:r>
+                    <m:r>
+                      <a:rPr lang="en-US" b="0" i="1" smtClean="0">
+                        <a:latin typeface="Cambria Math" panose="02040503050406030204" pitchFamily="18" charset="0"/>
+                      </a:rPr>
+                      <m:t>)</m:t>
+                    </m:r>
+                  </m:oMath>
+                </a14:m>
+                <a:endParaRPr lang="en-US" dirty="0" smtClean="0"/>
+              </a:p>
+              <a:p>
+                <a:pPr lvl="2"/>
+                <a:r>
+                  <a:rPr lang="en-US" dirty="0" smtClean="0"/>
+                  <a:t>E.g., Naïve Bayes</a:t>
+                </a:r>
+              </a:p>
+              <a:p>
+                <a:pPr lvl="1"/>
+                <a:r>
+                  <a:rPr lang="en-US" dirty="0" smtClean="0"/>
+                  <a:t>Discriminative models</a:t>
+                </a:r>
+              </a:p>
+              <a:p>
+                <a:pPr lvl="2"/>
+                <a:r>
+                  <a:rPr lang="en-US" dirty="0" smtClean="0"/>
+                  <a:t>Directly </a:t>
+                </a:r>
+                <a:r>
+                  <a:rPr lang="en-US" dirty="0"/>
+                  <a:t>estimate a decision </a:t>
+                </a:r>
+                <a:r>
+                  <a:rPr lang="en-US" dirty="0" smtClean="0"/>
+                  <a:t>rule/boundary</a:t>
+                </a:r>
+              </a:p>
+              <a:p>
+                <a:pPr lvl="2"/>
+                <a:r>
+                  <a:rPr lang="en-US" dirty="0" smtClean="0"/>
+                  <a:t>E.g., SVM</a:t>
+                </a:r>
+                <a:endParaRPr lang="en-US" dirty="0"/>
+              </a:p>
+            </p:txBody>
+          </p:sp>
+        </mc:Choice>
+        <mc:Fallback>
+          <p:sp>
+            <p:nvSpPr>
+              <p:cNvPr id="3" name="Content Placeholder 2"/>
+              <p:cNvSpPr>
+                <a:spLocks noGrp="1" noRot="1" noChangeAspect="1" noMove="1" noResize="1" noEditPoints="1" noAdjustHandles="1" noChangeArrowheads="1" noChangeShapeType="1" noTextEdit="1"/>
+              </p:cNvSpPr>
+              <p:nvPr>
+                <p:ph idx="1"/>
+              </p:nvPr>
+            </p:nvSpPr>
+            <p:spPr>
+              <a:xfrm>
+                <a:off x="457200" y="1600200"/>
+                <a:ext cx="8229600" cy="4741333"/>
+              </a:xfrm>
+              <a:blipFill rotWithShape="0">
+                <a:blip r:embed="rId2"/>
+                <a:stretch>
+                  <a:fillRect l="-1481" t="-2574"/>
+                </a:stretch>
+              </a:blipFill>
+            </p:spPr>
+            <p:txBody>
+              <a:bodyPr/>
+              <a:lstStyle/>
+              <a:p>
+                <a:r>
+                  <a:rPr lang="en-US">
+                    <a:noFill/>
+                  </a:rPr>
+                  <a:t> </a:t>
+                </a:r>
+              </a:p>
+            </p:txBody>
+          </p:sp>
+        </mc:Fallback>
+      </mc:AlternateContent>
+    </p:spTree>
+    <p:extLst>
+      <p:ext uri="{BB962C8B-B14F-4D97-AF65-F5344CB8AC3E}">
+        <p14:creationId xmlns:p14="http://schemas.microsoft.com/office/powerpoint/2010/main" val="3013000660"/>
+      </p:ext>
+    </p:extLst>
+  </p:cSld>
+  <p:clrMapOvr>
+    <a:masterClrMapping/>
+  </p:clrMapOvr>
+</p:sld>
+</file>
+
+<file path=ppt/slides/slide12.xml><?xml version="1.0" encoding="utf-8"?>
+<p:sld xmlns:a="http://schemas.openxmlformats.org/drawingml/2006/main" xmlns:r="http://schemas.openxmlformats.org/officeDocument/2006/relationships" xmlns:p="http://schemas.openxmlformats.org/presentationml/2006/main">
+  <p:cSld>
+    <p:spTree>
+      <p:nvGrpSpPr>
+        <p:cNvPr id="1" name=""/>
+        <p:cNvGrpSpPr/>
+        <p:nvPr/>
+      </p:nvGrpSpPr>
+      <p:grpSpPr>
+        <a:xfrm>
+          <a:off x="0" y="0"/>
+          <a:ext cx="0" cy="0"/>
+          <a:chOff x="0" y="0"/>
+          <a:chExt cx="0" cy="0"/>
+        </a:xfrm>
+      </p:grpSpPr>
+      <p:sp>
+        <p:nvSpPr>
+          <p:cNvPr id="2" name="Title 1"/>
+          <p:cNvSpPr>
+            <a:spLocks noGrp="1"/>
+          </p:cNvSpPr>
+          <p:nvPr>
+            <p:ph type="title"/>
+          </p:nvPr>
+        </p:nvSpPr>
+        <p:spPr/>
+        <p:txBody>
+          <a:bodyPr/>
+          <a:lstStyle/>
+          <a:p>
+            <a:r>
+              <a:rPr lang="en-US" dirty="0" smtClean="0"/>
+              <a:t>Supervised text categorization</a:t>
+            </a:r>
+            <a:endParaRPr lang="en-US" dirty="0"/>
+          </a:p>
+        </p:txBody>
+      </p:sp>
+      <p:sp>
+        <p:nvSpPr>
+          <p:cNvPr id="3" name="Content Placeholder 2"/>
+          <p:cNvSpPr>
+            <a:spLocks noGrp="1"/>
+          </p:cNvSpPr>
+          <p:nvPr>
+            <p:ph idx="1"/>
+          </p:nvPr>
+        </p:nvSpPr>
+        <p:spPr/>
+        <p:txBody>
+          <a:bodyPr/>
+          <a:lstStyle/>
+          <a:p>
+            <a:endParaRPr lang="en-US"/>
+          </a:p>
+        </p:txBody>
+      </p:sp>
+    </p:spTree>
+    <p:extLst>
+      <p:ext uri="{BB962C8B-B14F-4D97-AF65-F5344CB8AC3E}">
+        <p14:creationId xmlns:p14="http://schemas.microsoft.com/office/powerpoint/2010/main" val="3885679927"/>
+      </p:ext>
+    </p:extLst>
+  </p:cSld>
+  <p:clrMapOvr>
+    <a:masterClrMapping/>
+  </p:clrMapOvr>
+</p:sld>
+</file>
+
+<file path=ppt/slides/slide13.xml><?xml version="1.0" encoding="utf-8"?>
+<p:sld xmlns:a="http://schemas.openxmlformats.org/drawingml/2006/main" xmlns:r="http://schemas.openxmlformats.org/officeDocument/2006/relationships" xmlns:p="http://schemas.openxmlformats.org/presentationml/2006/main">
+  <p:cSld>
+    <p:spTree>
+      <p:nvGrpSpPr>
+        <p:cNvPr id="1" name=""/>
+        <p:cNvGrpSpPr/>
+        <p:nvPr/>
+      </p:nvGrpSpPr>
+      <p:grpSpPr>
+        <a:xfrm>
+          <a:off x="0" y="0"/>
+          <a:ext cx="0" cy="0"/>
+          <a:chOff x="0" y="0"/>
+          <a:chExt cx="0" cy="0"/>
+        </a:xfrm>
+      </p:grpSpPr>
+      <p:sp>
+        <p:nvSpPr>
+          <p:cNvPr id="2" name="Title 1"/>
+          <p:cNvSpPr>
+            <a:spLocks noGrp="1"/>
+          </p:cNvSpPr>
+          <p:nvPr>
+            <p:ph type="title"/>
+          </p:nvPr>
+        </p:nvSpPr>
+        <p:spPr/>
+        <p:txBody>
+          <a:bodyPr>
+            <a:normAutofit fontScale="90000"/>
+          </a:bodyPr>
+          <a:lstStyle/>
+          <a:p>
+            <a:r>
+              <a:rPr lang="en-US" dirty="0" smtClean="0"/>
+              <a:t>General steps for text categorization</a:t>
+            </a:r>
+            <a:endParaRPr lang="en-US" dirty="0"/>
+          </a:p>
+        </p:txBody>
+      </p:sp>
+      <p:sp>
+        <p:nvSpPr>
+          <p:cNvPr id="3" name="Content Placeholder 2"/>
+          <p:cNvSpPr>
+            <a:spLocks noGrp="1"/>
+          </p:cNvSpPr>
+          <p:nvPr>
+            <p:ph idx="1"/>
+          </p:nvPr>
+        </p:nvSpPr>
+        <p:spPr>
+          <a:xfrm>
+            <a:off x="4572000" y="1600200"/>
+            <a:ext cx="4225416" cy="4525963"/>
+          </a:xfrm>
+        </p:spPr>
+        <p:txBody>
+          <a:bodyPr/>
+          <a:lstStyle/>
+          <a:p>
+            <a:pPr marL="514350" indent="-514350">
+              <a:buFont typeface="+mj-lt"/>
+              <a:buAutoNum type="arabicPeriod"/>
+            </a:pPr>
+            <a:r>
+              <a:rPr lang="en-US" dirty="0" smtClean="0"/>
+              <a:t>Feature construction and selection</a:t>
+            </a:r>
+          </a:p>
+          <a:p>
+            <a:pPr marL="514350" indent="-514350">
+              <a:buFont typeface="+mj-lt"/>
+              <a:buAutoNum type="arabicPeriod"/>
+            </a:pPr>
+            <a:r>
+              <a:rPr lang="en-US" dirty="0" smtClean="0"/>
+              <a:t>Model specification</a:t>
+            </a:r>
+          </a:p>
+          <a:p>
+            <a:pPr marL="514350" indent="-514350">
+              <a:buFont typeface="+mj-lt"/>
+              <a:buAutoNum type="arabicPeriod"/>
+            </a:pPr>
+            <a:r>
+              <a:rPr lang="en-US" dirty="0" smtClean="0"/>
+              <a:t>Model estimation and selection</a:t>
+            </a:r>
+          </a:p>
+          <a:p>
+            <a:pPr marL="514350" indent="-514350">
+              <a:buFont typeface="+mj-lt"/>
+              <a:buAutoNum type="arabicPeriod"/>
+            </a:pPr>
+            <a:r>
+              <a:rPr lang="en-US" dirty="0" smtClean="0"/>
+              <a:t>Evaluation</a:t>
+            </a:r>
+            <a:endParaRPr lang="en-US" dirty="0"/>
+          </a:p>
+        </p:txBody>
+      </p:sp>
+      <p:pic>
+        <p:nvPicPr>
+          <p:cNvPr id="4" name="Picture 3"/>
+          <p:cNvPicPr>
+            <a:picLocks noChangeAspect="1"/>
+          </p:cNvPicPr>
+          <p:nvPr/>
+        </p:nvPicPr>
+        <p:blipFill>
+          <a:blip r:embed="rId2"/>
+          <a:stretch>
+            <a:fillRect/>
+          </a:stretch>
+        </p:blipFill>
+        <p:spPr>
+          <a:xfrm>
+            <a:off x="457200" y="1600200"/>
+            <a:ext cx="3648108" cy="2529945"/>
+          </a:xfrm>
+          <a:prstGeom prst="rect">
+            <a:avLst/>
+          </a:prstGeom>
+        </p:spPr>
+      </p:pic>
+      <p:grpSp>
+        <p:nvGrpSpPr>
+          <p:cNvPr id="11" name="Group 10"/>
+          <p:cNvGrpSpPr/>
+          <p:nvPr/>
+        </p:nvGrpSpPr>
+        <p:grpSpPr>
+          <a:xfrm>
+            <a:off x="626636" y="4312170"/>
+            <a:ext cx="918457" cy="1240008"/>
+            <a:chOff x="626636" y="4312170"/>
+            <a:chExt cx="918457" cy="1240008"/>
+          </a:xfrm>
+        </p:grpSpPr>
+        <p:sp>
+          <p:nvSpPr>
+            <p:cNvPr id="5" name="Down Arrow 4"/>
+            <p:cNvSpPr/>
+            <p:nvPr/>
+          </p:nvSpPr>
+          <p:spPr>
+            <a:xfrm rot="1709119">
+              <a:off x="1151550" y="4312170"/>
+              <a:ext cx="364066" cy="516467"/>
+            </a:xfrm>
+            <a:prstGeom prst="downArrow">
+              <a:avLst/>
+            </a:prstGeom>
+          </p:spPr>
+          <p:style>
+            <a:lnRef idx="2">
+              <a:schemeClr val="accent1">
+                <a:shade val="50000"/>
+              </a:schemeClr>
+            </a:lnRef>
+            <a:fillRef idx="1">
+              <a:schemeClr val="accent1"/>
+            </a:fillRef>
+            <a:effectRef idx="0">
+              <a:schemeClr val="accent1"/>
+            </a:effectRef>
+            <a:fontRef idx="minor">
+              <a:schemeClr val="lt1"/>
+            </a:fontRef>
+          </p:style>
+          <p:txBody>
+            <a:bodyPr rtlCol="0" anchor="ctr"/>
+            <a:lstStyle/>
+            <a:p>
+              <a:pPr algn="ctr"/>
+              <a:endParaRPr lang="en-US"/>
+            </a:p>
+          </p:txBody>
+        </p:sp>
+        <p:sp>
+          <p:nvSpPr>
+            <p:cNvPr id="8" name="TextBox 7"/>
+            <p:cNvSpPr txBox="1"/>
+            <p:nvPr/>
+          </p:nvSpPr>
+          <p:spPr>
+            <a:xfrm>
+              <a:off x="626636" y="4905847"/>
+              <a:ext cx="918457" cy="646331"/>
+            </a:xfrm>
+            <a:prstGeom prst="rect">
+              <a:avLst/>
+            </a:prstGeom>
+            <a:noFill/>
+          </p:spPr>
+          <p:txBody>
+            <a:bodyPr wrap="square" rtlCol="0">
+              <a:spAutoFit/>
+            </a:bodyPr>
+            <a:lstStyle/>
+            <a:p>
+              <a:r>
+                <a:rPr lang="en-US" dirty="0" smtClean="0"/>
+                <a:t>Political News </a:t>
+              </a:r>
+              <a:endParaRPr lang="en-US" dirty="0"/>
+            </a:p>
+          </p:txBody>
+        </p:sp>
+      </p:grpSp>
+      <p:grpSp>
+        <p:nvGrpSpPr>
+          <p:cNvPr id="12" name="Group 11"/>
+          <p:cNvGrpSpPr/>
+          <p:nvPr/>
+        </p:nvGrpSpPr>
+        <p:grpSpPr>
+          <a:xfrm>
+            <a:off x="1748190" y="4312170"/>
+            <a:ext cx="813317" cy="1240008"/>
+            <a:chOff x="1748190" y="4312170"/>
+            <a:chExt cx="813317" cy="1240008"/>
+          </a:xfrm>
+        </p:grpSpPr>
+        <p:sp>
+          <p:nvSpPr>
+            <p:cNvPr id="6" name="Down Arrow 5"/>
+            <p:cNvSpPr/>
+            <p:nvPr/>
+          </p:nvSpPr>
+          <p:spPr>
+            <a:xfrm>
+              <a:off x="1972816" y="4312170"/>
+              <a:ext cx="364066" cy="516467"/>
+            </a:xfrm>
+            <a:prstGeom prst="downArrow">
+              <a:avLst/>
+            </a:prstGeom>
+          </p:spPr>
+          <p:style>
+            <a:lnRef idx="2">
+              <a:schemeClr val="accent1">
+                <a:shade val="50000"/>
+              </a:schemeClr>
+            </a:lnRef>
+            <a:fillRef idx="1">
+              <a:schemeClr val="accent1"/>
+            </a:fillRef>
+            <a:effectRef idx="0">
+              <a:schemeClr val="accent1"/>
+            </a:effectRef>
+            <a:fontRef idx="minor">
+              <a:schemeClr val="lt1"/>
+            </a:fontRef>
+          </p:style>
+          <p:txBody>
+            <a:bodyPr rtlCol="0" anchor="ctr"/>
+            <a:lstStyle/>
+            <a:p>
+              <a:pPr algn="ctr"/>
+              <a:endParaRPr lang="en-US"/>
+            </a:p>
+          </p:txBody>
+        </p:sp>
+        <p:sp>
+          <p:nvSpPr>
+            <p:cNvPr id="9" name="TextBox 8"/>
+            <p:cNvSpPr txBox="1"/>
+            <p:nvPr/>
+          </p:nvSpPr>
+          <p:spPr>
+            <a:xfrm>
+              <a:off x="1748190" y="4905847"/>
+              <a:ext cx="813317" cy="646331"/>
+            </a:xfrm>
+            <a:prstGeom prst="rect">
+              <a:avLst/>
+            </a:prstGeom>
+            <a:noFill/>
+          </p:spPr>
+          <p:txBody>
+            <a:bodyPr wrap="square" rtlCol="0">
+              <a:spAutoFit/>
+            </a:bodyPr>
+            <a:lstStyle/>
+            <a:p>
+              <a:r>
+                <a:rPr lang="en-US" dirty="0" smtClean="0"/>
+                <a:t>Sports  News </a:t>
+              </a:r>
+              <a:endParaRPr lang="en-US" dirty="0"/>
+            </a:p>
+          </p:txBody>
+        </p:sp>
+      </p:grpSp>
+      <p:grpSp>
+        <p:nvGrpSpPr>
+          <p:cNvPr id="13" name="Group 12"/>
+          <p:cNvGrpSpPr/>
+          <p:nvPr/>
+        </p:nvGrpSpPr>
+        <p:grpSpPr>
+          <a:xfrm>
+            <a:off x="2764604" y="4311903"/>
+            <a:ext cx="1578796" cy="1240275"/>
+            <a:chOff x="2764604" y="4311903"/>
+            <a:chExt cx="1578796" cy="1240275"/>
+          </a:xfrm>
+        </p:grpSpPr>
+        <p:sp>
+          <p:nvSpPr>
+            <p:cNvPr id="7" name="Down Arrow 6"/>
+            <p:cNvSpPr/>
+            <p:nvPr/>
+          </p:nvSpPr>
+          <p:spPr>
+            <a:xfrm rot="19915024">
+              <a:off x="2778380" y="4311903"/>
+              <a:ext cx="364066" cy="516467"/>
+            </a:xfrm>
+            <a:prstGeom prst="downArrow">
+              <a:avLst/>
+            </a:prstGeom>
+          </p:spPr>
+          <p:style>
+            <a:lnRef idx="2">
+              <a:schemeClr val="accent1">
+                <a:shade val="50000"/>
+              </a:schemeClr>
+            </a:lnRef>
+            <a:fillRef idx="1">
+              <a:schemeClr val="accent1"/>
+            </a:fillRef>
+            <a:effectRef idx="0">
+              <a:schemeClr val="accent1"/>
+            </a:effectRef>
+            <a:fontRef idx="minor">
+              <a:schemeClr val="lt1"/>
+            </a:fontRef>
+          </p:style>
+          <p:txBody>
+            <a:bodyPr rtlCol="0" anchor="ctr"/>
+            <a:lstStyle/>
+            <a:p>
+              <a:pPr algn="ctr"/>
+              <a:endParaRPr lang="en-US"/>
+            </a:p>
+          </p:txBody>
+        </p:sp>
+        <p:sp>
+          <p:nvSpPr>
+            <p:cNvPr id="10" name="TextBox 9"/>
+            <p:cNvSpPr txBox="1"/>
+            <p:nvPr/>
+          </p:nvSpPr>
+          <p:spPr>
+            <a:xfrm>
+              <a:off x="2764604" y="4905847"/>
+              <a:ext cx="1578796" cy="646331"/>
+            </a:xfrm>
+            <a:prstGeom prst="rect">
+              <a:avLst/>
+            </a:prstGeom>
+            <a:noFill/>
+          </p:spPr>
+          <p:txBody>
+            <a:bodyPr wrap="square" rtlCol="0">
+              <a:spAutoFit/>
+            </a:bodyPr>
+            <a:lstStyle/>
+            <a:p>
+              <a:r>
+                <a:rPr lang="en-US" dirty="0" smtClean="0"/>
+                <a:t>Entertainment News </a:t>
+              </a:r>
+              <a:endParaRPr lang="en-US" dirty="0"/>
+            </a:p>
+          </p:txBody>
+        </p:sp>
+      </p:grpSp>
+    </p:spTree>
+    <p:extLst>
+      <p:ext uri="{BB962C8B-B14F-4D97-AF65-F5344CB8AC3E}">
+        <p14:creationId xmlns:p14="http://schemas.microsoft.com/office/powerpoint/2010/main" val="2594187918"/>
+      </p:ext>
+    </p:extLst>
+  </p:cSld>
+  <p:clrMapOvr>
+    <a:masterClrMapping/>
+  </p:clrMapOvr>
+</p:sld>
+</file>
+
+<file path=ppt/slides/slide14.xml><?xml version="1.0" encoding="utf-8"?>
+<p:sld xmlns:a="http://schemas.openxmlformats.org/drawingml/2006/main" xmlns:r="http://schemas.openxmlformats.org/officeDocument/2006/relationships" xmlns:p="http://schemas.openxmlformats.org/presentationml/2006/main">
+  <p:cSld>
+    <p:spTree>
+      <p:nvGrpSpPr>
+        <p:cNvPr id="1" name=""/>
+        <p:cNvGrpSpPr/>
+        <p:nvPr/>
+      </p:nvGrpSpPr>
+      <p:grpSpPr>
+        <a:xfrm>
+          <a:off x="0" y="0"/>
+          <a:ext cx="0" cy="0"/>
+          <a:chOff x="0" y="0"/>
+          <a:chExt cx="0" cy="0"/>
+        </a:xfrm>
+      </p:grpSpPr>
+      <p:pic>
+        <p:nvPicPr>
+          <p:cNvPr id="1030" name="Picture 6" descr="http://www.relationship-economy.com/wp-content/uploads/2012/08/Thinking.44121810.jpg"/>
+          <p:cNvPicPr>
+            <a:picLocks noChangeAspect="1" noChangeArrowheads="1"/>
+          </p:cNvPicPr>
+          <p:nvPr/>
+        </p:nvPicPr>
+        <p:blipFill>
+          <a:blip r:embed="rId2" cstate="print">
+            <a:extLst>
+              <a:ext uri="{28A0092B-C50C-407E-A947-70E740481C1C}">
+                <a14:useLocalDpi xmlns:a14="http://schemas.microsoft.com/office/drawing/2010/main" val="0"/>
+              </a:ext>
+            </a:extLst>
+          </a:blip>
+          <a:srcRect/>
+          <a:stretch>
+            <a:fillRect/>
+          </a:stretch>
+        </p:blipFill>
+        <p:spPr bwMode="auto">
+          <a:xfrm>
+            <a:off x="3715505" y="5229012"/>
+            <a:ext cx="1581440" cy="889560"/>
+          </a:xfrm>
+          <a:prstGeom prst="rect">
+            <a:avLst/>
+          </a:prstGeom>
+          <a:noFill/>
+          <a:extLst>
+            <a:ext uri="{909E8E84-426E-40DD-AFC4-6F175D3DCCD1}">
+              <a14:hiddenFill xmlns:a14="http://schemas.microsoft.com/office/drawing/2010/main">
+                <a:solidFill>
+                  <a:srgbClr val="FFFFFF"/>
+                </a:solidFill>
+              </a14:hiddenFill>
+            </a:ext>
+          </a:extLst>
+        </p:spPr>
+      </p:pic>
+      <p:sp>
+        <p:nvSpPr>
+          <p:cNvPr id="2" name="Title 1"/>
+          <p:cNvSpPr>
+            <a:spLocks noGrp="1"/>
+          </p:cNvSpPr>
+          <p:nvPr>
+            <p:ph type="title"/>
+          </p:nvPr>
+        </p:nvSpPr>
+        <p:spPr/>
+        <p:txBody>
+          <a:bodyPr>
+            <a:normAutofit fontScale="90000"/>
+          </a:bodyPr>
+          <a:lstStyle/>
+          <a:p>
+            <a:r>
+              <a:rPr lang="en-US" dirty="0" smtClean="0"/>
+              <a:t>General steps for text categorization</a:t>
+            </a:r>
+            <a:endParaRPr lang="en-US" dirty="0"/>
+          </a:p>
+        </p:txBody>
+      </p:sp>
+      <p:sp>
+        <p:nvSpPr>
+          <p:cNvPr id="3" name="Content Placeholder 2"/>
+          <p:cNvSpPr>
+            <a:spLocks noGrp="1"/>
+          </p:cNvSpPr>
+          <p:nvPr>
+            <p:ph idx="1"/>
+          </p:nvPr>
+        </p:nvSpPr>
+        <p:spPr>
+          <a:xfrm>
+            <a:off x="4572000" y="1600200"/>
+            <a:ext cx="4225416" cy="4525963"/>
+          </a:xfrm>
+        </p:spPr>
+        <p:txBody>
+          <a:bodyPr/>
+          <a:lstStyle/>
+          <a:p>
+            <a:pPr marL="514350" indent="-514350">
+              <a:buFont typeface="+mj-lt"/>
+              <a:buAutoNum type="arabicPeriod"/>
+            </a:pPr>
+            <a:r>
+              <a:rPr lang="en-US" dirty="0" smtClean="0"/>
+              <a:t>Feature construction and selection</a:t>
+            </a:r>
+          </a:p>
+          <a:p>
+            <a:pPr marL="514350" indent="-514350">
+              <a:buFont typeface="+mj-lt"/>
+              <a:buAutoNum type="arabicPeriod"/>
+            </a:pPr>
+            <a:r>
+              <a:rPr lang="en-US" dirty="0" smtClean="0">
+                <a:solidFill>
+                  <a:schemeClr val="bg1">
+                    <a:lumMod val="85000"/>
+                  </a:schemeClr>
+                </a:solidFill>
+              </a:rPr>
+              <a:t>Model specification</a:t>
+            </a:r>
+          </a:p>
+          <a:p>
+            <a:pPr marL="514350" indent="-514350">
+              <a:buFont typeface="+mj-lt"/>
+              <a:buAutoNum type="arabicPeriod"/>
+            </a:pPr>
+            <a:r>
+              <a:rPr lang="en-US" dirty="0" smtClean="0">
+                <a:solidFill>
+                  <a:schemeClr val="bg1">
+                    <a:lumMod val="85000"/>
+                  </a:schemeClr>
+                </a:solidFill>
+              </a:rPr>
+              <a:t>Model estimation and selection</a:t>
+            </a:r>
+          </a:p>
+          <a:p>
+            <a:pPr marL="514350" indent="-514350">
+              <a:buFont typeface="+mj-lt"/>
+              <a:buAutoNum type="arabicPeriod"/>
+            </a:pPr>
+            <a:r>
+              <a:rPr lang="en-US" dirty="0" smtClean="0">
+                <a:solidFill>
+                  <a:schemeClr val="bg1">
+                    <a:lumMod val="85000"/>
+                  </a:schemeClr>
+                </a:solidFill>
+              </a:rPr>
+              <a:t>Evaluation</a:t>
+            </a:r>
+            <a:endParaRPr lang="en-US" dirty="0">
+              <a:solidFill>
+                <a:schemeClr val="bg1">
+                  <a:lumMod val="85000"/>
+                </a:schemeClr>
+              </a:solidFill>
+            </a:endParaRPr>
+          </a:p>
+        </p:txBody>
+      </p:sp>
+      <p:pic>
+        <p:nvPicPr>
+          <p:cNvPr id="4" name="Picture 3"/>
+          <p:cNvPicPr>
+            <a:picLocks noChangeAspect="1"/>
+          </p:cNvPicPr>
+          <p:nvPr/>
+        </p:nvPicPr>
+        <p:blipFill>
+          <a:blip r:embed="rId3"/>
+          <a:stretch>
+            <a:fillRect/>
+          </a:stretch>
+        </p:blipFill>
+        <p:spPr>
+          <a:xfrm>
+            <a:off x="457200" y="1600200"/>
+            <a:ext cx="3648108" cy="2529945"/>
+          </a:xfrm>
+          <a:prstGeom prst="rect">
+            <a:avLst/>
+          </a:prstGeom>
+        </p:spPr>
+      </p:pic>
+      <p:grpSp>
+        <p:nvGrpSpPr>
+          <p:cNvPr id="11" name="Group 10"/>
+          <p:cNvGrpSpPr/>
+          <p:nvPr/>
+        </p:nvGrpSpPr>
+        <p:grpSpPr>
+          <a:xfrm>
+            <a:off x="626636" y="4312170"/>
+            <a:ext cx="918457" cy="1240008"/>
+            <a:chOff x="626636" y="4312170"/>
+            <a:chExt cx="918457" cy="1240008"/>
+          </a:xfrm>
+        </p:grpSpPr>
+        <p:sp>
+          <p:nvSpPr>
+            <p:cNvPr id="5" name="Down Arrow 4"/>
+            <p:cNvSpPr/>
+            <p:nvPr/>
+          </p:nvSpPr>
+          <p:spPr>
+            <a:xfrm rot="1709119">
+              <a:off x="1151550" y="4312170"/>
+              <a:ext cx="364066" cy="516467"/>
+            </a:xfrm>
+            <a:prstGeom prst="downArrow">
+              <a:avLst/>
+            </a:prstGeom>
+          </p:spPr>
+          <p:style>
+            <a:lnRef idx="2">
+              <a:schemeClr val="accent1">
+                <a:shade val="50000"/>
+              </a:schemeClr>
+            </a:lnRef>
+            <a:fillRef idx="1">
+              <a:schemeClr val="accent1"/>
+            </a:fillRef>
+            <a:effectRef idx="0">
+              <a:schemeClr val="accent1"/>
+            </a:effectRef>
+            <a:fontRef idx="minor">
+              <a:schemeClr val="lt1"/>
+            </a:fontRef>
+          </p:style>
+          <p:txBody>
+            <a:bodyPr rtlCol="0" anchor="ctr"/>
+            <a:lstStyle/>
+            <a:p>
+              <a:pPr algn="ctr"/>
+              <a:endParaRPr lang="en-US"/>
+            </a:p>
+          </p:txBody>
+        </p:sp>
+        <p:sp>
+          <p:nvSpPr>
+            <p:cNvPr id="8" name="TextBox 7"/>
+            <p:cNvSpPr txBox="1"/>
+            <p:nvPr/>
+          </p:nvSpPr>
+          <p:spPr>
+            <a:xfrm>
+              <a:off x="626636" y="4905847"/>
+              <a:ext cx="918457" cy="646331"/>
+            </a:xfrm>
+            <a:prstGeom prst="rect">
+              <a:avLst/>
+            </a:prstGeom>
+            <a:noFill/>
+          </p:spPr>
+          <p:txBody>
+            <a:bodyPr wrap="square" rtlCol="0">
+              <a:spAutoFit/>
+            </a:bodyPr>
+            <a:lstStyle/>
+            <a:p>
+              <a:r>
+                <a:rPr lang="en-US" dirty="0" smtClean="0"/>
+                <a:t>Political News </a:t>
+              </a:r>
+              <a:endParaRPr lang="en-US" dirty="0"/>
+            </a:p>
+          </p:txBody>
+        </p:sp>
+      </p:grpSp>
+      <p:grpSp>
+        <p:nvGrpSpPr>
+          <p:cNvPr id="12" name="Group 11"/>
+          <p:cNvGrpSpPr/>
+          <p:nvPr/>
+        </p:nvGrpSpPr>
+        <p:grpSpPr>
+          <a:xfrm>
+            <a:off x="1748190" y="4312170"/>
+            <a:ext cx="813317" cy="1240008"/>
+            <a:chOff x="1748190" y="4312170"/>
+            <a:chExt cx="813317" cy="1240008"/>
+          </a:xfrm>
+        </p:grpSpPr>
+        <p:sp>
+          <p:nvSpPr>
+            <p:cNvPr id="6" name="Down Arrow 5"/>
+            <p:cNvSpPr/>
+            <p:nvPr/>
+          </p:nvSpPr>
+          <p:spPr>
+            <a:xfrm>
+              <a:off x="1972816" y="4312170"/>
+              <a:ext cx="364066" cy="516467"/>
+            </a:xfrm>
+            <a:prstGeom prst="downArrow">
+              <a:avLst/>
+            </a:prstGeom>
+          </p:spPr>
+          <p:style>
+            <a:lnRef idx="2">
+              <a:schemeClr val="accent1">
+                <a:shade val="50000"/>
+              </a:schemeClr>
+            </a:lnRef>
+            <a:fillRef idx="1">
+              <a:schemeClr val="accent1"/>
+            </a:fillRef>
+            <a:effectRef idx="0">
+              <a:schemeClr val="accent1"/>
+            </a:effectRef>
+            <a:fontRef idx="minor">
+              <a:schemeClr val="lt1"/>
+            </a:fontRef>
+          </p:style>
+          <p:txBody>
+            <a:bodyPr rtlCol="0" anchor="ctr"/>
+            <a:lstStyle/>
+            <a:p>
+              <a:pPr algn="ctr"/>
+              <a:endParaRPr lang="en-US"/>
+            </a:p>
+          </p:txBody>
+        </p:sp>
+        <p:sp>
+          <p:nvSpPr>
+            <p:cNvPr id="9" name="TextBox 8"/>
+            <p:cNvSpPr txBox="1"/>
+            <p:nvPr/>
+          </p:nvSpPr>
+          <p:spPr>
+            <a:xfrm>
+              <a:off x="1748190" y="4905847"/>
+              <a:ext cx="813317" cy="646331"/>
+            </a:xfrm>
+            <a:prstGeom prst="rect">
+              <a:avLst/>
+            </a:prstGeom>
+            <a:noFill/>
+          </p:spPr>
+          <p:txBody>
+            <a:bodyPr wrap="square" rtlCol="0">
+              <a:spAutoFit/>
+            </a:bodyPr>
+            <a:lstStyle/>
+            <a:p>
+              <a:r>
+                <a:rPr lang="en-US" dirty="0" smtClean="0"/>
+                <a:t>Sports  News </a:t>
+              </a:r>
+              <a:endParaRPr lang="en-US" dirty="0"/>
+            </a:p>
+          </p:txBody>
+        </p:sp>
+      </p:grpSp>
+      <p:grpSp>
+        <p:nvGrpSpPr>
+          <p:cNvPr id="13" name="Group 12"/>
+          <p:cNvGrpSpPr/>
+          <p:nvPr/>
+        </p:nvGrpSpPr>
+        <p:grpSpPr>
+          <a:xfrm>
+            <a:off x="2764604" y="4311903"/>
+            <a:ext cx="1578796" cy="1240275"/>
+            <a:chOff x="2764604" y="4311903"/>
+            <a:chExt cx="1578796" cy="1240275"/>
+          </a:xfrm>
+        </p:grpSpPr>
+        <p:sp>
+          <p:nvSpPr>
+            <p:cNvPr id="7" name="Down Arrow 6"/>
+            <p:cNvSpPr/>
+            <p:nvPr/>
+          </p:nvSpPr>
+          <p:spPr>
+            <a:xfrm rot="19915024">
+              <a:off x="2778380" y="4311903"/>
+              <a:ext cx="364066" cy="516467"/>
+            </a:xfrm>
+            <a:prstGeom prst="downArrow">
+              <a:avLst/>
+            </a:prstGeom>
+          </p:spPr>
+          <p:style>
+            <a:lnRef idx="2">
+              <a:schemeClr val="accent1">
+                <a:shade val="50000"/>
+              </a:schemeClr>
+            </a:lnRef>
+            <a:fillRef idx="1">
+              <a:schemeClr val="accent1"/>
+            </a:fillRef>
+            <a:effectRef idx="0">
+              <a:schemeClr val="accent1"/>
+            </a:effectRef>
+            <a:fontRef idx="minor">
+              <a:schemeClr val="lt1"/>
+            </a:fontRef>
+          </p:style>
+          <p:txBody>
+            <a:bodyPr rtlCol="0" anchor="ctr"/>
+            <a:lstStyle/>
+            <a:p>
+              <a:pPr algn="ctr"/>
+              <a:endParaRPr lang="en-US"/>
+            </a:p>
+          </p:txBody>
+        </p:sp>
+        <p:sp>
+          <p:nvSpPr>
+            <p:cNvPr id="10" name="TextBox 9"/>
+            <p:cNvSpPr txBox="1"/>
+            <p:nvPr/>
+          </p:nvSpPr>
+          <p:spPr>
+            <a:xfrm>
+              <a:off x="2764604" y="4905847"/>
+              <a:ext cx="1578796" cy="646331"/>
+            </a:xfrm>
+            <a:prstGeom prst="rect">
+              <a:avLst/>
+            </a:prstGeom>
+            <a:noFill/>
+          </p:spPr>
+          <p:txBody>
+            <a:bodyPr wrap="square" rtlCol="0">
+              <a:spAutoFit/>
+            </a:bodyPr>
+            <a:lstStyle/>
+            <a:p>
+              <a:r>
+                <a:rPr lang="en-US" dirty="0" smtClean="0"/>
+                <a:t>Entertainment News </a:t>
+              </a:r>
+              <a:endParaRPr lang="en-US" dirty="0"/>
+            </a:p>
+          </p:txBody>
+        </p:sp>
+      </p:grpSp>
+      <p:sp>
+        <p:nvSpPr>
+          <p:cNvPr id="14" name="TextBox 13"/>
+          <p:cNvSpPr txBox="1"/>
+          <p:nvPr/>
+        </p:nvSpPr>
+        <p:spPr>
+          <a:xfrm>
+            <a:off x="4733416" y="5229012"/>
+            <a:ext cx="4064000" cy="923330"/>
+          </a:xfrm>
+          <a:prstGeom prst="rect">
+            <a:avLst/>
+          </a:prstGeom>
+          <a:noFill/>
+        </p:spPr>
+        <p:txBody>
+          <a:bodyPr wrap="square" rtlCol="0">
+            <a:spAutoFit/>
+          </a:bodyPr>
+          <a:lstStyle/>
+          <a:p>
+            <a:r>
+              <a:rPr lang="en-US" dirty="0" smtClean="0"/>
+              <a:t>Consider:</a:t>
+            </a:r>
+          </a:p>
+          <a:p>
+            <a:r>
+              <a:rPr lang="en-US" dirty="0" smtClean="0"/>
+              <a:t>1.1 How to represent the text document? </a:t>
+            </a:r>
+          </a:p>
+          <a:p>
+            <a:r>
+              <a:rPr lang="en-US" dirty="0" smtClean="0"/>
+              <a:t>1.2 Do we need all those features?</a:t>
+            </a:r>
+            <a:endParaRPr lang="en-US" dirty="0"/>
+          </a:p>
+        </p:txBody>
+      </p:sp>
+    </p:spTree>
+    <p:extLst>
+      <p:ext uri="{BB962C8B-B14F-4D97-AF65-F5344CB8AC3E}">
+        <p14:creationId xmlns:p14="http://schemas.microsoft.com/office/powerpoint/2010/main" val="1725109371"/>
+      </p:ext>
+    </p:extLst>
+  </p:cSld>
+  <p:clrMapOvr>
+    <a:masterClrMapping/>
+  </p:clrMapOvr>
+</p:sld>
+</file>
+
+<file path=ppt/slides/slide15.xml><?xml version="1.0" encoding="utf-8"?>
+<p:sld xmlns:a="http://schemas.openxmlformats.org/drawingml/2006/main" xmlns:r="http://schemas.openxmlformats.org/officeDocument/2006/relationships" xmlns:p="http://schemas.openxmlformats.org/presentationml/2006/main">
+  <p:cSld>
+    <p:spTree>
+      <p:nvGrpSpPr>
+        <p:cNvPr id="1" name=""/>
+        <p:cNvGrpSpPr/>
+        <p:nvPr/>
+      </p:nvGrpSpPr>
+      <p:grpSpPr>
+        <a:xfrm>
+          <a:off x="0" y="0"/>
+          <a:ext cx="0" cy="0"/>
+          <a:chOff x="0" y="0"/>
+          <a:chExt cx="0" cy="0"/>
+        </a:xfrm>
+      </p:grpSpPr>
+      <p:sp>
+        <p:nvSpPr>
+          <p:cNvPr id="2" name="Title 1"/>
+          <p:cNvSpPr>
+            <a:spLocks noGrp="1"/>
+          </p:cNvSpPr>
+          <p:nvPr>
+            <p:ph type="title"/>
+          </p:nvPr>
+        </p:nvSpPr>
+        <p:spPr/>
+        <p:txBody>
+          <a:bodyPr>
+            <a:normAutofit fontScale="90000"/>
+          </a:bodyPr>
+          <a:lstStyle/>
+          <a:p>
+            <a:r>
+              <a:rPr lang="en-US" dirty="0" smtClean="0"/>
+              <a:t>General steps for text categorization</a:t>
+            </a:r>
+            <a:endParaRPr lang="en-US" dirty="0"/>
+          </a:p>
+        </p:txBody>
+      </p:sp>
+      <p:sp>
+        <p:nvSpPr>
+          <p:cNvPr id="3" name="Content Placeholder 2"/>
+          <p:cNvSpPr>
+            <a:spLocks noGrp="1"/>
+          </p:cNvSpPr>
+          <p:nvPr>
+            <p:ph idx="1"/>
+          </p:nvPr>
+        </p:nvSpPr>
+        <p:spPr>
+          <a:xfrm>
+            <a:off x="4572000" y="1600200"/>
+            <a:ext cx="4225416" cy="4525963"/>
+          </a:xfrm>
+        </p:spPr>
+        <p:txBody>
+          <a:bodyPr/>
+          <a:lstStyle/>
+          <a:p>
+            <a:pPr marL="514350" indent="-514350">
+              <a:buFont typeface="+mj-lt"/>
+              <a:buAutoNum type="arabicPeriod"/>
+            </a:pPr>
+            <a:r>
+              <a:rPr lang="en-US" dirty="0" smtClean="0">
+                <a:solidFill>
+                  <a:schemeClr val="bg1">
+                    <a:lumMod val="85000"/>
+                  </a:schemeClr>
+                </a:solidFill>
+              </a:rPr>
+              <a:t>Feature construction and selection</a:t>
+            </a:r>
+          </a:p>
+          <a:p>
+            <a:pPr marL="514350" indent="-514350">
+              <a:buFont typeface="+mj-lt"/>
+              <a:buAutoNum type="arabicPeriod"/>
+            </a:pPr>
+            <a:r>
+              <a:rPr lang="en-US" dirty="0" smtClean="0"/>
+              <a:t>Model specification</a:t>
+            </a:r>
+          </a:p>
+          <a:p>
+            <a:pPr marL="514350" indent="-514350">
+              <a:buFont typeface="+mj-lt"/>
+              <a:buAutoNum type="arabicPeriod"/>
+            </a:pPr>
+            <a:r>
+              <a:rPr lang="en-US" dirty="0" smtClean="0">
+                <a:solidFill>
+                  <a:schemeClr val="bg1">
+                    <a:lumMod val="85000"/>
+                  </a:schemeClr>
+                </a:solidFill>
+              </a:rPr>
+              <a:t>Model estimation and selection</a:t>
+            </a:r>
+          </a:p>
+          <a:p>
+            <a:pPr marL="514350" indent="-514350">
+              <a:buFont typeface="+mj-lt"/>
+              <a:buAutoNum type="arabicPeriod"/>
+            </a:pPr>
+            <a:r>
+              <a:rPr lang="en-US" dirty="0" smtClean="0">
+                <a:solidFill>
+                  <a:schemeClr val="bg1">
+                    <a:lumMod val="85000"/>
+                  </a:schemeClr>
+                </a:solidFill>
+              </a:rPr>
+              <a:t>Evaluation</a:t>
+            </a:r>
+            <a:endParaRPr lang="en-US" dirty="0">
+              <a:solidFill>
+                <a:schemeClr val="bg1">
+                  <a:lumMod val="85000"/>
+                </a:schemeClr>
+              </a:solidFill>
+            </a:endParaRPr>
+          </a:p>
+        </p:txBody>
+      </p:sp>
+      <p:pic>
+        <p:nvPicPr>
+          <p:cNvPr id="4" name="Picture 3"/>
+          <p:cNvPicPr>
+            <a:picLocks noChangeAspect="1"/>
+          </p:cNvPicPr>
+          <p:nvPr/>
+        </p:nvPicPr>
+        <p:blipFill>
+          <a:blip r:embed="rId2"/>
+          <a:stretch>
+            <a:fillRect/>
+          </a:stretch>
+        </p:blipFill>
+        <p:spPr>
+          <a:xfrm>
+            <a:off x="457200" y="1600200"/>
+            <a:ext cx="3648108" cy="2529945"/>
+          </a:xfrm>
+          <a:prstGeom prst="rect">
+            <a:avLst/>
+          </a:prstGeom>
+        </p:spPr>
+      </p:pic>
+      <p:grpSp>
+        <p:nvGrpSpPr>
+          <p:cNvPr id="11" name="Group 10"/>
+          <p:cNvGrpSpPr/>
+          <p:nvPr/>
+        </p:nvGrpSpPr>
+        <p:grpSpPr>
+          <a:xfrm>
+            <a:off x="626636" y="4312170"/>
+            <a:ext cx="918457" cy="1240008"/>
+            <a:chOff x="626636" y="4312170"/>
+            <a:chExt cx="918457" cy="1240008"/>
+          </a:xfrm>
+        </p:grpSpPr>
+        <p:sp>
+          <p:nvSpPr>
+            <p:cNvPr id="5" name="Down Arrow 4"/>
+            <p:cNvSpPr/>
+            <p:nvPr/>
+          </p:nvSpPr>
+          <p:spPr>
+            <a:xfrm rot="1709119">
+              <a:off x="1151550" y="4312170"/>
+              <a:ext cx="364066" cy="516467"/>
+            </a:xfrm>
+            <a:prstGeom prst="downArrow">
+              <a:avLst/>
+            </a:prstGeom>
+          </p:spPr>
+          <p:style>
+            <a:lnRef idx="2">
+              <a:schemeClr val="accent1">
+                <a:shade val="50000"/>
+              </a:schemeClr>
+            </a:lnRef>
+            <a:fillRef idx="1">
+              <a:schemeClr val="accent1"/>
+            </a:fillRef>
+            <a:effectRef idx="0">
+              <a:schemeClr val="accent1"/>
+            </a:effectRef>
+            <a:fontRef idx="minor">
+              <a:schemeClr val="lt1"/>
+            </a:fontRef>
+          </p:style>
+          <p:txBody>
+            <a:bodyPr rtlCol="0" anchor="ctr"/>
+            <a:lstStyle/>
+            <a:p>
+              <a:pPr algn="ctr"/>
+              <a:endParaRPr lang="en-US"/>
+            </a:p>
+          </p:txBody>
+        </p:sp>
+        <p:sp>
+          <p:nvSpPr>
+            <p:cNvPr id="8" name="TextBox 7"/>
+            <p:cNvSpPr txBox="1"/>
+            <p:nvPr/>
+          </p:nvSpPr>
+          <p:spPr>
+            <a:xfrm>
+              <a:off x="626636" y="4905847"/>
+              <a:ext cx="918457" cy="646331"/>
+            </a:xfrm>
+            <a:prstGeom prst="rect">
+              <a:avLst/>
+            </a:prstGeom>
+            <a:noFill/>
+          </p:spPr>
+          <p:txBody>
+            <a:bodyPr wrap="square" rtlCol="0">
+              <a:spAutoFit/>
+            </a:bodyPr>
+            <a:lstStyle/>
+            <a:p>
+              <a:r>
+                <a:rPr lang="en-US" dirty="0" smtClean="0"/>
+                <a:t>Political News </a:t>
+              </a:r>
+              <a:endParaRPr lang="en-US" dirty="0"/>
+            </a:p>
+          </p:txBody>
+        </p:sp>
+      </p:grpSp>
+      <p:grpSp>
+        <p:nvGrpSpPr>
+          <p:cNvPr id="12" name="Group 11"/>
+          <p:cNvGrpSpPr/>
+          <p:nvPr/>
+        </p:nvGrpSpPr>
+        <p:grpSpPr>
+          <a:xfrm>
+            <a:off x="1748190" y="4312170"/>
+            <a:ext cx="813317" cy="1240008"/>
+            <a:chOff x="1748190" y="4312170"/>
+            <a:chExt cx="813317" cy="1240008"/>
+          </a:xfrm>
+        </p:grpSpPr>
+        <p:sp>
+          <p:nvSpPr>
+            <p:cNvPr id="6" name="Down Arrow 5"/>
+            <p:cNvSpPr/>
+            <p:nvPr/>
+          </p:nvSpPr>
+          <p:spPr>
+            <a:xfrm>
+              <a:off x="1972816" y="4312170"/>
+              <a:ext cx="364066" cy="516467"/>
+            </a:xfrm>
+            <a:prstGeom prst="downArrow">
+              <a:avLst/>
+            </a:prstGeom>
+          </p:spPr>
+          <p:style>
+            <a:lnRef idx="2">
+              <a:schemeClr val="accent1">
+                <a:shade val="50000"/>
+              </a:schemeClr>
+            </a:lnRef>
+            <a:fillRef idx="1">
+              <a:schemeClr val="accent1"/>
+            </a:fillRef>
+            <a:effectRef idx="0">
+              <a:schemeClr val="accent1"/>
+            </a:effectRef>
+            <a:fontRef idx="minor">
+              <a:schemeClr val="lt1"/>
+            </a:fontRef>
+          </p:style>
+          <p:txBody>
+            <a:bodyPr rtlCol="0" anchor="ctr"/>
+            <a:lstStyle/>
+            <a:p>
+              <a:pPr algn="ctr"/>
+              <a:endParaRPr lang="en-US"/>
+            </a:p>
+          </p:txBody>
+        </p:sp>
+        <p:sp>
+          <p:nvSpPr>
+            <p:cNvPr id="9" name="TextBox 8"/>
+            <p:cNvSpPr txBox="1"/>
+            <p:nvPr/>
+          </p:nvSpPr>
+          <p:spPr>
+            <a:xfrm>
+              <a:off x="1748190" y="4905847"/>
+              <a:ext cx="813317" cy="646331"/>
+            </a:xfrm>
+            <a:prstGeom prst="rect">
+              <a:avLst/>
+            </a:prstGeom>
+            <a:noFill/>
+          </p:spPr>
+          <p:txBody>
+            <a:bodyPr wrap="square" rtlCol="0">
+              <a:spAutoFit/>
+            </a:bodyPr>
+            <a:lstStyle/>
+            <a:p>
+              <a:r>
+                <a:rPr lang="en-US" dirty="0" smtClean="0"/>
+                <a:t>Sports  News </a:t>
+              </a:r>
+              <a:endParaRPr lang="en-US" dirty="0"/>
+            </a:p>
+          </p:txBody>
+        </p:sp>
+      </p:grpSp>
+      <p:grpSp>
+        <p:nvGrpSpPr>
+          <p:cNvPr id="13" name="Group 12"/>
+          <p:cNvGrpSpPr/>
+          <p:nvPr/>
+        </p:nvGrpSpPr>
+        <p:grpSpPr>
+          <a:xfrm>
+            <a:off x="2764604" y="4311903"/>
+            <a:ext cx="1578796" cy="1240275"/>
+            <a:chOff x="2764604" y="4311903"/>
+            <a:chExt cx="1578796" cy="1240275"/>
+          </a:xfrm>
+        </p:grpSpPr>
+        <p:sp>
+          <p:nvSpPr>
+            <p:cNvPr id="7" name="Down Arrow 6"/>
+            <p:cNvSpPr/>
+            <p:nvPr/>
+          </p:nvSpPr>
+          <p:spPr>
+            <a:xfrm rot="19915024">
+              <a:off x="2778380" y="4311903"/>
+              <a:ext cx="364066" cy="516467"/>
+            </a:xfrm>
+            <a:prstGeom prst="downArrow">
+              <a:avLst/>
+            </a:prstGeom>
+          </p:spPr>
+          <p:style>
+            <a:lnRef idx="2">
+              <a:schemeClr val="accent1">
+                <a:shade val="50000"/>
+              </a:schemeClr>
+            </a:lnRef>
+            <a:fillRef idx="1">
+              <a:schemeClr val="accent1"/>
+            </a:fillRef>
+            <a:effectRef idx="0">
+              <a:schemeClr val="accent1"/>
+            </a:effectRef>
+            <a:fontRef idx="minor">
+              <a:schemeClr val="lt1"/>
+            </a:fontRef>
+          </p:style>
+          <p:txBody>
+            <a:bodyPr rtlCol="0" anchor="ctr"/>
+            <a:lstStyle/>
+            <a:p>
+              <a:pPr algn="ctr"/>
+              <a:endParaRPr lang="en-US"/>
+            </a:p>
+          </p:txBody>
+        </p:sp>
+        <p:sp>
+          <p:nvSpPr>
+            <p:cNvPr id="10" name="TextBox 9"/>
+            <p:cNvSpPr txBox="1"/>
+            <p:nvPr/>
+          </p:nvSpPr>
+          <p:spPr>
+            <a:xfrm>
+              <a:off x="2764604" y="4905847"/>
+              <a:ext cx="1578796" cy="646331"/>
+            </a:xfrm>
+            <a:prstGeom prst="rect">
+              <a:avLst/>
+            </a:prstGeom>
+            <a:noFill/>
+          </p:spPr>
+          <p:txBody>
+            <a:bodyPr wrap="square" rtlCol="0">
+              <a:spAutoFit/>
+            </a:bodyPr>
+            <a:lstStyle/>
+            <a:p>
+              <a:r>
+                <a:rPr lang="en-US" dirty="0" smtClean="0"/>
+                <a:t>Entertainment News </a:t>
+              </a:r>
+              <a:endParaRPr lang="en-US" dirty="0"/>
+            </a:p>
+          </p:txBody>
+        </p:sp>
+      </p:grpSp>
+      <p:pic>
+        <p:nvPicPr>
+          <p:cNvPr id="14" name="Picture 6" descr="http://www.relationship-economy.com/wp-content/uploads/2012/08/Thinking.44121810.jpg"/>
+          <p:cNvPicPr>
+            <a:picLocks noChangeAspect="1" noChangeArrowheads="1"/>
+          </p:cNvPicPr>
+          <p:nvPr/>
+        </p:nvPicPr>
+        <p:blipFill>
+          <a:blip r:embed="rId3" cstate="print">
+            <a:extLst>
+              <a:ext uri="{28A0092B-C50C-407E-A947-70E740481C1C}">
+                <a14:useLocalDpi xmlns:a14="http://schemas.microsoft.com/office/drawing/2010/main" val="0"/>
+              </a:ext>
+            </a:extLst>
+          </a:blip>
+          <a:srcRect/>
+          <a:stretch>
+            <a:fillRect/>
+          </a:stretch>
+        </p:blipFill>
+        <p:spPr bwMode="auto">
+          <a:xfrm>
+            <a:off x="3891244" y="5172231"/>
+            <a:ext cx="1581440" cy="889560"/>
+          </a:xfrm>
+          <a:prstGeom prst="rect">
+            <a:avLst/>
+          </a:prstGeom>
+          <a:noFill/>
+          <a:extLst>
+            <a:ext uri="{909E8E84-426E-40DD-AFC4-6F175D3DCCD1}">
+              <a14:hiddenFill xmlns:a14="http://schemas.microsoft.com/office/drawing/2010/main">
+                <a:solidFill>
+                  <a:srgbClr val="FFFFFF"/>
+                </a:solidFill>
+              </a14:hiddenFill>
+            </a:ext>
+          </a:extLst>
+        </p:spPr>
+      </p:pic>
+      <p:sp>
+        <p:nvSpPr>
+          <p:cNvPr id="15" name="TextBox 14"/>
+          <p:cNvSpPr txBox="1"/>
+          <p:nvPr/>
+        </p:nvSpPr>
+        <p:spPr>
+          <a:xfrm>
+            <a:off x="4868883" y="5016847"/>
+            <a:ext cx="4156584" cy="1200329"/>
+          </a:xfrm>
+          <a:prstGeom prst="rect">
+            <a:avLst/>
+          </a:prstGeom>
+          <a:noFill/>
+        </p:spPr>
+        <p:txBody>
+          <a:bodyPr wrap="square" rtlCol="0">
+            <a:spAutoFit/>
+          </a:bodyPr>
+          <a:lstStyle/>
+          <a:p>
+            <a:r>
+              <a:rPr lang="en-US" dirty="0" smtClean="0"/>
+              <a:t>Consider:</a:t>
+            </a:r>
+          </a:p>
+          <a:p>
+            <a:r>
+              <a:rPr lang="en-US" dirty="0" smtClean="0"/>
+              <a:t>2.1 What is the unique property of this problem? </a:t>
+            </a:r>
+          </a:p>
+          <a:p>
+            <a:r>
+              <a:rPr lang="en-US" dirty="0" smtClean="0"/>
+              <a:t>2.2 What type of classifier we should use?</a:t>
+            </a:r>
+            <a:endParaRPr lang="en-US" dirty="0"/>
+          </a:p>
+        </p:txBody>
+      </p:sp>
+    </p:spTree>
+    <p:extLst>
+      <p:ext uri="{BB962C8B-B14F-4D97-AF65-F5344CB8AC3E}">
+        <p14:creationId xmlns:p14="http://schemas.microsoft.com/office/powerpoint/2010/main" val="1770523456"/>
+      </p:ext>
+    </p:extLst>
+  </p:cSld>
+  <p:clrMapOvr>
+    <a:masterClrMapping/>
+  </p:clrMapOvr>
+</p:sld>
+</file>
+
+<file path=ppt/slides/slide16.xml><?xml version="1.0" encoding="utf-8"?>
+<p:sld xmlns:a="http://schemas.openxmlformats.org/drawingml/2006/main" xmlns:r="http://schemas.openxmlformats.org/officeDocument/2006/relationships" xmlns:p="http://schemas.openxmlformats.org/presentationml/2006/main">
+  <p:cSld>
+    <p:spTree>
+      <p:nvGrpSpPr>
+        <p:cNvPr id="1" name=""/>
+        <p:cNvGrpSpPr/>
+        <p:nvPr/>
+      </p:nvGrpSpPr>
+      <p:grpSpPr>
+        <a:xfrm>
+          <a:off x="0" y="0"/>
+          <a:ext cx="0" cy="0"/>
+          <a:chOff x="0" y="0"/>
+          <a:chExt cx="0" cy="0"/>
+        </a:xfrm>
+      </p:grpSpPr>
+      <p:sp>
+        <p:nvSpPr>
+          <p:cNvPr id="2" name="Title 1"/>
+          <p:cNvSpPr>
+            <a:spLocks noGrp="1"/>
+          </p:cNvSpPr>
+          <p:nvPr>
+            <p:ph type="title"/>
+          </p:nvPr>
+        </p:nvSpPr>
+        <p:spPr/>
+        <p:txBody>
+          <a:bodyPr>
+            <a:normAutofit fontScale="90000"/>
+          </a:bodyPr>
+          <a:lstStyle/>
+          <a:p>
+            <a:r>
+              <a:rPr lang="en-US" dirty="0" smtClean="0"/>
+              <a:t>General steps for text categorization</a:t>
+            </a:r>
+            <a:endParaRPr lang="en-US" dirty="0"/>
+          </a:p>
+        </p:txBody>
+      </p:sp>
+      <p:sp>
+        <p:nvSpPr>
+          <p:cNvPr id="3" name="Content Placeholder 2"/>
+          <p:cNvSpPr>
+            <a:spLocks noGrp="1"/>
+          </p:cNvSpPr>
+          <p:nvPr>
+            <p:ph idx="1"/>
+          </p:nvPr>
+        </p:nvSpPr>
+        <p:spPr>
+          <a:xfrm>
+            <a:off x="4572000" y="1600200"/>
+            <a:ext cx="4225416" cy="4525963"/>
+          </a:xfrm>
+        </p:spPr>
+        <p:txBody>
+          <a:bodyPr/>
+          <a:lstStyle/>
+          <a:p>
+            <a:pPr marL="514350" indent="-514350">
+              <a:buFont typeface="+mj-lt"/>
+              <a:buAutoNum type="arabicPeriod"/>
+            </a:pPr>
+            <a:r>
+              <a:rPr lang="en-US" dirty="0" smtClean="0">
+                <a:solidFill>
+                  <a:schemeClr val="bg1">
+                    <a:lumMod val="85000"/>
+                  </a:schemeClr>
+                </a:solidFill>
+              </a:rPr>
+              <a:t>Feature construction and selection</a:t>
+            </a:r>
+          </a:p>
+          <a:p>
+            <a:pPr marL="514350" indent="-514350">
+              <a:buFont typeface="+mj-lt"/>
+              <a:buAutoNum type="arabicPeriod"/>
+            </a:pPr>
+            <a:r>
+              <a:rPr lang="en-US" dirty="0" smtClean="0">
+                <a:solidFill>
+                  <a:schemeClr val="bg1">
+                    <a:lumMod val="85000"/>
+                  </a:schemeClr>
+                </a:solidFill>
+              </a:rPr>
+              <a:t>Model specification</a:t>
+            </a:r>
+          </a:p>
+          <a:p>
+            <a:pPr marL="514350" indent="-514350">
+              <a:buFont typeface="+mj-lt"/>
+              <a:buAutoNum type="arabicPeriod"/>
+            </a:pPr>
+            <a:r>
+              <a:rPr lang="en-US" dirty="0" smtClean="0"/>
+              <a:t>Model estimation and selection</a:t>
+            </a:r>
+          </a:p>
+          <a:p>
+            <a:pPr marL="514350" indent="-514350">
+              <a:buFont typeface="+mj-lt"/>
+              <a:buAutoNum type="arabicPeriod"/>
+            </a:pPr>
+            <a:r>
+              <a:rPr lang="en-US" dirty="0" smtClean="0">
+                <a:solidFill>
+                  <a:schemeClr val="bg1">
+                    <a:lumMod val="85000"/>
+                  </a:schemeClr>
+                </a:solidFill>
+              </a:rPr>
+              <a:t>Evaluation</a:t>
+            </a:r>
+            <a:endParaRPr lang="en-US" dirty="0">
+              <a:solidFill>
+                <a:schemeClr val="bg1">
+                  <a:lumMod val="85000"/>
+                </a:schemeClr>
+              </a:solidFill>
+            </a:endParaRPr>
+          </a:p>
+        </p:txBody>
+      </p:sp>
+      <p:pic>
+        <p:nvPicPr>
+          <p:cNvPr id="4" name="Picture 3"/>
+          <p:cNvPicPr>
+            <a:picLocks noChangeAspect="1"/>
+          </p:cNvPicPr>
+          <p:nvPr/>
+        </p:nvPicPr>
+        <p:blipFill>
+          <a:blip r:embed="rId2"/>
+          <a:stretch>
+            <a:fillRect/>
+          </a:stretch>
+        </p:blipFill>
+        <p:spPr>
+          <a:xfrm>
+            <a:off x="457200" y="1600200"/>
+            <a:ext cx="3648108" cy="2529945"/>
+          </a:xfrm>
+          <a:prstGeom prst="rect">
+            <a:avLst/>
+          </a:prstGeom>
+        </p:spPr>
+      </p:pic>
+      <p:grpSp>
+        <p:nvGrpSpPr>
+          <p:cNvPr id="11" name="Group 10"/>
+          <p:cNvGrpSpPr/>
+          <p:nvPr/>
+        </p:nvGrpSpPr>
+        <p:grpSpPr>
+          <a:xfrm>
+            <a:off x="626636" y="4312170"/>
+            <a:ext cx="918457" cy="1240008"/>
+            <a:chOff x="626636" y="4312170"/>
+            <a:chExt cx="918457" cy="1240008"/>
+          </a:xfrm>
+        </p:grpSpPr>
+        <p:sp>
+          <p:nvSpPr>
+            <p:cNvPr id="5" name="Down Arrow 4"/>
+            <p:cNvSpPr/>
+            <p:nvPr/>
+          </p:nvSpPr>
+          <p:spPr>
+            <a:xfrm rot="1709119">
+              <a:off x="1151550" y="4312170"/>
+              <a:ext cx="364066" cy="516467"/>
+            </a:xfrm>
+            <a:prstGeom prst="downArrow">
+              <a:avLst/>
+            </a:prstGeom>
+          </p:spPr>
+          <p:style>
+            <a:lnRef idx="2">
+              <a:schemeClr val="accent1">
+                <a:shade val="50000"/>
+              </a:schemeClr>
+            </a:lnRef>
+            <a:fillRef idx="1">
+              <a:schemeClr val="accent1"/>
+            </a:fillRef>
+            <a:effectRef idx="0">
+              <a:schemeClr val="accent1"/>
+            </a:effectRef>
+            <a:fontRef idx="minor">
+              <a:schemeClr val="lt1"/>
+            </a:fontRef>
+          </p:style>
+          <p:txBody>
+            <a:bodyPr rtlCol="0" anchor="ctr"/>
+            <a:lstStyle/>
+            <a:p>
+              <a:pPr algn="ctr"/>
+              <a:endParaRPr lang="en-US"/>
+            </a:p>
+          </p:txBody>
+        </p:sp>
+        <p:sp>
+          <p:nvSpPr>
+            <p:cNvPr id="8" name="TextBox 7"/>
+            <p:cNvSpPr txBox="1"/>
+            <p:nvPr/>
+          </p:nvSpPr>
+          <p:spPr>
+            <a:xfrm>
+              <a:off x="626636" y="4905847"/>
+              <a:ext cx="918457" cy="646331"/>
+            </a:xfrm>
+            <a:prstGeom prst="rect">
+              <a:avLst/>
+            </a:prstGeom>
+            <a:noFill/>
+          </p:spPr>
+          <p:txBody>
+            <a:bodyPr wrap="square" rtlCol="0">
+              <a:spAutoFit/>
+            </a:bodyPr>
+            <a:lstStyle/>
+            <a:p>
+              <a:r>
+                <a:rPr lang="en-US" dirty="0" smtClean="0"/>
+                <a:t>Political News </a:t>
+              </a:r>
+              <a:endParaRPr lang="en-US" dirty="0"/>
+            </a:p>
+          </p:txBody>
+        </p:sp>
+      </p:grpSp>
+      <p:grpSp>
+        <p:nvGrpSpPr>
+          <p:cNvPr id="12" name="Group 11"/>
+          <p:cNvGrpSpPr/>
+          <p:nvPr/>
+        </p:nvGrpSpPr>
+        <p:grpSpPr>
+          <a:xfrm>
+            <a:off x="1748190" y="4312170"/>
+            <a:ext cx="813317" cy="1240008"/>
+            <a:chOff x="1748190" y="4312170"/>
+            <a:chExt cx="813317" cy="1240008"/>
+          </a:xfrm>
+        </p:grpSpPr>
+        <p:sp>
+          <p:nvSpPr>
+            <p:cNvPr id="6" name="Down Arrow 5"/>
+            <p:cNvSpPr/>
+            <p:nvPr/>
+          </p:nvSpPr>
+          <p:spPr>
+            <a:xfrm>
+              <a:off x="1972816" y="4312170"/>
+              <a:ext cx="364066" cy="516467"/>
+            </a:xfrm>
+            <a:prstGeom prst="downArrow">
+              <a:avLst/>
+            </a:prstGeom>
+          </p:spPr>
+          <p:style>
+            <a:lnRef idx="2">
+              <a:schemeClr val="accent1">
+                <a:shade val="50000"/>
+              </a:schemeClr>
+            </a:lnRef>
+            <a:fillRef idx="1">
+              <a:schemeClr val="accent1"/>
+            </a:fillRef>
+            <a:effectRef idx="0">
+              <a:schemeClr val="accent1"/>
+            </a:effectRef>
+            <a:fontRef idx="minor">
+              <a:schemeClr val="lt1"/>
+            </a:fontRef>
+          </p:style>
+          <p:txBody>
+            <a:bodyPr rtlCol="0" anchor="ctr"/>
+            <a:lstStyle/>
+            <a:p>
+              <a:pPr algn="ctr"/>
+              <a:endParaRPr lang="en-US"/>
+            </a:p>
+          </p:txBody>
+        </p:sp>
+        <p:sp>
+          <p:nvSpPr>
+            <p:cNvPr id="9" name="TextBox 8"/>
+            <p:cNvSpPr txBox="1"/>
+            <p:nvPr/>
+          </p:nvSpPr>
+          <p:spPr>
+            <a:xfrm>
+              <a:off x="1748190" y="4905847"/>
+              <a:ext cx="813317" cy="646331"/>
+            </a:xfrm>
+            <a:prstGeom prst="rect">
+              <a:avLst/>
+            </a:prstGeom>
+            <a:noFill/>
+          </p:spPr>
+          <p:txBody>
+            <a:bodyPr wrap="square" rtlCol="0">
+              <a:spAutoFit/>
+            </a:bodyPr>
+            <a:lstStyle/>
+            <a:p>
+              <a:r>
+                <a:rPr lang="en-US" dirty="0" smtClean="0"/>
+                <a:t>Sports  News </a:t>
+              </a:r>
+              <a:endParaRPr lang="en-US" dirty="0"/>
+            </a:p>
+          </p:txBody>
+        </p:sp>
+      </p:grpSp>
+      <p:grpSp>
+        <p:nvGrpSpPr>
+          <p:cNvPr id="13" name="Group 12"/>
+          <p:cNvGrpSpPr/>
+          <p:nvPr/>
+        </p:nvGrpSpPr>
+        <p:grpSpPr>
+          <a:xfrm>
+            <a:off x="2764604" y="4311903"/>
+            <a:ext cx="1578796" cy="1240275"/>
+            <a:chOff x="2764604" y="4311903"/>
+            <a:chExt cx="1578796" cy="1240275"/>
+          </a:xfrm>
+        </p:grpSpPr>
+        <p:sp>
+          <p:nvSpPr>
+            <p:cNvPr id="7" name="Down Arrow 6"/>
+            <p:cNvSpPr/>
+            <p:nvPr/>
+          </p:nvSpPr>
+          <p:spPr>
+            <a:xfrm rot="19915024">
+              <a:off x="2778380" y="4311903"/>
+              <a:ext cx="364066" cy="516467"/>
+            </a:xfrm>
+            <a:prstGeom prst="downArrow">
+              <a:avLst/>
+            </a:prstGeom>
+          </p:spPr>
+          <p:style>
+            <a:lnRef idx="2">
+              <a:schemeClr val="accent1">
+                <a:shade val="50000"/>
+              </a:schemeClr>
+            </a:lnRef>
+            <a:fillRef idx="1">
+              <a:schemeClr val="accent1"/>
+            </a:fillRef>
+            <a:effectRef idx="0">
+              <a:schemeClr val="accent1"/>
+            </a:effectRef>
+            <a:fontRef idx="minor">
+              <a:schemeClr val="lt1"/>
+            </a:fontRef>
+          </p:style>
+          <p:txBody>
+            <a:bodyPr rtlCol="0" anchor="ctr"/>
+            <a:lstStyle/>
+            <a:p>
+              <a:pPr algn="ctr"/>
+              <a:endParaRPr lang="en-US"/>
+            </a:p>
+          </p:txBody>
+        </p:sp>
+        <p:sp>
+          <p:nvSpPr>
+            <p:cNvPr id="10" name="TextBox 9"/>
+            <p:cNvSpPr txBox="1"/>
+            <p:nvPr/>
+          </p:nvSpPr>
+          <p:spPr>
+            <a:xfrm>
+              <a:off x="2764604" y="4905847"/>
+              <a:ext cx="1578796" cy="646331"/>
+            </a:xfrm>
+            <a:prstGeom prst="rect">
+              <a:avLst/>
+            </a:prstGeom>
+            <a:noFill/>
+          </p:spPr>
+          <p:txBody>
+            <a:bodyPr wrap="square" rtlCol="0">
+              <a:spAutoFit/>
+            </a:bodyPr>
+            <a:lstStyle/>
+            <a:p>
+              <a:r>
+                <a:rPr lang="en-US" dirty="0" smtClean="0"/>
+                <a:t>Entertainment News </a:t>
+              </a:r>
+              <a:endParaRPr lang="en-US" dirty="0"/>
+            </a:p>
+          </p:txBody>
+        </p:sp>
+      </p:grpSp>
+      <p:pic>
+        <p:nvPicPr>
+          <p:cNvPr id="14" name="Picture 6" descr="http://www.relationship-economy.com/wp-content/uploads/2012/08/Thinking.44121810.jpg"/>
+          <p:cNvPicPr>
+            <a:picLocks noChangeAspect="1" noChangeArrowheads="1"/>
+          </p:cNvPicPr>
+          <p:nvPr/>
+        </p:nvPicPr>
+        <p:blipFill>
+          <a:blip r:embed="rId3" cstate="print">
+            <a:extLst>
+              <a:ext uri="{28A0092B-C50C-407E-A947-70E740481C1C}">
+                <a14:useLocalDpi xmlns:a14="http://schemas.microsoft.com/office/drawing/2010/main" val="0"/>
+              </a:ext>
+            </a:extLst>
+          </a:blip>
+          <a:srcRect/>
+          <a:stretch>
+            <a:fillRect/>
+          </a:stretch>
+        </p:blipFill>
+        <p:spPr bwMode="auto">
+          <a:xfrm>
+            <a:off x="3849563" y="5419165"/>
+            <a:ext cx="1581440" cy="889560"/>
+          </a:xfrm>
+          <a:prstGeom prst="rect">
+            <a:avLst/>
+          </a:prstGeom>
+          <a:noFill/>
+          <a:extLst>
+            <a:ext uri="{909E8E84-426E-40DD-AFC4-6F175D3DCCD1}">
+              <a14:hiddenFill xmlns:a14="http://schemas.microsoft.com/office/drawing/2010/main">
+                <a:solidFill>
+                  <a:srgbClr val="FFFFFF"/>
+                </a:solidFill>
+              </a14:hiddenFill>
+            </a:ext>
+          </a:extLst>
+        </p:spPr>
+      </p:pic>
+      <p:sp>
+        <p:nvSpPr>
+          <p:cNvPr id="15" name="TextBox 14"/>
+          <p:cNvSpPr txBox="1"/>
+          <p:nvPr/>
+        </p:nvSpPr>
+        <p:spPr>
+          <a:xfrm>
+            <a:off x="4868883" y="5016847"/>
+            <a:ext cx="4156584" cy="1477328"/>
+          </a:xfrm>
+          <a:prstGeom prst="rect">
+            <a:avLst/>
+          </a:prstGeom>
+          <a:noFill/>
+        </p:spPr>
+        <p:txBody>
+          <a:bodyPr wrap="square" rtlCol="0">
+            <a:spAutoFit/>
+          </a:bodyPr>
+          <a:lstStyle/>
+          <a:p>
+            <a:r>
+              <a:rPr lang="en-US" dirty="0" smtClean="0"/>
+              <a:t>Consider:</a:t>
+            </a:r>
+          </a:p>
+          <a:p>
+            <a:r>
+              <a:rPr lang="en-US" dirty="0" smtClean="0"/>
+              <a:t>3.1 How to estimate the parameters in the selected model? </a:t>
+            </a:r>
+          </a:p>
+          <a:p>
+            <a:r>
+              <a:rPr lang="en-US" dirty="0" smtClean="0"/>
+              <a:t>3.2 How to control the complexity of the estimated model?</a:t>
+            </a:r>
+            <a:endParaRPr lang="en-US" dirty="0"/>
+          </a:p>
+        </p:txBody>
+      </p:sp>
+    </p:spTree>
+    <p:extLst>
+      <p:ext uri="{BB962C8B-B14F-4D97-AF65-F5344CB8AC3E}">
+        <p14:creationId xmlns:p14="http://schemas.microsoft.com/office/powerpoint/2010/main" val="3122859741"/>
+      </p:ext>
+    </p:extLst>
+  </p:cSld>
+  <p:clrMapOvr>
+    <a:masterClrMapping/>
+  </p:clrMapOvr>
+</p:sld>
+</file>
+
+<file path=ppt/slides/slide17.xml><?xml version="1.0" encoding="utf-8"?>
+<p:sld xmlns:a="http://schemas.openxmlformats.org/drawingml/2006/main" xmlns:r="http://schemas.openxmlformats.org/officeDocument/2006/relationships" xmlns:p="http://schemas.openxmlformats.org/presentationml/2006/main">
+  <p:cSld>
+    <p:spTree>
+      <p:nvGrpSpPr>
+        <p:cNvPr id="1" name=""/>
+        <p:cNvGrpSpPr/>
+        <p:nvPr/>
+      </p:nvGrpSpPr>
+      <p:grpSpPr>
+        <a:xfrm>
+          <a:off x="0" y="0"/>
+          <a:ext cx="0" cy="0"/>
+          <a:chOff x="0" y="0"/>
+          <a:chExt cx="0" cy="0"/>
+        </a:xfrm>
+      </p:grpSpPr>
+      <p:sp>
+        <p:nvSpPr>
+          <p:cNvPr id="2" name="Title 1"/>
+          <p:cNvSpPr>
+            <a:spLocks noGrp="1"/>
+          </p:cNvSpPr>
+          <p:nvPr>
+            <p:ph type="title"/>
+          </p:nvPr>
+        </p:nvSpPr>
+        <p:spPr/>
+        <p:txBody>
+          <a:bodyPr>
+            <a:normAutofit fontScale="90000"/>
+          </a:bodyPr>
+          <a:lstStyle/>
+          <a:p>
+            <a:r>
+              <a:rPr lang="en-US" dirty="0" smtClean="0"/>
+              <a:t>General steps for text categorization</a:t>
+            </a:r>
+            <a:endParaRPr lang="en-US" dirty="0"/>
+          </a:p>
+        </p:txBody>
+      </p:sp>
+      <p:sp>
+        <p:nvSpPr>
+          <p:cNvPr id="3" name="Content Placeholder 2"/>
+          <p:cNvSpPr>
+            <a:spLocks noGrp="1"/>
+          </p:cNvSpPr>
+          <p:nvPr>
+            <p:ph idx="1"/>
+          </p:nvPr>
+        </p:nvSpPr>
+        <p:spPr>
+          <a:xfrm>
+            <a:off x="4572000" y="1600200"/>
+            <a:ext cx="4225416" cy="4525963"/>
+          </a:xfrm>
+        </p:spPr>
+        <p:txBody>
+          <a:bodyPr/>
+          <a:lstStyle/>
+          <a:p>
+            <a:pPr marL="514350" indent="-514350">
+              <a:buFont typeface="+mj-lt"/>
+              <a:buAutoNum type="arabicPeriod"/>
+            </a:pPr>
+            <a:r>
+              <a:rPr lang="en-US" dirty="0" smtClean="0">
+                <a:solidFill>
+                  <a:schemeClr val="bg1">
+                    <a:lumMod val="85000"/>
+                  </a:schemeClr>
+                </a:solidFill>
+              </a:rPr>
+              <a:t>Feature construction and selection</a:t>
+            </a:r>
+          </a:p>
+          <a:p>
+            <a:pPr marL="514350" indent="-514350">
+              <a:buFont typeface="+mj-lt"/>
+              <a:buAutoNum type="arabicPeriod"/>
+            </a:pPr>
+            <a:r>
+              <a:rPr lang="en-US" dirty="0" smtClean="0">
+                <a:solidFill>
+                  <a:schemeClr val="bg1">
+                    <a:lumMod val="85000"/>
+                  </a:schemeClr>
+                </a:solidFill>
+              </a:rPr>
+              <a:t>Model specification</a:t>
+            </a:r>
+          </a:p>
+          <a:p>
+            <a:pPr marL="514350" indent="-514350">
+              <a:buFont typeface="+mj-lt"/>
+              <a:buAutoNum type="arabicPeriod"/>
+            </a:pPr>
+            <a:r>
+              <a:rPr lang="en-US" dirty="0" smtClean="0">
+                <a:solidFill>
+                  <a:schemeClr val="bg1">
+                    <a:lumMod val="85000"/>
+                  </a:schemeClr>
+                </a:solidFill>
+              </a:rPr>
+              <a:t>Model estimation and selection</a:t>
+            </a:r>
+          </a:p>
+          <a:p>
+            <a:pPr marL="514350" indent="-514350">
+              <a:buFont typeface="+mj-lt"/>
+              <a:buAutoNum type="arabicPeriod"/>
+            </a:pPr>
+            <a:r>
+              <a:rPr lang="en-US" dirty="0" smtClean="0"/>
+              <a:t>Evaluation</a:t>
+            </a:r>
+            <a:endParaRPr lang="en-US" dirty="0"/>
+          </a:p>
+        </p:txBody>
+      </p:sp>
+      <p:pic>
+        <p:nvPicPr>
+          <p:cNvPr id="4" name="Picture 3"/>
+          <p:cNvPicPr>
+            <a:picLocks noChangeAspect="1"/>
+          </p:cNvPicPr>
+          <p:nvPr/>
+        </p:nvPicPr>
+        <p:blipFill>
+          <a:blip r:embed="rId2"/>
+          <a:stretch>
+            <a:fillRect/>
+          </a:stretch>
+        </p:blipFill>
+        <p:spPr>
+          <a:xfrm>
+            <a:off x="457200" y="1600200"/>
+            <a:ext cx="3648108" cy="2529945"/>
+          </a:xfrm>
+          <a:prstGeom prst="rect">
+            <a:avLst/>
+          </a:prstGeom>
+        </p:spPr>
+      </p:pic>
+      <p:grpSp>
+        <p:nvGrpSpPr>
+          <p:cNvPr id="11" name="Group 10"/>
+          <p:cNvGrpSpPr/>
+          <p:nvPr/>
+        </p:nvGrpSpPr>
+        <p:grpSpPr>
+          <a:xfrm>
+            <a:off x="626636" y="4312170"/>
+            <a:ext cx="918457" cy="1240008"/>
+            <a:chOff x="626636" y="4312170"/>
+            <a:chExt cx="918457" cy="1240008"/>
+          </a:xfrm>
+        </p:grpSpPr>
+        <p:sp>
+          <p:nvSpPr>
+            <p:cNvPr id="5" name="Down Arrow 4"/>
+            <p:cNvSpPr/>
+            <p:nvPr/>
+          </p:nvSpPr>
+          <p:spPr>
+            <a:xfrm rot="1709119">
+              <a:off x="1151550" y="4312170"/>
+              <a:ext cx="364066" cy="516467"/>
+            </a:xfrm>
+            <a:prstGeom prst="downArrow">
+              <a:avLst/>
+            </a:prstGeom>
+          </p:spPr>
+          <p:style>
+            <a:lnRef idx="2">
+              <a:schemeClr val="accent1">
+                <a:shade val="50000"/>
+              </a:schemeClr>
+            </a:lnRef>
+            <a:fillRef idx="1">
+              <a:schemeClr val="accent1"/>
+            </a:fillRef>
+            <a:effectRef idx="0">
+              <a:schemeClr val="accent1"/>
+            </a:effectRef>
+            <a:fontRef idx="minor">
+              <a:schemeClr val="lt1"/>
+            </a:fontRef>
+          </p:style>
+          <p:txBody>
+            <a:bodyPr rtlCol="0" anchor="ctr"/>
+            <a:lstStyle/>
+            <a:p>
+              <a:pPr algn="ctr"/>
+              <a:endParaRPr lang="en-US"/>
+            </a:p>
+          </p:txBody>
+        </p:sp>
+        <p:sp>
+          <p:nvSpPr>
+            <p:cNvPr id="8" name="TextBox 7"/>
+            <p:cNvSpPr txBox="1"/>
+            <p:nvPr/>
+          </p:nvSpPr>
+          <p:spPr>
+            <a:xfrm>
+              <a:off x="626636" y="4905847"/>
+              <a:ext cx="918457" cy="646331"/>
+            </a:xfrm>
+            <a:prstGeom prst="rect">
+              <a:avLst/>
+            </a:prstGeom>
+            <a:noFill/>
+          </p:spPr>
+          <p:txBody>
+            <a:bodyPr wrap="square" rtlCol="0">
+              <a:spAutoFit/>
+            </a:bodyPr>
+            <a:lstStyle/>
+            <a:p>
+              <a:r>
+                <a:rPr lang="en-US" dirty="0" smtClean="0"/>
+                <a:t>Political News </a:t>
+              </a:r>
+              <a:endParaRPr lang="en-US" dirty="0"/>
+            </a:p>
+          </p:txBody>
+        </p:sp>
+      </p:grpSp>
+      <p:grpSp>
+        <p:nvGrpSpPr>
+          <p:cNvPr id="12" name="Group 11"/>
+          <p:cNvGrpSpPr/>
+          <p:nvPr/>
+        </p:nvGrpSpPr>
+        <p:grpSpPr>
+          <a:xfrm>
+            <a:off x="1748190" y="4312170"/>
+            <a:ext cx="813317" cy="1240008"/>
+            <a:chOff x="1748190" y="4312170"/>
+            <a:chExt cx="813317" cy="1240008"/>
+          </a:xfrm>
+        </p:grpSpPr>
+        <p:sp>
+          <p:nvSpPr>
+            <p:cNvPr id="6" name="Down Arrow 5"/>
+            <p:cNvSpPr/>
+            <p:nvPr/>
+          </p:nvSpPr>
+          <p:spPr>
+            <a:xfrm>
+              <a:off x="1972816" y="4312170"/>
+              <a:ext cx="364066" cy="516467"/>
+            </a:xfrm>
+            <a:prstGeom prst="downArrow">
+              <a:avLst/>
+            </a:prstGeom>
+          </p:spPr>
+          <p:style>
+            <a:lnRef idx="2">
+              <a:schemeClr val="accent1">
+                <a:shade val="50000"/>
+              </a:schemeClr>
+            </a:lnRef>
+            <a:fillRef idx="1">
+              <a:schemeClr val="accent1"/>
+            </a:fillRef>
+            <a:effectRef idx="0">
+              <a:schemeClr val="accent1"/>
+            </a:effectRef>
+            <a:fontRef idx="minor">
+              <a:schemeClr val="lt1"/>
+            </a:fontRef>
+          </p:style>
+          <p:txBody>
+            <a:bodyPr rtlCol="0" anchor="ctr"/>
+            <a:lstStyle/>
+            <a:p>
+              <a:pPr algn="ctr"/>
+              <a:endParaRPr lang="en-US"/>
+            </a:p>
+          </p:txBody>
+        </p:sp>
+        <p:sp>
+          <p:nvSpPr>
+            <p:cNvPr id="9" name="TextBox 8"/>
+            <p:cNvSpPr txBox="1"/>
+            <p:nvPr/>
+          </p:nvSpPr>
+          <p:spPr>
+            <a:xfrm>
+              <a:off x="1748190" y="4905847"/>
+              <a:ext cx="813317" cy="646331"/>
+            </a:xfrm>
+            <a:prstGeom prst="rect">
+              <a:avLst/>
+            </a:prstGeom>
+            <a:noFill/>
+          </p:spPr>
+          <p:txBody>
+            <a:bodyPr wrap="square" rtlCol="0">
+              <a:spAutoFit/>
+            </a:bodyPr>
+            <a:lstStyle/>
+            <a:p>
+              <a:r>
+                <a:rPr lang="en-US" dirty="0" smtClean="0"/>
+                <a:t>Sports  News </a:t>
+              </a:r>
+              <a:endParaRPr lang="en-US" dirty="0"/>
+            </a:p>
+          </p:txBody>
+        </p:sp>
+      </p:grpSp>
+      <p:grpSp>
+        <p:nvGrpSpPr>
+          <p:cNvPr id="13" name="Group 12"/>
+          <p:cNvGrpSpPr/>
+          <p:nvPr/>
+        </p:nvGrpSpPr>
+        <p:grpSpPr>
+          <a:xfrm>
+            <a:off x="2764604" y="4311903"/>
+            <a:ext cx="1578796" cy="1240275"/>
+            <a:chOff x="2764604" y="4311903"/>
+            <a:chExt cx="1578796" cy="1240275"/>
+          </a:xfrm>
+        </p:grpSpPr>
+        <p:sp>
+          <p:nvSpPr>
+            <p:cNvPr id="7" name="Down Arrow 6"/>
+            <p:cNvSpPr/>
+            <p:nvPr/>
+          </p:nvSpPr>
+          <p:spPr>
+            <a:xfrm rot="19915024">
+              <a:off x="2778380" y="4311903"/>
+              <a:ext cx="364066" cy="516467"/>
+            </a:xfrm>
+            <a:prstGeom prst="downArrow">
+              <a:avLst/>
+            </a:prstGeom>
+          </p:spPr>
+          <p:style>
+            <a:lnRef idx="2">
+              <a:schemeClr val="accent1">
+                <a:shade val="50000"/>
+              </a:schemeClr>
+            </a:lnRef>
+            <a:fillRef idx="1">
+              <a:schemeClr val="accent1"/>
+            </a:fillRef>
+            <a:effectRef idx="0">
+              <a:schemeClr val="accent1"/>
+            </a:effectRef>
+            <a:fontRef idx="minor">
+              <a:schemeClr val="lt1"/>
+            </a:fontRef>
+          </p:style>
+          <p:txBody>
+            <a:bodyPr rtlCol="0" anchor="ctr"/>
+            <a:lstStyle/>
+            <a:p>
+              <a:pPr algn="ctr"/>
+              <a:endParaRPr lang="en-US"/>
+            </a:p>
+          </p:txBody>
+        </p:sp>
+        <p:sp>
+          <p:nvSpPr>
+            <p:cNvPr id="10" name="TextBox 9"/>
+            <p:cNvSpPr txBox="1"/>
+            <p:nvPr/>
+          </p:nvSpPr>
+          <p:spPr>
+            <a:xfrm>
+              <a:off x="2764604" y="4905847"/>
+              <a:ext cx="1578796" cy="646331"/>
+            </a:xfrm>
+            <a:prstGeom prst="rect">
+              <a:avLst/>
+            </a:prstGeom>
+            <a:noFill/>
+          </p:spPr>
+          <p:txBody>
+            <a:bodyPr wrap="square" rtlCol="0">
+              <a:spAutoFit/>
+            </a:bodyPr>
+            <a:lstStyle/>
+            <a:p>
+              <a:r>
+                <a:rPr lang="en-US" dirty="0" smtClean="0"/>
+                <a:t>Entertainment News </a:t>
+              </a:r>
+              <a:endParaRPr lang="en-US" dirty="0"/>
+            </a:p>
+          </p:txBody>
+        </p:sp>
+      </p:grpSp>
+      <p:pic>
+        <p:nvPicPr>
+          <p:cNvPr id="14" name="Picture 6" descr="http://www.relationship-economy.com/wp-content/uploads/2012/08/Thinking.44121810.jpg"/>
+          <p:cNvPicPr>
+            <a:picLocks noChangeAspect="1" noChangeArrowheads="1"/>
+          </p:cNvPicPr>
+          <p:nvPr/>
+        </p:nvPicPr>
+        <p:blipFill>
+          <a:blip r:embed="rId3" cstate="print">
+            <a:extLst>
+              <a:ext uri="{28A0092B-C50C-407E-A947-70E740481C1C}">
+                <a14:useLocalDpi xmlns:a14="http://schemas.microsoft.com/office/drawing/2010/main" val="0"/>
+              </a:ext>
+            </a:extLst>
+          </a:blip>
+          <a:srcRect/>
+          <a:stretch>
+            <a:fillRect/>
+          </a:stretch>
+        </p:blipFill>
+        <p:spPr bwMode="auto">
+          <a:xfrm>
+            <a:off x="3849563" y="5419165"/>
+            <a:ext cx="1581440" cy="889560"/>
+          </a:xfrm>
+          <a:prstGeom prst="rect">
+            <a:avLst/>
+          </a:prstGeom>
+          <a:noFill/>
+          <a:extLst>
+            <a:ext uri="{909E8E84-426E-40DD-AFC4-6F175D3DCCD1}">
+              <a14:hiddenFill xmlns:a14="http://schemas.microsoft.com/office/drawing/2010/main">
+                <a:solidFill>
+                  <a:srgbClr val="FFFFFF"/>
+                </a:solidFill>
+              </a14:hiddenFill>
+            </a:ext>
+          </a:extLst>
+        </p:spPr>
+      </p:pic>
+      <p:sp>
+        <p:nvSpPr>
+          <p:cNvPr id="15" name="TextBox 14"/>
+          <p:cNvSpPr txBox="1"/>
+          <p:nvPr/>
+        </p:nvSpPr>
+        <p:spPr>
+          <a:xfrm>
+            <a:off x="4868883" y="5016847"/>
+            <a:ext cx="4156584" cy="1477328"/>
+          </a:xfrm>
+          <a:prstGeom prst="rect">
+            <a:avLst/>
+          </a:prstGeom>
+          <a:noFill/>
+        </p:spPr>
+        <p:txBody>
+          <a:bodyPr wrap="square" rtlCol="0">
+            <a:spAutoFit/>
+          </a:bodyPr>
+          <a:lstStyle/>
+          <a:p>
+            <a:r>
+              <a:rPr lang="en-US" dirty="0" smtClean="0"/>
+              <a:t>Consider:</a:t>
+            </a:r>
+          </a:p>
+          <a:p>
+            <a:r>
+              <a:rPr lang="en-US" dirty="0" smtClean="0"/>
+              <a:t>4.1 How to judge the quality of learned model? </a:t>
+            </a:r>
+          </a:p>
+          <a:p>
+            <a:r>
+              <a:rPr lang="en-US" dirty="0" smtClean="0"/>
+              <a:t>4.2 How can you further improve the performance?</a:t>
+            </a:r>
+            <a:endParaRPr lang="en-US" dirty="0"/>
+          </a:p>
+        </p:txBody>
+      </p:sp>
+    </p:spTree>
+    <p:extLst>
+      <p:ext uri="{BB962C8B-B14F-4D97-AF65-F5344CB8AC3E}">
+        <p14:creationId xmlns:p14="http://schemas.microsoft.com/office/powerpoint/2010/main" val="4219000461"/>
+      </p:ext>
+    </p:extLst>
+  </p:cSld>
+  <p:clrMapOvr>
+    <a:masterClrMapping/>
+  </p:clrMapOvr>
+</p:sld>
+</file>
+
 <file path=ppt/slides/slide2.xml><?xml version="1.0" encoding="utf-8"?>
 <p:sld xmlns:a="http://schemas.openxmlformats.org/drawingml/2006/main" xmlns:r="http://schemas.openxmlformats.org/officeDocument/2006/relationships" xmlns:p="http://schemas.openxmlformats.org/presentationml/2006/main">
   <p:cSld>
@@ -3461,8 +7036,8 @@
         </p:blipFill>
         <p:spPr>
           <a:xfrm>
-            <a:off x="1917699" y="2535238"/>
-            <a:ext cx="5562600" cy="3590925"/>
+            <a:off x="1591733" y="2299679"/>
+            <a:ext cx="6210299" cy="4009046"/>
           </a:xfrm>
           <a:prstGeom prst="rect">
             <a:avLst/>
@@ -3622,8 +7197,8 @@
           </a:p>
         </p:txBody>
       </p:sp>
-      <mc:AlternateContent xmlns:mc="http://schemas.openxmlformats.org/markup-compatibility/2006">
-        <mc:Choice xmlns:a14="http://schemas.microsoft.com/office/drawing/2010/main" Requires="a14">
+      <mc:AlternateContent xmlns:mc="http://schemas.openxmlformats.org/markup-compatibility/2006" xmlns:a14="http://schemas.microsoft.com/office/drawing/2010/main">
+        <mc:Choice Requires="a14">
           <p:sp>
             <p:nvSpPr>
               <p:cNvPr id="3" name="Content Placeholder 2"/>
@@ -3773,7 +7348,7 @@
             </p:txBody>
           </p:sp>
         </mc:Choice>
-        <mc:Fallback>
+        <mc:Fallback xmlns="">
           <p:sp>
             <p:nvSpPr>
               <p:cNvPr id="3" name="Content Placeholder 2"/>
@@ -4274,7 +7849,9 @@
             </p:nvSpPr>
             <p:spPr/>
             <p:txBody>
-              <a:bodyPr/>
+              <a:bodyPr>
+                <a:normAutofit/>
+              </a:bodyPr>
               <a:lstStyle/>
               <a:p>
                 <a:r>
@@ -4587,26 +8164,266 @@
                 <a:endParaRPr lang="en-US" dirty="0" smtClean="0"/>
               </a:p>
               <a:p>
-                <a:pPr marL="457200" lvl="1" indent="0">
-                  <a:buNone/>
-                </a:pPr>
+                <a:pPr lvl="1"/>
                 <a:r>
                   <a:rPr lang="en-US" dirty="0" smtClean="0"/>
-                  <a:t>which leads to </a:t>
+                  <a:t>Example in binary classification</a:t>
                 </a:r>
+              </a:p>
+              <a:p>
+                <a:pPr lvl="2"/>
+                <a14:m>
+                  <m:oMath xmlns:m="http://schemas.openxmlformats.org/officeDocument/2006/math">
+                    <m:acc>
+                      <m:accPr>
+                        <m:chr m:val="̂"/>
+                        <m:ctrlPr>
+                          <a:rPr lang="en-US" i="1">
+                            <a:latin typeface="Cambria Math" panose="02040503050406030204" pitchFamily="18" charset="0"/>
+                          </a:rPr>
+                        </m:ctrlPr>
+                      </m:accPr>
+                      <m:e>
+                        <m:r>
+                          <a:rPr lang="en-US" i="1">
+                            <a:latin typeface="Cambria Math" panose="02040503050406030204" pitchFamily="18" charset="0"/>
+                          </a:rPr>
+                          <m:t>𝑦</m:t>
+                        </m:r>
+                      </m:e>
+                    </m:acc>
+                    <m:r>
+                      <a:rPr lang="en-US" i="1">
+                        <a:latin typeface="Cambria Math" panose="02040503050406030204" pitchFamily="18" charset="0"/>
+                      </a:rPr>
+                      <m:t>=1</m:t>
+                    </m:r>
+                  </m:oMath>
+                </a14:m>
                 <a:r>
-                  <a:rPr lang="en-US" u="sng" dirty="0" smtClean="0"/>
-                  <a:t>optimal</a:t>
+                  <a:rPr lang="en-US" dirty="0"/>
+                  <a:t>, </a:t>
                 </a:r>
                 <a:r>
                   <a:rPr lang="en-US" dirty="0" smtClean="0"/>
-                  <a:t> classification result </a:t>
+                  <a:t>if </a:t>
+                </a:r>
+                <a14:m>
+                  <m:oMath xmlns:m="http://schemas.openxmlformats.org/officeDocument/2006/math">
+                    <m:r>
+                      <a:rPr lang="en-US" i="1">
+                        <a:latin typeface="Cambria Math" panose="02040503050406030204" pitchFamily="18" charset="0"/>
+                      </a:rPr>
+                      <m:t>𝑝</m:t>
+                    </m:r>
+                    <m:d>
+                      <m:dPr>
+                        <m:ctrlPr>
+                          <a:rPr lang="en-US" i="1">
+                            <a:latin typeface="Cambria Math" panose="02040503050406030204" pitchFamily="18" charset="0"/>
+                          </a:rPr>
+                        </m:ctrlPr>
+                      </m:dPr>
+                      <m:e>
+                        <m:r>
+                          <a:rPr lang="en-US" i="1">
+                            <a:latin typeface="Cambria Math" panose="02040503050406030204" pitchFamily="18" charset="0"/>
+                          </a:rPr>
+                          <m:t>𝑋</m:t>
+                        </m:r>
+                      </m:e>
+                      <m:e>
+                        <m:r>
+                          <a:rPr lang="en-US" i="1">
+                            <a:latin typeface="Cambria Math" panose="02040503050406030204" pitchFamily="18" charset="0"/>
+                          </a:rPr>
+                          <m:t>𝑦</m:t>
+                        </m:r>
+                        <m:r>
+                          <a:rPr lang="en-US" i="1">
+                            <a:latin typeface="Cambria Math" panose="02040503050406030204" pitchFamily="18" charset="0"/>
+                          </a:rPr>
+                          <m:t>=1</m:t>
+                        </m:r>
+                      </m:e>
+                    </m:d>
+                    <m:r>
+                      <a:rPr lang="en-US" i="1">
+                        <a:latin typeface="Cambria Math" panose="02040503050406030204" pitchFamily="18" charset="0"/>
+                      </a:rPr>
+                      <m:t>𝑝</m:t>
+                    </m:r>
+                    <m:d>
+                      <m:dPr>
+                        <m:ctrlPr>
+                          <a:rPr lang="en-US" i="1">
+                            <a:latin typeface="Cambria Math" panose="02040503050406030204" pitchFamily="18" charset="0"/>
+                          </a:rPr>
+                        </m:ctrlPr>
+                      </m:dPr>
+                      <m:e>
+                        <m:r>
+                          <a:rPr lang="en-US" i="1">
+                            <a:latin typeface="Cambria Math" panose="02040503050406030204" pitchFamily="18" charset="0"/>
+                          </a:rPr>
+                          <m:t>𝑦</m:t>
+                        </m:r>
+                        <m:r>
+                          <a:rPr lang="en-US" i="1">
+                            <a:latin typeface="Cambria Math" panose="02040503050406030204" pitchFamily="18" charset="0"/>
+                          </a:rPr>
+                          <m:t>=1</m:t>
+                        </m:r>
+                      </m:e>
+                    </m:d>
+                    <m:r>
+                      <a:rPr lang="en-US" i="1">
+                        <a:latin typeface="Cambria Math" panose="02040503050406030204" pitchFamily="18" charset="0"/>
+                      </a:rPr>
+                      <m:t>&gt;</m:t>
+                    </m:r>
+                    <m:r>
+                      <a:rPr lang="en-US" i="1">
+                        <a:latin typeface="Cambria Math" panose="02040503050406030204" pitchFamily="18" charset="0"/>
+                      </a:rPr>
+                      <m:t>𝑝</m:t>
+                    </m:r>
+                    <m:d>
+                      <m:dPr>
+                        <m:ctrlPr>
+                          <a:rPr lang="en-US" i="1">
+                            <a:latin typeface="Cambria Math" panose="02040503050406030204" pitchFamily="18" charset="0"/>
+                          </a:rPr>
+                        </m:ctrlPr>
+                      </m:dPr>
+                      <m:e>
+                        <m:r>
+                          <a:rPr lang="en-US" i="1">
+                            <a:latin typeface="Cambria Math" panose="02040503050406030204" pitchFamily="18" charset="0"/>
+                          </a:rPr>
+                          <m:t>𝑋</m:t>
+                        </m:r>
+                      </m:e>
+                      <m:e>
+                        <m:r>
+                          <a:rPr lang="en-US" i="1">
+                            <a:latin typeface="Cambria Math" panose="02040503050406030204" pitchFamily="18" charset="0"/>
+                          </a:rPr>
+                          <m:t>𝑦</m:t>
+                        </m:r>
+                        <m:r>
+                          <a:rPr lang="en-US" i="1">
+                            <a:latin typeface="Cambria Math" panose="02040503050406030204" pitchFamily="18" charset="0"/>
+                          </a:rPr>
+                          <m:t>=0</m:t>
+                        </m:r>
+                      </m:e>
+                    </m:d>
+                    <m:r>
+                      <a:rPr lang="en-US" i="1">
+                        <a:latin typeface="Cambria Math" panose="02040503050406030204" pitchFamily="18" charset="0"/>
+                      </a:rPr>
+                      <m:t>𝑝</m:t>
+                    </m:r>
+                    <m:d>
+                      <m:dPr>
+                        <m:ctrlPr>
+                          <a:rPr lang="en-US" i="1">
+                            <a:latin typeface="Cambria Math" panose="02040503050406030204" pitchFamily="18" charset="0"/>
+                          </a:rPr>
+                        </m:ctrlPr>
+                      </m:dPr>
+                      <m:e>
+                        <m:r>
+                          <a:rPr lang="en-US" i="1">
+                            <a:latin typeface="Cambria Math" panose="02040503050406030204" pitchFamily="18" charset="0"/>
+                          </a:rPr>
+                          <m:t>𝑦</m:t>
+                        </m:r>
+                        <m:r>
+                          <a:rPr lang="en-US" i="1">
+                            <a:latin typeface="Cambria Math" panose="02040503050406030204" pitchFamily="18" charset="0"/>
+                          </a:rPr>
+                          <m:t>=0</m:t>
+                        </m:r>
+                      </m:e>
+                    </m:d>
+                  </m:oMath>
+                </a14:m>
+                <a:endParaRPr lang="en-US" dirty="0"/>
+              </a:p>
+              <a:p>
+                <a:pPr lvl="2"/>
+                <a14:m>
+                  <m:oMath xmlns:m="http://schemas.openxmlformats.org/officeDocument/2006/math">
+                    <m:acc>
+                      <m:accPr>
+                        <m:chr m:val="̂"/>
+                        <m:ctrlPr>
+                          <a:rPr lang="en-US" i="1">
+                            <a:latin typeface="Cambria Math" panose="02040503050406030204" pitchFamily="18" charset="0"/>
+                          </a:rPr>
+                        </m:ctrlPr>
+                      </m:accPr>
+                      <m:e>
+                        <m:r>
+                          <a:rPr lang="en-US" i="1">
+                            <a:latin typeface="Cambria Math" panose="02040503050406030204" pitchFamily="18" charset="0"/>
+                          </a:rPr>
+                          <m:t>𝑦</m:t>
+                        </m:r>
+                      </m:e>
+                    </m:acc>
+                    <m:r>
+                      <a:rPr lang="en-US" i="1">
+                        <a:latin typeface="Cambria Math" panose="02040503050406030204" pitchFamily="18" charset="0"/>
+                      </a:rPr>
+                      <m:t>=</m:t>
+                    </m:r>
+                    <m:r>
+                      <a:rPr lang="en-US" b="0" i="1" smtClean="0">
+                        <a:latin typeface="Cambria Math" panose="02040503050406030204" pitchFamily="18" charset="0"/>
+                      </a:rPr>
+                      <m:t>0</m:t>
+                    </m:r>
+                  </m:oMath>
+                </a14:m>
+                <a:r>
+                  <a:rPr lang="en-US" dirty="0" smtClean="0"/>
+                  <a:t>, otherwise</a:t>
                 </a:r>
               </a:p>
               <a:p>
                 <a:r>
                   <a:rPr lang="en-US" dirty="0" smtClean="0"/>
-                  <a:t>Optimal in the sense of ‘risk’ minimization</a:t>
+                  <a:t>This leads </a:t>
+                </a:r>
+                <a:r>
+                  <a:rPr lang="en-US" dirty="0"/>
+                  <a:t>to </a:t>
+                </a:r>
+                <a:r>
+                  <a:rPr lang="en-US" u="sng" dirty="0"/>
+                  <a:t>optimal</a:t>
+                </a:r>
+                <a:r>
+                  <a:rPr lang="en-US" dirty="0"/>
+                  <a:t> classification </a:t>
+                </a:r>
+                <a:r>
+                  <a:rPr lang="en-US" dirty="0" smtClean="0"/>
+                  <a:t>result</a:t>
+                </a:r>
+              </a:p>
+              <a:p>
+                <a:pPr lvl="1"/>
+                <a:r>
+                  <a:rPr lang="en-US" dirty="0" smtClean="0"/>
+                  <a:t>Optimal </a:t>
+                </a:r>
+                <a:r>
+                  <a:rPr lang="en-US" dirty="0" smtClean="0"/>
+                  <a:t>in the sense of ‘risk’ minimization</a:t>
                 </a:r>
               </a:p>
               <a:p>
@@ -4631,7 +8448,7 @@
               <a:blipFill rotWithShape="0">
                 <a:blip r:embed="rId2"/>
                 <a:stretch>
-                  <a:fillRect l="-1704" t="-1617"/>
+                  <a:fillRect l="-1704" t="-1617" b="-2156"/>
                 </a:stretch>
               </a:blipFill>
             </p:spPr>
@@ -4650,6 +8467,152 @@
           </p:sp>
         </mc:Fallback>
       </mc:AlternateContent>
+      <p:grpSp>
+        <p:nvGrpSpPr>
+          <p:cNvPr id="8" name="Group 7"/>
+          <p:cNvGrpSpPr/>
+          <p:nvPr/>
+        </p:nvGrpSpPr>
+        <p:grpSpPr>
+          <a:xfrm>
+            <a:off x="7509933" y="3344333"/>
+            <a:ext cx="1600200" cy="832599"/>
+            <a:chOff x="7391399" y="3454399"/>
+            <a:chExt cx="1600200" cy="832599"/>
+          </a:xfrm>
+        </p:grpSpPr>
+        <mc:AlternateContent xmlns:mc="http://schemas.openxmlformats.org/markup-compatibility/2006">
+          <mc:Choice xmlns:a14="http://schemas.microsoft.com/office/drawing/2010/main" Requires="a14">
+            <p:sp>
+              <p:nvSpPr>
+                <p:cNvPr id="4" name="TextBox 3"/>
+                <p:cNvSpPr txBox="1"/>
+                <p:nvPr/>
+              </p:nvSpPr>
+              <p:spPr>
+                <a:xfrm>
+                  <a:off x="7509933" y="3640667"/>
+                  <a:ext cx="1481666" cy="646331"/>
+                </a:xfrm>
+                <a:prstGeom prst="rect">
+                  <a:avLst/>
+                </a:prstGeom>
+                <a:noFill/>
+              </p:spPr>
+              <p:txBody>
+                <a:bodyPr wrap="square" rtlCol="0">
+                  <a:spAutoFit/>
+                </a:bodyPr>
+                <a:lstStyle/>
+                <a:p>
+                  <a:r>
+                    <a:rPr lang="en-US" dirty="0" smtClean="0">
+                      <a:solidFill>
+                        <a:srgbClr val="FF0000"/>
+                      </a:solidFill>
+                    </a:rPr>
+                    <a:t>Constant with respect to </a:t>
+                  </a:r>
+                  <a14:m>
+                    <m:oMath xmlns:m="http://schemas.openxmlformats.org/officeDocument/2006/math">
+                      <m:r>
+                        <a:rPr lang="en-US" i="1" dirty="0" smtClean="0">
+                          <a:solidFill>
+                            <a:srgbClr val="FF0000"/>
+                          </a:solidFill>
+                          <a:latin typeface="Cambria Math" panose="02040503050406030204" pitchFamily="18" charset="0"/>
+                        </a:rPr>
+                        <m:t>𝑦</m:t>
+                      </m:r>
+                    </m:oMath>
+                  </a14:m>
+                  <a:endParaRPr lang="en-US" dirty="0">
+                    <a:solidFill>
+                      <a:srgbClr val="FF0000"/>
+                    </a:solidFill>
+                  </a:endParaRPr>
+                </a:p>
+              </p:txBody>
+            </p:sp>
+          </mc:Choice>
+          <mc:Fallback>
+            <p:sp>
+              <p:nvSpPr>
+                <p:cNvPr id="4" name="TextBox 3"/>
+                <p:cNvSpPr txBox="1">
+                  <a:spLocks noRot="1" noChangeAspect="1" noMove="1" noResize="1" noEditPoints="1" noAdjustHandles="1" noChangeArrowheads="1" noChangeShapeType="1" noTextEdit="1"/>
+                </p:cNvSpPr>
+                <p:nvPr/>
+              </p:nvSpPr>
+              <p:spPr>
+                <a:xfrm>
+                  <a:off x="7509933" y="3640667"/>
+                  <a:ext cx="1481666" cy="646331"/>
+                </a:xfrm>
+                <a:prstGeom prst="rect">
+                  <a:avLst/>
+                </a:prstGeom>
+                <a:blipFill rotWithShape="0">
+                  <a:blip r:embed="rId3"/>
+                  <a:stretch>
+                    <a:fillRect l="-3292" t="-4717" r="-6996" b="-14151"/>
+                  </a:stretch>
+                </a:blipFill>
+              </p:spPr>
+              <p:txBody>
+                <a:bodyPr/>
+                <a:lstStyle/>
+                <a:p>
+                  <a:r>
+                    <a:rPr lang="en-US">
+                      <a:noFill/>
+                    </a:rPr>
+                    <a:t> </a:t>
+                  </a:r>
+                </a:p>
+              </p:txBody>
+            </p:sp>
+          </mc:Fallback>
+        </mc:AlternateContent>
+        <p:cxnSp>
+          <p:nvCxnSpPr>
+            <p:cNvPr id="6" name="Straight Arrow Connector 5"/>
+            <p:cNvCxnSpPr>
+              <a:stCxn id="4" idx="0"/>
+            </p:cNvCxnSpPr>
+            <p:nvPr/>
+          </p:nvCxnSpPr>
+          <p:spPr>
+            <a:xfrm flipH="1" flipV="1">
+              <a:off x="7391399" y="3454399"/>
+              <a:ext cx="859367" cy="186268"/>
+            </a:xfrm>
+            <a:prstGeom prst="straightConnector1">
+              <a:avLst/>
+            </a:prstGeom>
+            <a:ln w="19050">
+              <a:solidFill>
+                <a:srgbClr val="FF0000"/>
+              </a:solidFill>
+              <a:tailEnd type="triangle"/>
+            </a:ln>
+          </p:spPr>
+          <p:style>
+            <a:lnRef idx="1">
+              <a:schemeClr val="accent1"/>
+            </a:lnRef>
+            <a:fillRef idx="0">
+              <a:schemeClr val="accent1"/>
+            </a:fillRef>
+            <a:effectRef idx="0">
+              <a:schemeClr val="accent1"/>
+            </a:effectRef>
+            <a:fontRef idx="minor">
+              <a:schemeClr val="tx1"/>
+            </a:fontRef>
+          </p:style>
+        </p:cxnSp>
+      </p:grpSp>
     </p:spTree>
     <p:extLst>
       <p:ext uri="{BB962C8B-B14F-4D97-AF65-F5344CB8AC3E}">
@@ -5053,10 +9016,10 @@
                 <a14:m>
                   <m:oMath xmlns:m="http://schemas.openxmlformats.org/officeDocument/2006/math">
                     <m:r>
-                      <a:rPr lang="en-US" i="1" dirty="0" smtClean="0">
+                      <a:rPr lang="en-US" b="0" i="1" dirty="0" smtClean="0">
                         <a:latin typeface="Cambria Math" panose="02040503050406030204" pitchFamily="18" charset="0"/>
                       </a:rPr>
-                      <m:t>𝑅</m:t>
+                      <m:t>𝑟</m:t>
                     </m:r>
                     <m:r>
                       <a:rPr lang="en-US" i="1" dirty="0" smtClean="0">
@@ -5226,6 +9189,14 @@
                     </m:r>
                   </m:oMath>
                 </a14:m>
+                <a:endParaRPr lang="en-US" dirty="0" smtClean="0"/>
+              </a:p>
+              <a:p>
+                <a:pPr lvl="2"/>
+                <a:r>
+                  <a:rPr lang="en-US" dirty="0" smtClean="0"/>
+                  <a:t>It can determine a ‘reject region’</a:t>
+                </a:r>
                 <a:endParaRPr lang="en-US" dirty="0"/>
               </a:p>
               <a:p>
@@ -5296,7 +9267,7 @@
         </p:blipFill>
         <p:spPr bwMode="auto">
           <a:xfrm>
-            <a:off x="2226734" y="2734205"/>
+            <a:off x="1833563" y="2110653"/>
             <a:ext cx="5155142" cy="3234123"/>
           </a:xfrm>
           <a:prstGeom prst="rect">
@@ -5324,6 +9295,1333 @@
   <p:clrMapOvr>
     <a:masterClrMapping/>
   </p:clrMapOvr>
+  <p:timing>
+    <p:tnLst>
+      <p:par>
+        <p:cTn id="1" dur="indefinite" restart="never" nodeType="tmRoot"/>
+      </p:par>
+    </p:tnLst>
+  </p:timing>
+</p:sld>
+</file>
+
+<file path=ppt/slides/slide9.xml><?xml version="1.0" encoding="utf-8"?>
+<p:sld xmlns:a="http://schemas.openxmlformats.org/drawingml/2006/main" xmlns:r="http://schemas.openxmlformats.org/officeDocument/2006/relationships" xmlns:p="http://schemas.openxmlformats.org/presentationml/2006/main">
+  <p:cSld>
+    <p:spTree>
+      <p:nvGrpSpPr>
+        <p:cNvPr id="1" name=""/>
+        <p:cNvGrpSpPr/>
+        <p:nvPr/>
+      </p:nvGrpSpPr>
+      <p:grpSpPr>
+        <a:xfrm>
+          <a:off x="0" y="0"/>
+          <a:ext cx="0" cy="0"/>
+          <a:chOff x="0" y="0"/>
+          <a:chExt cx="0" cy="0"/>
+        </a:xfrm>
+      </p:grpSpPr>
+      <p:sp>
+        <p:nvSpPr>
+          <p:cNvPr id="2" name="Title 1"/>
+          <p:cNvSpPr>
+            <a:spLocks noGrp="1"/>
+          </p:cNvSpPr>
+          <p:nvPr>
+            <p:ph type="title"/>
+          </p:nvPr>
+        </p:nvSpPr>
+        <p:spPr/>
+        <p:txBody>
+          <a:bodyPr/>
+          <a:lstStyle/>
+          <a:p>
+            <a:r>
+              <a:rPr lang="en-US" dirty="0"/>
+              <a:t>Bayes risk</a:t>
+            </a:r>
+          </a:p>
+        </p:txBody>
+      </p:sp>
+      <mc:AlternateContent xmlns:mc="http://schemas.openxmlformats.org/markup-compatibility/2006">
+        <mc:Choice xmlns:a14="http://schemas.microsoft.com/office/drawing/2010/main" Requires="a14">
+          <p:sp>
+            <p:nvSpPr>
+              <p:cNvPr id="3" name="Content Placeholder 2"/>
+              <p:cNvSpPr>
+                <a:spLocks noGrp="1"/>
+              </p:cNvSpPr>
+              <p:nvPr>
+                <p:ph idx="1"/>
+              </p:nvPr>
+            </p:nvSpPr>
+            <p:spPr/>
+            <p:txBody>
+              <a:bodyPr/>
+              <a:lstStyle/>
+              <a:p>
+                <a:r>
+                  <a:rPr lang="en-US" dirty="0" smtClean="0"/>
+                  <a:t>Expected risk</a:t>
+                </a:r>
+              </a:p>
+              <a:p>
+                <a:pPr marL="0" indent="0">
+                  <a:buNone/>
+                </a:pPr>
+                <a:r>
+                  <a:rPr lang="en-US" dirty="0"/>
+                  <a:t>	</a:t>
+                </a:r>
+                <a14:m>
+                  <m:oMath xmlns:m="http://schemas.openxmlformats.org/officeDocument/2006/math">
+                    <m:r>
+                      <a:rPr lang="en-US" b="0" i="1" smtClean="0">
+                        <a:latin typeface="Cambria Math" panose="02040503050406030204" pitchFamily="18" charset="0"/>
+                      </a:rPr>
+                      <m:t>𝐸</m:t>
+                    </m:r>
+                    <m:d>
+                      <m:dPr>
+                        <m:begChr m:val="["/>
+                        <m:endChr m:val="]"/>
+                        <m:ctrlPr>
+                          <a:rPr lang="en-US" b="0" i="1" smtClean="0">
+                            <a:latin typeface="Cambria Math" panose="02040503050406030204" pitchFamily="18" charset="0"/>
+                          </a:rPr>
+                        </m:ctrlPr>
+                      </m:dPr>
+                      <m:e>
+                        <m:r>
+                          <a:rPr lang="en-US" b="0" i="1" smtClean="0">
+                            <a:latin typeface="Cambria Math" panose="02040503050406030204" pitchFamily="18" charset="0"/>
+                          </a:rPr>
+                          <m:t>𝑟</m:t>
+                        </m:r>
+                        <m:d>
+                          <m:dPr>
+                            <m:ctrlPr>
+                              <a:rPr lang="en-US" b="0" i="1" smtClean="0">
+                                <a:latin typeface="Cambria Math" panose="02040503050406030204" pitchFamily="18" charset="0"/>
+                              </a:rPr>
+                            </m:ctrlPr>
+                          </m:dPr>
+                          <m:e>
+                            <m:r>
+                              <a:rPr lang="en-US" b="0" i="1" smtClean="0">
+                                <a:latin typeface="Cambria Math" panose="02040503050406030204" pitchFamily="18" charset="0"/>
+                              </a:rPr>
+                              <m:t>𝑥</m:t>
+                            </m:r>
+                          </m:e>
+                        </m:d>
+                      </m:e>
+                    </m:d>
+                    <m:r>
+                      <a:rPr lang="en-US" b="0" i="1" smtClean="0">
+                        <a:latin typeface="Cambria Math" panose="02040503050406030204" pitchFamily="18" charset="0"/>
+                      </a:rPr>
+                      <m:t>=</m:t>
+                    </m:r>
+                    <m:nary>
+                      <m:naryPr>
+                        <m:supHide m:val="on"/>
+                        <m:ctrlPr>
+                          <a:rPr lang="en-US" b="0" i="1" smtClean="0">
+                            <a:latin typeface="Cambria Math" panose="02040503050406030204" pitchFamily="18" charset="0"/>
+                          </a:rPr>
+                        </m:ctrlPr>
+                      </m:naryPr>
+                      <m:sub>
+                        <m:r>
+                          <a:rPr lang="en-US" b="0" i="1" smtClean="0">
+                            <a:latin typeface="Cambria Math" panose="02040503050406030204" pitchFamily="18" charset="0"/>
+                          </a:rPr>
+                          <m:t>𝑥</m:t>
+                        </m:r>
+                      </m:sub>
+                      <m:sup/>
+                      <m:e>
+                        <m:r>
+                          <a:rPr lang="en-US" i="1">
+                            <a:latin typeface="Cambria Math" panose="02040503050406030204" pitchFamily="18" charset="0"/>
+                          </a:rPr>
+                          <m:t>𝑝</m:t>
+                        </m:r>
+                        <m:d>
+                          <m:dPr>
+                            <m:ctrlPr>
+                              <a:rPr lang="en-US" i="1">
+                                <a:latin typeface="Cambria Math" panose="02040503050406030204" pitchFamily="18" charset="0"/>
+                              </a:rPr>
+                            </m:ctrlPr>
+                          </m:dPr>
+                          <m:e>
+                            <m:r>
+                              <a:rPr lang="en-US" i="1">
+                                <a:latin typeface="Cambria Math" panose="02040503050406030204" pitchFamily="18" charset="0"/>
+                              </a:rPr>
+                              <m:t>𝑥</m:t>
+                            </m:r>
+                          </m:e>
+                        </m:d>
+                        <m:r>
+                          <a:rPr lang="en-US" i="1">
+                            <a:latin typeface="Cambria Math" panose="02040503050406030204" pitchFamily="18" charset="0"/>
+                          </a:rPr>
+                          <m:t>𝑟</m:t>
+                        </m:r>
+                        <m:d>
+                          <m:dPr>
+                            <m:ctrlPr>
+                              <a:rPr lang="en-US" i="1">
+                                <a:latin typeface="Cambria Math" panose="02040503050406030204" pitchFamily="18" charset="0"/>
+                              </a:rPr>
+                            </m:ctrlPr>
+                          </m:dPr>
+                          <m:e>
+                            <m:r>
+                              <a:rPr lang="en-US" i="1">
+                                <a:latin typeface="Cambria Math" panose="02040503050406030204" pitchFamily="18" charset="0"/>
+                              </a:rPr>
+                              <m:t>𝑥</m:t>
+                            </m:r>
+                          </m:e>
+                        </m:d>
+                        <m:r>
+                          <a:rPr lang="en-US" i="1">
+                            <a:latin typeface="Cambria Math" panose="02040503050406030204" pitchFamily="18" charset="0"/>
+                          </a:rPr>
+                          <m:t>𝑑𝑥</m:t>
+                        </m:r>
+                      </m:e>
+                    </m:nary>
+                  </m:oMath>
+                </a14:m>
+                <a:endParaRPr lang="en-US" dirty="0"/>
+              </a:p>
+            </p:txBody>
+          </p:sp>
+        </mc:Choice>
+        <mc:Fallback>
+          <p:sp>
+            <p:nvSpPr>
+              <p:cNvPr id="3" name="Content Placeholder 2"/>
+              <p:cNvSpPr>
+                <a:spLocks noGrp="1" noRot="1" noChangeAspect="1" noMove="1" noResize="1" noEditPoints="1" noAdjustHandles="1" noChangeArrowheads="1" noChangeShapeType="1" noTextEdit="1"/>
+              </p:cNvSpPr>
+              <p:nvPr>
+                <p:ph idx="1"/>
+              </p:nvPr>
+            </p:nvSpPr>
+            <p:spPr>
+              <a:blipFill rotWithShape="0">
+                <a:blip r:embed="rId2"/>
+                <a:stretch>
+                  <a:fillRect l="-1704" t="-1752"/>
+                </a:stretch>
+              </a:blipFill>
+            </p:spPr>
+            <p:txBody>
+              <a:bodyPr/>
+              <a:lstStyle/>
+              <a:p>
+                <a:r>
+                  <a:rPr lang="en-US">
+                    <a:noFill/>
+                  </a:rPr>
+                  <a:t> </a:t>
+                </a:r>
+              </a:p>
+            </p:txBody>
+          </p:sp>
+        </mc:Fallback>
+      </mc:AlternateContent>
+      <mc:AlternateContent xmlns:mc="http://schemas.openxmlformats.org/markup-compatibility/2006">
+        <mc:Choice xmlns:a14="http://schemas.microsoft.com/office/drawing/2010/main" Requires="a14">
+          <p:sp>
+            <p:nvSpPr>
+              <p:cNvPr id="4" name="Rectangle 3"/>
+              <p:cNvSpPr/>
+              <p:nvPr/>
+            </p:nvSpPr>
+            <p:spPr>
+              <a:xfrm>
+                <a:off x="0" y="2777176"/>
+                <a:ext cx="8906934" cy="849463"/>
+              </a:xfrm>
+              <a:prstGeom prst="rect">
+                <a:avLst/>
+              </a:prstGeom>
+            </p:spPr>
+            <p:txBody>
+              <a:bodyPr wrap="square">
+                <a:spAutoFit/>
+              </a:bodyPr>
+              <a:lstStyle/>
+              <a:p>
+                <a:pPr lvl="2"/>
+                <a14:m>
+                  <m:oMathPara xmlns:m="http://schemas.openxmlformats.org/officeDocument/2006/math">
+                    <m:oMathParaPr>
+                      <m:jc m:val="centerGroup"/>
+                    </m:oMathParaPr>
+                    <m:oMath xmlns:m="http://schemas.openxmlformats.org/officeDocument/2006/math">
+                      <m:r>
+                        <a:rPr lang="en-US" sz="2400" b="0" i="1" dirty="0" smtClean="0">
+                          <a:latin typeface="Cambria Math" panose="02040503050406030204" pitchFamily="18" charset="0"/>
+                        </a:rPr>
+                        <m:t>=</m:t>
+                      </m:r>
+                      <m:nary>
+                        <m:naryPr>
+                          <m:supHide m:val="on"/>
+                          <m:ctrlPr>
+                            <a:rPr lang="en-US" sz="2400" b="0" i="1" dirty="0" smtClean="0">
+                              <a:latin typeface="Cambria Math" panose="02040503050406030204" pitchFamily="18" charset="0"/>
+                            </a:rPr>
+                          </m:ctrlPr>
+                        </m:naryPr>
+                        <m:sub>
+                          <m:r>
+                            <a:rPr lang="en-US" sz="2400" b="0" i="1" dirty="0" smtClean="0">
+                              <a:latin typeface="Cambria Math" panose="02040503050406030204" pitchFamily="18" charset="0"/>
+                            </a:rPr>
+                            <m:t>𝑥</m:t>
+                          </m:r>
+                        </m:sub>
+                        <m:sup/>
+                        <m:e>
+                          <m:r>
+                            <a:rPr lang="en-US" sz="2400" b="0" i="1" dirty="0" smtClean="0">
+                              <a:latin typeface="Cambria Math" panose="02040503050406030204" pitchFamily="18" charset="0"/>
+                            </a:rPr>
+                            <m:t>𝑝</m:t>
+                          </m:r>
+                          <m:d>
+                            <m:dPr>
+                              <m:ctrlPr>
+                                <a:rPr lang="en-US" sz="2400" b="0" i="1" dirty="0" smtClean="0">
+                                  <a:latin typeface="Cambria Math" panose="02040503050406030204" pitchFamily="18" charset="0"/>
+                                </a:rPr>
+                              </m:ctrlPr>
+                            </m:dPr>
+                            <m:e>
+                              <m:r>
+                                <a:rPr lang="en-US" sz="2400" b="0" i="1" dirty="0" smtClean="0">
+                                  <a:latin typeface="Cambria Math" panose="02040503050406030204" pitchFamily="18" charset="0"/>
+                                </a:rPr>
+                                <m:t>𝑥</m:t>
+                              </m:r>
+                            </m:e>
+                          </m:d>
+                          <m:r>
+                            <m:rPr>
+                              <m:sty m:val="p"/>
+                            </m:rPr>
+                            <a:rPr lang="en-US" sz="2400" i="1" dirty="0">
+                              <a:latin typeface="Cambria Math" panose="02040503050406030204" pitchFamily="18" charset="0"/>
+                            </a:rPr>
+                            <m:t>min</m:t>
+                          </m:r>
+                          <m:r>
+                            <a:rPr lang="en-US" sz="2400" i="1" dirty="0">
+                              <a:latin typeface="Cambria Math" panose="02040503050406030204" pitchFamily="18" charset="0"/>
+                            </a:rPr>
+                            <m:t>⁡{</m:t>
+                          </m:r>
+                          <m:r>
+                            <a:rPr lang="en-US" sz="2400" i="1">
+                              <a:latin typeface="Cambria Math" panose="02040503050406030204" pitchFamily="18" charset="0"/>
+                            </a:rPr>
+                            <m:t>𝑝</m:t>
+                          </m:r>
+                          <m:d>
+                            <m:dPr>
+                              <m:ctrlPr>
+                                <a:rPr lang="en-US" sz="2400" i="1">
+                                  <a:latin typeface="Cambria Math" panose="02040503050406030204" pitchFamily="18" charset="0"/>
+                                </a:rPr>
+                              </m:ctrlPr>
+                            </m:dPr>
+                            <m:e>
+                              <m:r>
+                                <a:rPr lang="en-US" sz="2400" i="1">
+                                  <a:latin typeface="Cambria Math" panose="02040503050406030204" pitchFamily="18" charset="0"/>
+                                </a:rPr>
+                                <m:t>𝑋</m:t>
+                              </m:r>
+                            </m:e>
+                            <m:e>
+                              <m:r>
+                                <a:rPr lang="en-US" sz="2400" i="1">
+                                  <a:latin typeface="Cambria Math" panose="02040503050406030204" pitchFamily="18" charset="0"/>
+                                </a:rPr>
+                                <m:t>𝑦</m:t>
+                              </m:r>
+                              <m:r>
+                                <a:rPr lang="en-US" sz="2400" i="1">
+                                  <a:latin typeface="Cambria Math" panose="02040503050406030204" pitchFamily="18" charset="0"/>
+                                </a:rPr>
+                                <m:t>=1</m:t>
+                              </m:r>
+                            </m:e>
+                          </m:d>
+                          <m:r>
+                            <a:rPr lang="en-US" sz="2400" i="1">
+                              <a:latin typeface="Cambria Math" panose="02040503050406030204" pitchFamily="18" charset="0"/>
+                            </a:rPr>
+                            <m:t>𝑝</m:t>
+                          </m:r>
+                          <m:d>
+                            <m:dPr>
+                              <m:ctrlPr>
+                                <a:rPr lang="en-US" sz="2400" i="1">
+                                  <a:latin typeface="Cambria Math" panose="02040503050406030204" pitchFamily="18" charset="0"/>
+                                </a:rPr>
+                              </m:ctrlPr>
+                            </m:dPr>
+                            <m:e>
+                              <m:r>
+                                <a:rPr lang="en-US" sz="2400" i="1">
+                                  <a:latin typeface="Cambria Math" panose="02040503050406030204" pitchFamily="18" charset="0"/>
+                                </a:rPr>
+                                <m:t>𝑦</m:t>
+                              </m:r>
+                              <m:r>
+                                <a:rPr lang="en-US" sz="2400" i="1">
+                                  <a:latin typeface="Cambria Math" panose="02040503050406030204" pitchFamily="18" charset="0"/>
+                                </a:rPr>
+                                <m:t>=1</m:t>
+                              </m:r>
+                            </m:e>
+                          </m:d>
+                          <m:r>
+                            <a:rPr lang="en-US" sz="2400" i="1">
+                              <a:latin typeface="Cambria Math" panose="02040503050406030204" pitchFamily="18" charset="0"/>
+                            </a:rPr>
+                            <m:t>, </m:t>
+                          </m:r>
+                          <m:r>
+                            <a:rPr lang="en-US" sz="2400" i="1">
+                              <a:latin typeface="Cambria Math" panose="02040503050406030204" pitchFamily="18" charset="0"/>
+                            </a:rPr>
+                            <m:t>𝑝</m:t>
+                          </m:r>
+                          <m:d>
+                            <m:dPr>
+                              <m:ctrlPr>
+                                <a:rPr lang="en-US" sz="2400" i="1">
+                                  <a:latin typeface="Cambria Math" panose="02040503050406030204" pitchFamily="18" charset="0"/>
+                                </a:rPr>
+                              </m:ctrlPr>
+                            </m:dPr>
+                            <m:e>
+                              <m:r>
+                                <a:rPr lang="en-US" sz="2400" i="1">
+                                  <a:latin typeface="Cambria Math" panose="02040503050406030204" pitchFamily="18" charset="0"/>
+                                </a:rPr>
+                                <m:t>𝑋</m:t>
+                              </m:r>
+                            </m:e>
+                            <m:e>
+                              <m:r>
+                                <a:rPr lang="en-US" sz="2400" i="1">
+                                  <a:latin typeface="Cambria Math" panose="02040503050406030204" pitchFamily="18" charset="0"/>
+                                </a:rPr>
+                                <m:t>𝑦</m:t>
+                              </m:r>
+                              <m:r>
+                                <a:rPr lang="en-US" sz="2400" i="1">
+                                  <a:latin typeface="Cambria Math" panose="02040503050406030204" pitchFamily="18" charset="0"/>
+                                </a:rPr>
+                                <m:t>=0</m:t>
+                              </m:r>
+                            </m:e>
+                          </m:d>
+                          <m:r>
+                            <a:rPr lang="en-US" sz="2400" i="1">
+                              <a:latin typeface="Cambria Math" panose="02040503050406030204" pitchFamily="18" charset="0"/>
+                            </a:rPr>
+                            <m:t>𝑝</m:t>
+                          </m:r>
+                          <m:r>
+                            <a:rPr lang="en-US" sz="2400" i="1">
+                              <a:latin typeface="Cambria Math" panose="02040503050406030204" pitchFamily="18" charset="0"/>
+                            </a:rPr>
+                            <m:t>(</m:t>
+                          </m:r>
+                          <m:r>
+                            <a:rPr lang="en-US" sz="2400" i="1">
+                              <a:latin typeface="Cambria Math" panose="02040503050406030204" pitchFamily="18" charset="0"/>
+                            </a:rPr>
+                            <m:t>𝑦</m:t>
+                          </m:r>
+                          <m:r>
+                            <a:rPr lang="en-US" sz="2400" i="1">
+                              <a:latin typeface="Cambria Math" panose="02040503050406030204" pitchFamily="18" charset="0"/>
+                            </a:rPr>
+                            <m:t>=0)}</m:t>
+                          </m:r>
+                          <m:r>
+                            <m:rPr>
+                              <m:nor/>
+                            </m:rPr>
+                            <a:rPr lang="en-US" sz="2400" b="0" i="0" smtClean="0">
+                              <a:latin typeface="Cambria Math" panose="02040503050406030204" pitchFamily="18" charset="0"/>
+                            </a:rPr>
+                            <m:t>dx</m:t>
+                          </m:r>
+                          <m:r>
+                            <m:rPr>
+                              <m:nor/>
+                            </m:rPr>
+                            <a:rPr lang="en-US" sz="2400" dirty="0"/>
+                            <m:t> </m:t>
+                          </m:r>
+                        </m:e>
+                      </m:nary>
+                    </m:oMath>
+                  </m:oMathPara>
+                </a14:m>
+                <a:endParaRPr lang="en-US" sz="2400" dirty="0"/>
+              </a:p>
+            </p:txBody>
+          </p:sp>
+        </mc:Choice>
+        <mc:Fallback>
+          <p:sp>
+            <p:nvSpPr>
+              <p:cNvPr id="4" name="Rectangle 3"/>
+              <p:cNvSpPr>
+                <a:spLocks noRot="1" noChangeAspect="1" noMove="1" noResize="1" noEditPoints="1" noAdjustHandles="1" noChangeArrowheads="1" noChangeShapeType="1" noTextEdit="1"/>
+              </p:cNvSpPr>
+              <p:nvPr/>
+            </p:nvSpPr>
+            <p:spPr>
+              <a:xfrm>
+                <a:off x="0" y="2777176"/>
+                <a:ext cx="8906934" cy="849463"/>
+              </a:xfrm>
+              <a:prstGeom prst="rect">
+                <a:avLst/>
+              </a:prstGeom>
+              <a:blipFill rotWithShape="0">
+                <a:blip r:embed="rId3"/>
+                <a:stretch>
+                  <a:fillRect/>
+                </a:stretch>
+              </a:blipFill>
+            </p:spPr>
+            <p:txBody>
+              <a:bodyPr/>
+              <a:lstStyle/>
+              <a:p>
+                <a:r>
+                  <a:rPr lang="en-US">
+                    <a:noFill/>
+                  </a:rPr>
+                  <a:t> </a:t>
+                </a:r>
+              </a:p>
+            </p:txBody>
+          </p:sp>
+        </mc:Fallback>
+      </mc:AlternateContent>
+      <mc:AlternateContent xmlns:mc="http://schemas.openxmlformats.org/markup-compatibility/2006">
+        <mc:Choice xmlns:a14="http://schemas.microsoft.com/office/drawing/2010/main" Requires="a14">
+          <p:sp>
+            <p:nvSpPr>
+              <p:cNvPr id="5" name="Rectangle 4"/>
+              <p:cNvSpPr/>
+              <p:nvPr/>
+            </p:nvSpPr>
+            <p:spPr>
+              <a:xfrm>
+                <a:off x="-135466" y="3532592"/>
+                <a:ext cx="8906934" cy="895310"/>
+              </a:xfrm>
+              <a:prstGeom prst="rect">
+                <a:avLst/>
+              </a:prstGeom>
+            </p:spPr>
+            <p:txBody>
+              <a:bodyPr wrap="square">
+                <a:spAutoFit/>
+              </a:bodyPr>
+              <a:lstStyle/>
+              <a:p>
+                <a:pPr lvl="2"/>
+                <a14:m>
+                  <m:oMathPara xmlns:m="http://schemas.openxmlformats.org/officeDocument/2006/math">
+                    <m:oMathParaPr>
+                      <m:jc m:val="centerGroup"/>
+                    </m:oMathParaPr>
+                    <m:oMath xmlns:m="http://schemas.openxmlformats.org/officeDocument/2006/math">
+                      <m:r>
+                        <a:rPr lang="en-US" sz="2400" b="0" i="1" dirty="0" smtClean="0">
+                          <a:latin typeface="Cambria Math" panose="02040503050406030204" pitchFamily="18" charset="0"/>
+                        </a:rPr>
+                        <m:t>=</m:t>
+                      </m:r>
+                      <m:r>
+                        <a:rPr lang="en-US" sz="2400" i="1">
+                          <a:latin typeface="Cambria Math" panose="02040503050406030204" pitchFamily="18" charset="0"/>
+                        </a:rPr>
+                        <m:t>𝑝</m:t>
+                      </m:r>
+                      <m:d>
+                        <m:dPr>
+                          <m:ctrlPr>
+                            <a:rPr lang="en-US" sz="2400" i="1">
+                              <a:latin typeface="Cambria Math" panose="02040503050406030204" pitchFamily="18" charset="0"/>
+                            </a:rPr>
+                          </m:ctrlPr>
+                        </m:dPr>
+                        <m:e>
+                          <m:r>
+                            <a:rPr lang="en-US" sz="2400" i="1">
+                              <a:latin typeface="Cambria Math" panose="02040503050406030204" pitchFamily="18" charset="0"/>
+                            </a:rPr>
+                            <m:t>𝑦</m:t>
+                          </m:r>
+                          <m:r>
+                            <a:rPr lang="en-US" sz="2400" i="1">
+                              <a:latin typeface="Cambria Math" panose="02040503050406030204" pitchFamily="18" charset="0"/>
+                            </a:rPr>
+                            <m:t>=1</m:t>
+                          </m:r>
+                        </m:e>
+                      </m:d>
+                      <m:nary>
+                        <m:naryPr>
+                          <m:supHide m:val="on"/>
+                          <m:ctrlPr>
+                            <a:rPr lang="en-US" sz="2400" b="0" i="1" dirty="0" smtClean="0">
+                              <a:latin typeface="Cambria Math" panose="02040503050406030204" pitchFamily="18" charset="0"/>
+                            </a:rPr>
+                          </m:ctrlPr>
+                        </m:naryPr>
+                        <m:sub>
+                          <m:sSub>
+                            <m:sSubPr>
+                              <m:ctrlPr>
+                                <a:rPr lang="en-US" sz="2400" b="0" i="1" dirty="0" smtClean="0">
+                                  <a:latin typeface="Cambria Math" panose="02040503050406030204" pitchFamily="18" charset="0"/>
+                                </a:rPr>
+                              </m:ctrlPr>
+                            </m:sSubPr>
+                            <m:e>
+                              <m:r>
+                                <a:rPr lang="en-US" sz="2400" b="0" i="1" dirty="0" smtClean="0">
+                                  <a:latin typeface="Cambria Math" panose="02040503050406030204" pitchFamily="18" charset="0"/>
+                                </a:rPr>
+                                <m:t>𝑅</m:t>
+                              </m:r>
+                            </m:e>
+                            <m:sub>
+                              <m:r>
+                                <a:rPr lang="en-US" sz="2400" b="0" i="1" dirty="0" smtClean="0">
+                                  <a:latin typeface="Cambria Math" panose="02040503050406030204" pitchFamily="18" charset="0"/>
+                                </a:rPr>
+                                <m:t>0</m:t>
+                              </m:r>
+                            </m:sub>
+                          </m:sSub>
+                        </m:sub>
+                        <m:sup/>
+                        <m:e>
+                          <m:r>
+                            <a:rPr lang="en-US" sz="2400" b="0" i="1" dirty="0" smtClean="0">
+                              <a:latin typeface="Cambria Math" panose="02040503050406030204" pitchFamily="18" charset="0"/>
+                            </a:rPr>
+                            <m:t>𝑝</m:t>
+                          </m:r>
+                          <m:d>
+                            <m:dPr>
+                              <m:ctrlPr>
+                                <a:rPr lang="en-US" sz="2400" b="0" i="1" dirty="0" smtClean="0">
+                                  <a:latin typeface="Cambria Math" panose="02040503050406030204" pitchFamily="18" charset="0"/>
+                                </a:rPr>
+                              </m:ctrlPr>
+                            </m:dPr>
+                            <m:e>
+                              <m:r>
+                                <a:rPr lang="en-US" sz="2400" b="0" i="1" dirty="0" smtClean="0">
+                                  <a:latin typeface="Cambria Math" panose="02040503050406030204" pitchFamily="18" charset="0"/>
+                                </a:rPr>
+                                <m:t>𝑥</m:t>
+                              </m:r>
+                            </m:e>
+                          </m:d>
+                          <m:r>
+                            <a:rPr lang="en-US" sz="2400" b="0" i="1" dirty="0" smtClean="0">
+                              <a:latin typeface="Cambria Math" panose="02040503050406030204" pitchFamily="18" charset="0"/>
+                            </a:rPr>
+                            <m:t>𝑑𝑥</m:t>
+                          </m:r>
+                        </m:e>
+                      </m:nary>
+                      <m:r>
+                        <a:rPr lang="en-US" sz="2400" b="0" i="1" dirty="0" smtClean="0">
+                          <a:latin typeface="Cambria Math" panose="02040503050406030204" pitchFamily="18" charset="0"/>
+                        </a:rPr>
+                        <m:t>+</m:t>
+                      </m:r>
+                      <m:r>
+                        <a:rPr lang="en-US" sz="2400" i="1">
+                          <a:latin typeface="Cambria Math" panose="02040503050406030204" pitchFamily="18" charset="0"/>
+                        </a:rPr>
+                        <m:t>𝑝</m:t>
+                      </m:r>
+                      <m:d>
+                        <m:dPr>
+                          <m:ctrlPr>
+                            <a:rPr lang="en-US" sz="2400" i="1">
+                              <a:latin typeface="Cambria Math" panose="02040503050406030204" pitchFamily="18" charset="0"/>
+                            </a:rPr>
+                          </m:ctrlPr>
+                        </m:dPr>
+                        <m:e>
+                          <m:r>
+                            <a:rPr lang="en-US" sz="2400" i="1">
+                              <a:latin typeface="Cambria Math" panose="02040503050406030204" pitchFamily="18" charset="0"/>
+                            </a:rPr>
+                            <m:t>𝑦</m:t>
+                          </m:r>
+                          <m:r>
+                            <a:rPr lang="en-US" sz="2400" i="1">
+                              <a:latin typeface="Cambria Math" panose="02040503050406030204" pitchFamily="18" charset="0"/>
+                            </a:rPr>
+                            <m:t>=0</m:t>
+                          </m:r>
+                        </m:e>
+                      </m:d>
+                      <m:nary>
+                        <m:naryPr>
+                          <m:supHide m:val="on"/>
+                          <m:ctrlPr>
+                            <a:rPr lang="en-US" sz="2400" i="1" dirty="0">
+                              <a:latin typeface="Cambria Math" panose="02040503050406030204" pitchFamily="18" charset="0"/>
+                            </a:rPr>
+                          </m:ctrlPr>
+                        </m:naryPr>
+                        <m:sub>
+                          <m:sSub>
+                            <m:sSubPr>
+                              <m:ctrlPr>
+                                <a:rPr lang="en-US" sz="2400" i="1" dirty="0">
+                                  <a:latin typeface="Cambria Math" panose="02040503050406030204" pitchFamily="18" charset="0"/>
+                                </a:rPr>
+                              </m:ctrlPr>
+                            </m:sSubPr>
+                            <m:e>
+                              <m:r>
+                                <a:rPr lang="en-US" sz="2400" b="0" i="1" dirty="0" smtClean="0">
+                                  <a:latin typeface="Cambria Math" panose="02040503050406030204" pitchFamily="18" charset="0"/>
+                                </a:rPr>
+                                <m:t>𝑅</m:t>
+                              </m:r>
+                            </m:e>
+                            <m:sub>
+                              <m:r>
+                                <a:rPr lang="en-US" sz="2400" b="0" i="1" dirty="0" smtClean="0">
+                                  <a:latin typeface="Cambria Math" panose="02040503050406030204" pitchFamily="18" charset="0"/>
+                                </a:rPr>
+                                <m:t>1</m:t>
+                              </m:r>
+                            </m:sub>
+                          </m:sSub>
+                        </m:sub>
+                        <m:sup/>
+                        <m:e>
+                          <m:r>
+                            <a:rPr lang="en-US" sz="2400" i="1" dirty="0">
+                              <a:latin typeface="Cambria Math" panose="02040503050406030204" pitchFamily="18" charset="0"/>
+                            </a:rPr>
+                            <m:t>𝑝</m:t>
+                          </m:r>
+                          <m:d>
+                            <m:dPr>
+                              <m:ctrlPr>
+                                <a:rPr lang="en-US" sz="2400" i="1" dirty="0">
+                                  <a:latin typeface="Cambria Math" panose="02040503050406030204" pitchFamily="18" charset="0"/>
+                                </a:rPr>
+                              </m:ctrlPr>
+                            </m:dPr>
+                            <m:e>
+                              <m:r>
+                                <a:rPr lang="en-US" sz="2400" i="1" dirty="0">
+                                  <a:latin typeface="Cambria Math" panose="02040503050406030204" pitchFamily="18" charset="0"/>
+                                </a:rPr>
+                                <m:t>𝑥</m:t>
+                              </m:r>
+                            </m:e>
+                          </m:d>
+                          <m:r>
+                            <a:rPr lang="en-US" sz="2400" i="1" dirty="0">
+                              <a:latin typeface="Cambria Math" panose="02040503050406030204" pitchFamily="18" charset="0"/>
+                            </a:rPr>
+                            <m:t>𝑑𝑥</m:t>
+                          </m:r>
+                        </m:e>
+                      </m:nary>
+                    </m:oMath>
+                  </m:oMathPara>
+                </a14:m>
+                <a:endParaRPr lang="en-US" sz="2400" dirty="0"/>
+              </a:p>
+            </p:txBody>
+          </p:sp>
+        </mc:Choice>
+        <mc:Fallback>
+          <p:sp>
+            <p:nvSpPr>
+              <p:cNvPr id="5" name="Rectangle 4"/>
+              <p:cNvSpPr>
+                <a:spLocks noRot="1" noChangeAspect="1" noMove="1" noResize="1" noEditPoints="1" noAdjustHandles="1" noChangeArrowheads="1" noChangeShapeType="1" noTextEdit="1"/>
+              </p:cNvSpPr>
+              <p:nvPr/>
+            </p:nvSpPr>
+            <p:spPr>
+              <a:xfrm>
+                <a:off x="-135466" y="3532592"/>
+                <a:ext cx="8906934" cy="895310"/>
+              </a:xfrm>
+              <a:prstGeom prst="rect">
+                <a:avLst/>
+              </a:prstGeom>
+              <a:blipFill rotWithShape="0">
+                <a:blip r:embed="rId4"/>
+                <a:stretch>
+                  <a:fillRect/>
+                </a:stretch>
+              </a:blipFill>
+            </p:spPr>
+            <p:txBody>
+              <a:bodyPr/>
+              <a:lstStyle/>
+              <a:p>
+                <a:r>
+                  <a:rPr lang="en-US">
+                    <a:noFill/>
+                  </a:rPr>
+                  <a:t> </a:t>
+                </a:r>
+              </a:p>
+            </p:txBody>
+          </p:sp>
+        </mc:Fallback>
+      </mc:AlternateContent>
+      <p:pic>
+        <p:nvPicPr>
+          <p:cNvPr id="6" name="Picture 2" descr="http://4.bp.blogspot.com/_pCJkSNKi5RE/Sx_XNsKUOpI/AAAAAAAAAk0/O1RNtITSnYA/s1600/bayes-decision-boundary.png"/>
+          <p:cNvPicPr>
+            <a:picLocks noChangeAspect="1" noChangeArrowheads="1"/>
+          </p:cNvPicPr>
+          <p:nvPr/>
+        </p:nvPicPr>
+        <p:blipFill>
+          <a:blip r:embed="rId5">
+            <a:extLst>
+              <a:ext uri="{28A0092B-C50C-407E-A947-70E740481C1C}">
+                <a14:useLocalDpi xmlns:a14="http://schemas.microsoft.com/office/drawing/2010/main" val="0"/>
+              </a:ext>
+            </a:extLst>
+          </a:blip>
+          <a:srcRect/>
+          <a:stretch>
+            <a:fillRect/>
+          </a:stretch>
+        </p:blipFill>
+        <p:spPr bwMode="auto">
+          <a:xfrm>
+            <a:off x="3861859" y="70187"/>
+            <a:ext cx="5155142" cy="3234123"/>
+          </a:xfrm>
+          <a:prstGeom prst="rect">
+            <a:avLst/>
+          </a:prstGeom>
+          <a:noFill/>
+          <a:extLst>
+            <a:ext uri="{909E8E84-426E-40DD-AFC4-6F175D3DCCD1}">
+              <a14:hiddenFill xmlns:a14="http://schemas.microsoft.com/office/drawing/2010/main">
+                <a:solidFill>
+                  <a:srgbClr val="FFFFFF"/>
+                </a:solidFill>
+              </a14:hiddenFill>
+            </a:ext>
+          </a:extLst>
+        </p:spPr>
+      </p:pic>
+      <mc:AlternateContent xmlns:mc="http://schemas.openxmlformats.org/markup-compatibility/2006">
+        <mc:Choice xmlns:a14="http://schemas.microsoft.com/office/drawing/2010/main" Requires="a14">
+          <p:sp>
+            <p:nvSpPr>
+              <p:cNvPr id="7" name="TextBox 6"/>
+              <p:cNvSpPr txBox="1"/>
+              <p:nvPr/>
+            </p:nvSpPr>
+            <p:spPr>
+              <a:xfrm>
+                <a:off x="2531533" y="4520053"/>
+                <a:ext cx="2040467" cy="646331"/>
+              </a:xfrm>
+              <a:prstGeom prst="rect">
+                <a:avLst/>
+              </a:prstGeom>
+              <a:noFill/>
+            </p:spPr>
+            <p:txBody>
+              <a:bodyPr wrap="square" rtlCol="0">
+                <a:spAutoFit/>
+              </a:bodyPr>
+              <a:lstStyle/>
+              <a:p>
+                <a:r>
+                  <a:rPr lang="en-US" dirty="0" smtClean="0"/>
+                  <a:t>Region where we assign </a:t>
+                </a:r>
+                <a14:m>
+                  <m:oMath xmlns:m="http://schemas.openxmlformats.org/officeDocument/2006/math">
+                    <m:r>
+                      <a:rPr lang="en-US" i="1" dirty="0" smtClean="0">
+                        <a:latin typeface="Cambria Math" panose="02040503050406030204" pitchFamily="18" charset="0"/>
+                      </a:rPr>
+                      <m:t>𝑥</m:t>
+                    </m:r>
+                  </m:oMath>
+                </a14:m>
+                <a:r>
+                  <a:rPr lang="en-US" dirty="0" smtClean="0"/>
+                  <a:t> to class 0</a:t>
+                </a:r>
+                <a:endParaRPr lang="en-US" dirty="0"/>
+              </a:p>
+            </p:txBody>
+          </p:sp>
+        </mc:Choice>
+        <mc:Fallback>
+          <p:sp>
+            <p:nvSpPr>
+              <p:cNvPr id="7" name="TextBox 6"/>
+              <p:cNvSpPr txBox="1">
+                <a:spLocks noRot="1" noChangeAspect="1" noMove="1" noResize="1" noEditPoints="1" noAdjustHandles="1" noChangeArrowheads="1" noChangeShapeType="1" noTextEdit="1"/>
+              </p:cNvSpPr>
+              <p:nvPr/>
+            </p:nvSpPr>
+            <p:spPr>
+              <a:xfrm>
+                <a:off x="2531533" y="4520053"/>
+                <a:ext cx="2040467" cy="646331"/>
+              </a:xfrm>
+              <a:prstGeom prst="rect">
+                <a:avLst/>
+              </a:prstGeom>
+              <a:blipFill rotWithShape="0">
+                <a:blip r:embed="rId6"/>
+                <a:stretch>
+                  <a:fillRect l="-2388" t="-4673" b="-13084"/>
+                </a:stretch>
+              </a:blipFill>
+            </p:spPr>
+            <p:txBody>
+              <a:bodyPr/>
+              <a:lstStyle/>
+              <a:p>
+                <a:r>
+                  <a:rPr lang="en-US">
+                    <a:noFill/>
+                  </a:rPr>
+                  <a:t> </a:t>
+                </a:r>
+              </a:p>
+            </p:txBody>
+          </p:sp>
+        </mc:Fallback>
+      </mc:AlternateContent>
+      <mc:AlternateContent xmlns:mc="http://schemas.openxmlformats.org/markup-compatibility/2006">
+        <mc:Choice xmlns:a14="http://schemas.microsoft.com/office/drawing/2010/main" Requires="a14">
+          <p:sp>
+            <p:nvSpPr>
+              <p:cNvPr id="8" name="TextBox 7"/>
+              <p:cNvSpPr txBox="1"/>
+              <p:nvPr/>
+            </p:nvSpPr>
+            <p:spPr>
+              <a:xfrm>
+                <a:off x="5419196" y="4520052"/>
+                <a:ext cx="2040467" cy="646331"/>
+              </a:xfrm>
+              <a:prstGeom prst="rect">
+                <a:avLst/>
+              </a:prstGeom>
+              <a:noFill/>
+            </p:spPr>
+            <p:txBody>
+              <a:bodyPr wrap="square" rtlCol="0">
+                <a:spAutoFit/>
+              </a:bodyPr>
+              <a:lstStyle/>
+              <a:p>
+                <a:r>
+                  <a:rPr lang="en-US" dirty="0" smtClean="0"/>
+                  <a:t>Region where we assign </a:t>
+                </a:r>
+                <a14:m>
+                  <m:oMath xmlns:m="http://schemas.openxmlformats.org/officeDocument/2006/math">
+                    <m:r>
+                      <a:rPr lang="en-US" i="1" dirty="0" smtClean="0">
+                        <a:latin typeface="Cambria Math" panose="02040503050406030204" pitchFamily="18" charset="0"/>
+                      </a:rPr>
+                      <m:t>𝑥</m:t>
+                    </m:r>
+                  </m:oMath>
+                </a14:m>
+                <a:r>
+                  <a:rPr lang="en-US" dirty="0" smtClean="0"/>
+                  <a:t> to class 1</a:t>
+                </a:r>
+                <a:endParaRPr lang="en-US" dirty="0"/>
+              </a:p>
+            </p:txBody>
+          </p:sp>
+        </mc:Choice>
+        <mc:Fallback>
+          <p:sp>
+            <p:nvSpPr>
+              <p:cNvPr id="8" name="TextBox 7"/>
+              <p:cNvSpPr txBox="1">
+                <a:spLocks noRot="1" noChangeAspect="1" noMove="1" noResize="1" noEditPoints="1" noAdjustHandles="1" noChangeArrowheads="1" noChangeShapeType="1" noTextEdit="1"/>
+              </p:cNvSpPr>
+              <p:nvPr/>
+            </p:nvSpPr>
+            <p:spPr>
+              <a:xfrm>
+                <a:off x="5419196" y="4520052"/>
+                <a:ext cx="2040467" cy="646331"/>
+              </a:xfrm>
+              <a:prstGeom prst="rect">
+                <a:avLst/>
+              </a:prstGeom>
+              <a:blipFill rotWithShape="0">
+                <a:blip r:embed="rId7"/>
+                <a:stretch>
+                  <a:fillRect l="-2687" t="-4673" b="-13084"/>
+                </a:stretch>
+              </a:blipFill>
+            </p:spPr>
+            <p:txBody>
+              <a:bodyPr/>
+              <a:lstStyle/>
+              <a:p>
+                <a:r>
+                  <a:rPr lang="en-US">
+                    <a:noFill/>
+                  </a:rPr>
+                  <a:t> </a:t>
+                </a:r>
+              </a:p>
+            </p:txBody>
+          </p:sp>
+        </mc:Fallback>
+      </mc:AlternateContent>
+      <p:cxnSp>
+        <p:nvCxnSpPr>
+          <p:cNvPr id="10" name="Straight Arrow Connector 9"/>
+          <p:cNvCxnSpPr>
+            <a:stCxn id="7" idx="0"/>
+          </p:cNvCxnSpPr>
+          <p:nvPr/>
+        </p:nvCxnSpPr>
+        <p:spPr>
+          <a:xfrm flipH="1" flipV="1">
+            <a:off x="2937933" y="4284133"/>
+            <a:ext cx="613834" cy="235920"/>
+          </a:xfrm>
+          <a:prstGeom prst="straightConnector1">
+            <a:avLst/>
+          </a:prstGeom>
+          <a:ln w="12700">
+            <a:solidFill>
+              <a:srgbClr val="FF0000"/>
+            </a:solidFill>
+            <a:tailEnd type="triangle"/>
+          </a:ln>
+        </p:spPr>
+        <p:style>
+          <a:lnRef idx="1">
+            <a:schemeClr val="accent1"/>
+          </a:lnRef>
+          <a:fillRef idx="0">
+            <a:schemeClr val="accent1"/>
+          </a:fillRef>
+          <a:effectRef idx="0">
+            <a:schemeClr val="accent1"/>
+          </a:effectRef>
+          <a:fontRef idx="minor">
+            <a:schemeClr val="tx1"/>
+          </a:fontRef>
+        </p:style>
+      </p:cxnSp>
+      <p:cxnSp>
+        <p:nvCxnSpPr>
+          <p:cNvPr id="11" name="Straight Arrow Connector 10"/>
+          <p:cNvCxnSpPr/>
+          <p:nvPr/>
+        </p:nvCxnSpPr>
+        <p:spPr>
+          <a:xfrm flipH="1" flipV="1">
+            <a:off x="5825595" y="4279816"/>
+            <a:ext cx="613834" cy="235920"/>
+          </a:xfrm>
+          <a:prstGeom prst="straightConnector1">
+            <a:avLst/>
+          </a:prstGeom>
+          <a:ln w="12700">
+            <a:solidFill>
+              <a:srgbClr val="FF0000"/>
+            </a:solidFill>
+            <a:tailEnd type="triangle"/>
+          </a:ln>
+        </p:spPr>
+        <p:style>
+          <a:lnRef idx="1">
+            <a:schemeClr val="accent1"/>
+          </a:lnRef>
+          <a:fillRef idx="0">
+            <a:schemeClr val="accent1"/>
+          </a:fillRef>
+          <a:effectRef idx="0">
+            <a:schemeClr val="accent1"/>
+          </a:effectRef>
+          <a:fontRef idx="minor">
+            <a:schemeClr val="tx1"/>
+          </a:fontRef>
+        </p:style>
+      </p:cxnSp>
+      <mc:AlternateContent xmlns:mc="http://schemas.openxmlformats.org/markup-compatibility/2006">
+        <mc:Choice xmlns:a14="http://schemas.microsoft.com/office/drawing/2010/main" Requires="a14">
+          <p:sp>
+            <p:nvSpPr>
+              <p:cNvPr id="12" name="TextBox 11"/>
+              <p:cNvSpPr txBox="1"/>
+              <p:nvPr/>
+            </p:nvSpPr>
+            <p:spPr>
+              <a:xfrm>
+                <a:off x="2349501" y="5364968"/>
+                <a:ext cx="4334933" cy="646331"/>
+              </a:xfrm>
+              <a:prstGeom prst="rect">
+                <a:avLst/>
+              </a:prstGeom>
+              <a:noFill/>
+            </p:spPr>
+            <p:txBody>
+              <a:bodyPr wrap="square" rtlCol="0">
+                <a:spAutoFit/>
+              </a:bodyPr>
+              <a:lstStyle/>
+              <a:p>
+                <a:r>
+                  <a:rPr lang="en-US" i="1" dirty="0" smtClean="0"/>
+                  <a:t>Will the error of assigning </a:t>
+                </a:r>
+                <a14:m>
+                  <m:oMath xmlns:m="http://schemas.openxmlformats.org/officeDocument/2006/math">
+                    <m:sSub>
+                      <m:sSubPr>
+                        <m:ctrlPr>
+                          <a:rPr lang="en-US" b="0" i="1" dirty="0" smtClean="0">
+                            <a:latin typeface="Cambria Math" panose="02040503050406030204" pitchFamily="18" charset="0"/>
+                          </a:rPr>
+                        </m:ctrlPr>
+                      </m:sSubPr>
+                      <m:e>
+                        <m:r>
+                          <a:rPr lang="en-US" i="1" dirty="0" smtClean="0">
+                            <a:latin typeface="Cambria Math" panose="02040503050406030204" pitchFamily="18" charset="0"/>
+                          </a:rPr>
+                          <m:t>𝑐</m:t>
+                        </m:r>
+                      </m:e>
+                      <m:sub>
+                        <m:r>
+                          <a:rPr lang="en-US" b="0" i="1" dirty="0" smtClean="0">
+                            <a:latin typeface="Cambria Math" panose="02040503050406030204" pitchFamily="18" charset="0"/>
+                          </a:rPr>
+                          <m:t>1</m:t>
+                        </m:r>
+                      </m:sub>
+                    </m:sSub>
+                  </m:oMath>
+                </a14:m>
+                <a:r>
+                  <a:rPr lang="en-US" i="1" dirty="0" smtClean="0"/>
+                  <a:t> to </a:t>
+                </a:r>
+                <a14:m>
+                  <m:oMath xmlns:m="http://schemas.openxmlformats.org/officeDocument/2006/math">
+                    <m:sSub>
+                      <m:sSubPr>
+                        <m:ctrlPr>
+                          <a:rPr lang="en-US" b="0" i="1" dirty="0" smtClean="0">
+                            <a:latin typeface="Cambria Math" panose="02040503050406030204" pitchFamily="18" charset="0"/>
+                          </a:rPr>
+                        </m:ctrlPr>
+                      </m:sSubPr>
+                      <m:e>
+                        <m:r>
+                          <a:rPr lang="en-US" i="1" dirty="0" smtClean="0">
+                            <a:latin typeface="Cambria Math" panose="02040503050406030204" pitchFamily="18" charset="0"/>
+                          </a:rPr>
+                          <m:t>𝑐</m:t>
+                        </m:r>
+                      </m:e>
+                      <m:sub>
+                        <m:r>
+                          <a:rPr lang="en-US" b="0" i="1" dirty="0" smtClean="0">
+                            <a:latin typeface="Cambria Math" panose="02040503050406030204" pitchFamily="18" charset="0"/>
+                          </a:rPr>
+                          <m:t>0</m:t>
+                        </m:r>
+                      </m:sub>
+                    </m:sSub>
+                  </m:oMath>
+                </a14:m>
+                <a:r>
+                  <a:rPr lang="en-US" i="1" dirty="0" smtClean="0"/>
+                  <a:t> be always equal to the error of assigning </a:t>
+                </a:r>
+                <a14:m>
+                  <m:oMath xmlns:m="http://schemas.openxmlformats.org/officeDocument/2006/math">
+                    <m:sSub>
+                      <m:sSubPr>
+                        <m:ctrlPr>
+                          <a:rPr lang="en-US" b="0" i="1" dirty="0" smtClean="0">
+                            <a:latin typeface="Cambria Math" panose="02040503050406030204" pitchFamily="18" charset="0"/>
+                          </a:rPr>
+                        </m:ctrlPr>
+                      </m:sSubPr>
+                      <m:e>
+                        <m:r>
+                          <a:rPr lang="en-US" i="1" dirty="0" smtClean="0">
+                            <a:latin typeface="Cambria Math" panose="02040503050406030204" pitchFamily="18" charset="0"/>
+                          </a:rPr>
+                          <m:t>𝑐</m:t>
+                        </m:r>
+                      </m:e>
+                      <m:sub>
+                        <m:r>
+                          <a:rPr lang="en-US" b="0" i="1" dirty="0" smtClean="0">
+                            <a:latin typeface="Cambria Math" panose="02040503050406030204" pitchFamily="18" charset="0"/>
+                          </a:rPr>
+                          <m:t>0</m:t>
+                        </m:r>
+                      </m:sub>
+                    </m:sSub>
+                  </m:oMath>
+                </a14:m>
+                <a:r>
+                  <a:rPr lang="en-US" i="1" dirty="0" smtClean="0"/>
+                  <a:t> to </a:t>
+                </a:r>
+                <a14:m>
+                  <m:oMath xmlns:m="http://schemas.openxmlformats.org/officeDocument/2006/math">
+                    <m:sSub>
+                      <m:sSubPr>
+                        <m:ctrlPr>
+                          <a:rPr lang="en-US" b="0" i="1" dirty="0" smtClean="0">
+                            <a:latin typeface="Cambria Math" panose="02040503050406030204" pitchFamily="18" charset="0"/>
+                          </a:rPr>
+                        </m:ctrlPr>
+                      </m:sSubPr>
+                      <m:e>
+                        <m:r>
+                          <a:rPr lang="en-US" i="1" dirty="0" smtClean="0">
+                            <a:latin typeface="Cambria Math" panose="02040503050406030204" pitchFamily="18" charset="0"/>
+                          </a:rPr>
+                          <m:t>𝑐</m:t>
+                        </m:r>
+                      </m:e>
+                      <m:sub>
+                        <m:r>
+                          <a:rPr lang="en-US" b="0" i="1" dirty="0" smtClean="0">
+                            <a:latin typeface="Cambria Math" panose="02040503050406030204" pitchFamily="18" charset="0"/>
+                          </a:rPr>
+                          <m:t>1</m:t>
+                        </m:r>
+                      </m:sub>
+                    </m:sSub>
+                  </m:oMath>
+                </a14:m>
+                <a:r>
+                  <a:rPr lang="en-US" i="1" dirty="0" smtClean="0"/>
+                  <a:t>?</a:t>
+                </a:r>
+                <a:endParaRPr lang="en-US" i="1" dirty="0"/>
+              </a:p>
+            </p:txBody>
+          </p:sp>
+        </mc:Choice>
+        <mc:Fallback>
+          <p:sp>
+            <p:nvSpPr>
+              <p:cNvPr id="12" name="TextBox 11"/>
+              <p:cNvSpPr txBox="1">
+                <a:spLocks noRot="1" noChangeAspect="1" noMove="1" noResize="1" noEditPoints="1" noAdjustHandles="1" noChangeArrowheads="1" noChangeShapeType="1" noTextEdit="1"/>
+              </p:cNvSpPr>
+              <p:nvPr/>
+            </p:nvSpPr>
+            <p:spPr>
+              <a:xfrm>
+                <a:off x="2349501" y="5364968"/>
+                <a:ext cx="4334933" cy="646331"/>
+              </a:xfrm>
+              <a:prstGeom prst="rect">
+                <a:avLst/>
+              </a:prstGeom>
+              <a:blipFill rotWithShape="0">
+                <a:blip r:embed="rId8"/>
+                <a:stretch>
+                  <a:fillRect l="-1124" t="-4717" r="-1685" b="-14151"/>
+                </a:stretch>
+              </a:blipFill>
+            </p:spPr>
+            <p:txBody>
+              <a:bodyPr/>
+              <a:lstStyle/>
+              <a:p>
+                <a:r>
+                  <a:rPr lang="en-US">
+                    <a:noFill/>
+                  </a:rPr>
+                  <a:t> </a:t>
+                </a:r>
+              </a:p>
+            </p:txBody>
+          </p:sp>
+        </mc:Fallback>
+      </mc:AlternateContent>
+    </p:spTree>
+    <p:extLst>
+      <p:ext uri="{BB962C8B-B14F-4D97-AF65-F5344CB8AC3E}">
+        <p14:creationId xmlns:p14="http://schemas.microsoft.com/office/powerpoint/2010/main" val="3398026310"/>
+      </p:ext>
+    </p:extLst>
+  </p:cSld>
+  <p:clrMapOvr>
+    <a:masterClrMapping/>
+  </p:clrMapOvr>
+  <p:timing>
+    <p:tnLst>
+      <p:par>
+        <p:cTn id="1" dur="indefinite" restart="never" nodeType="tmRoot"/>
+      </p:par>
+    </p:tnLst>
+  </p:timing>
 </p:sld>
 </file>
 
